--- a/reports/Capstone 2 - Keynotes.pptx
+++ b/reports/Capstone 2 - Keynotes.pptx
@@ -5,7 +5,7 @@
     <p:sldMasterId id="2147483696" r:id="rId1"/>
   </p:sldMasterIdLst>
   <p:notesMasterIdLst>
-    <p:notesMasterId r:id="rId17"/>
+    <p:notesMasterId r:id="rId23"/>
   </p:notesMasterIdLst>
   <p:sldIdLst>
     <p:sldId id="256" r:id="rId2"/>
@@ -20,9 +20,15 @@
     <p:sldId id="269" r:id="rId11"/>
     <p:sldId id="270" r:id="rId12"/>
     <p:sldId id="263" r:id="rId13"/>
-    <p:sldId id="264" r:id="rId14"/>
-    <p:sldId id="265" r:id="rId15"/>
-    <p:sldId id="266" r:id="rId16"/>
+    <p:sldId id="274" r:id="rId14"/>
+    <p:sldId id="272" r:id="rId15"/>
+    <p:sldId id="271" r:id="rId16"/>
+    <p:sldId id="275" r:id="rId17"/>
+    <p:sldId id="276" r:id="rId18"/>
+    <p:sldId id="264" r:id="rId19"/>
+    <p:sldId id="277" r:id="rId20"/>
+    <p:sldId id="265" r:id="rId21"/>
+    <p:sldId id="266" r:id="rId22"/>
   </p:sldIdLst>
   <p:sldSz cx="12192000" cy="6858000"/>
   <p:notesSz cx="6858000" cy="9144000"/>
@@ -122,6 +128,3062 @@
     </a:lvl9pPr>
   </p:defaultTextStyle>
 </p:presentation>
+</file>
+
+<file path=ppt/diagrams/colors1.xml><?xml version="1.0" encoding="utf-8"?>
+<dgm:colorsDef xmlns:dgm="http://schemas.openxmlformats.org/drawingml/2006/diagram" xmlns:a="http://schemas.openxmlformats.org/drawingml/2006/main" uniqueId="urn:microsoft.com/office/officeart/2005/8/colors/accent1_2">
+  <dgm:title val=""/>
+  <dgm:desc val=""/>
+  <dgm:catLst>
+    <dgm:cat type="accent1" pri="11200"/>
+  </dgm:catLst>
+  <dgm:styleLbl name="node0">
+    <dgm:fillClrLst meth="repeat">
+      <a:schemeClr val="accent1"/>
+    </dgm:fillClrLst>
+    <dgm:linClrLst meth="repeat">
+      <a:schemeClr val="lt1"/>
+    </dgm:linClrLst>
+    <dgm:effectClrLst/>
+    <dgm:txLinClrLst/>
+    <dgm:txFillClrLst/>
+    <dgm:txEffectClrLst/>
+  </dgm:styleLbl>
+  <dgm:styleLbl name="alignNode1">
+    <dgm:fillClrLst meth="repeat">
+      <a:schemeClr val="accent1"/>
+    </dgm:fillClrLst>
+    <dgm:linClrLst meth="repeat">
+      <a:schemeClr val="accent1"/>
+    </dgm:linClrLst>
+    <dgm:effectClrLst/>
+    <dgm:txLinClrLst/>
+    <dgm:txFillClrLst/>
+    <dgm:txEffectClrLst/>
+  </dgm:styleLbl>
+  <dgm:styleLbl name="node1">
+    <dgm:fillClrLst meth="repeat">
+      <a:schemeClr val="accent1"/>
+    </dgm:fillClrLst>
+    <dgm:linClrLst meth="repeat">
+      <a:schemeClr val="lt1"/>
+    </dgm:linClrLst>
+    <dgm:effectClrLst/>
+    <dgm:txLinClrLst/>
+    <dgm:txFillClrLst/>
+    <dgm:txEffectClrLst/>
+  </dgm:styleLbl>
+  <dgm:styleLbl name="lnNode1">
+    <dgm:fillClrLst meth="repeat">
+      <a:schemeClr val="accent1"/>
+    </dgm:fillClrLst>
+    <dgm:linClrLst meth="repeat">
+      <a:schemeClr val="lt1"/>
+    </dgm:linClrLst>
+    <dgm:effectClrLst/>
+    <dgm:txLinClrLst/>
+    <dgm:txFillClrLst/>
+    <dgm:txEffectClrLst/>
+  </dgm:styleLbl>
+  <dgm:styleLbl name="vennNode1">
+    <dgm:fillClrLst meth="repeat">
+      <a:schemeClr val="accent1">
+        <a:alpha val="50000"/>
+      </a:schemeClr>
+    </dgm:fillClrLst>
+    <dgm:linClrLst meth="repeat">
+      <a:schemeClr val="lt1"/>
+    </dgm:linClrLst>
+    <dgm:effectClrLst/>
+    <dgm:txLinClrLst/>
+    <dgm:txFillClrLst/>
+    <dgm:txEffectClrLst/>
+  </dgm:styleLbl>
+  <dgm:styleLbl name="node2">
+    <dgm:fillClrLst meth="repeat">
+      <a:schemeClr val="accent1"/>
+    </dgm:fillClrLst>
+    <dgm:linClrLst meth="repeat">
+      <a:schemeClr val="lt1"/>
+    </dgm:linClrLst>
+    <dgm:effectClrLst/>
+    <dgm:txLinClrLst/>
+    <dgm:txFillClrLst/>
+    <dgm:txEffectClrLst/>
+  </dgm:styleLbl>
+  <dgm:styleLbl name="node3">
+    <dgm:fillClrLst meth="repeat">
+      <a:schemeClr val="accent1"/>
+    </dgm:fillClrLst>
+    <dgm:linClrLst meth="repeat">
+      <a:schemeClr val="lt1"/>
+    </dgm:linClrLst>
+    <dgm:effectClrLst/>
+    <dgm:txLinClrLst/>
+    <dgm:txFillClrLst/>
+    <dgm:txEffectClrLst/>
+  </dgm:styleLbl>
+  <dgm:styleLbl name="node4">
+    <dgm:fillClrLst meth="repeat">
+      <a:schemeClr val="accent1"/>
+    </dgm:fillClrLst>
+    <dgm:linClrLst meth="repeat">
+      <a:schemeClr val="lt1"/>
+    </dgm:linClrLst>
+    <dgm:effectClrLst/>
+    <dgm:txLinClrLst/>
+    <dgm:txFillClrLst/>
+    <dgm:txEffectClrLst/>
+  </dgm:styleLbl>
+  <dgm:styleLbl name="fgImgPlace1">
+    <dgm:fillClrLst meth="repeat">
+      <a:schemeClr val="accent1">
+        <a:tint val="50000"/>
+      </a:schemeClr>
+    </dgm:fillClrLst>
+    <dgm:linClrLst meth="repeat">
+      <a:schemeClr val="lt1"/>
+    </dgm:linClrLst>
+    <dgm:effectClrLst/>
+    <dgm:txLinClrLst/>
+    <dgm:txFillClrLst meth="repeat">
+      <a:schemeClr val="lt1"/>
+    </dgm:txFillClrLst>
+    <dgm:txEffectClrLst/>
+  </dgm:styleLbl>
+  <dgm:styleLbl name="alignImgPlace1">
+    <dgm:fillClrLst meth="repeat">
+      <a:schemeClr val="accent1">
+        <a:tint val="50000"/>
+      </a:schemeClr>
+    </dgm:fillClrLst>
+    <dgm:linClrLst meth="repeat">
+      <a:schemeClr val="lt1"/>
+    </dgm:linClrLst>
+    <dgm:effectClrLst/>
+    <dgm:txLinClrLst/>
+    <dgm:txFillClrLst meth="repeat">
+      <a:schemeClr val="lt1"/>
+    </dgm:txFillClrLst>
+    <dgm:txEffectClrLst/>
+  </dgm:styleLbl>
+  <dgm:styleLbl name="bgImgPlace1">
+    <dgm:fillClrLst meth="repeat">
+      <a:schemeClr val="accent1">
+        <a:tint val="50000"/>
+      </a:schemeClr>
+    </dgm:fillClrLst>
+    <dgm:linClrLst meth="repeat">
+      <a:schemeClr val="lt1"/>
+    </dgm:linClrLst>
+    <dgm:effectClrLst/>
+    <dgm:txLinClrLst/>
+    <dgm:txFillClrLst meth="repeat">
+      <a:schemeClr val="lt1"/>
+    </dgm:txFillClrLst>
+    <dgm:txEffectClrLst/>
+  </dgm:styleLbl>
+  <dgm:styleLbl name="sibTrans2D1">
+    <dgm:fillClrLst meth="repeat">
+      <a:schemeClr val="accent1">
+        <a:tint val="60000"/>
+      </a:schemeClr>
+    </dgm:fillClrLst>
+    <dgm:linClrLst meth="repeat">
+      <a:schemeClr val="accent1">
+        <a:tint val="60000"/>
+      </a:schemeClr>
+    </dgm:linClrLst>
+    <dgm:effectClrLst/>
+    <dgm:txLinClrLst/>
+    <dgm:txFillClrLst/>
+    <dgm:txEffectClrLst/>
+  </dgm:styleLbl>
+  <dgm:styleLbl name="fgSibTrans2D1">
+    <dgm:fillClrLst meth="repeat">
+      <a:schemeClr val="accent1">
+        <a:tint val="60000"/>
+      </a:schemeClr>
+    </dgm:fillClrLst>
+    <dgm:linClrLst meth="repeat">
+      <a:schemeClr val="accent1">
+        <a:tint val="60000"/>
+      </a:schemeClr>
+    </dgm:linClrLst>
+    <dgm:effectClrLst/>
+    <dgm:txLinClrLst/>
+    <dgm:txFillClrLst/>
+    <dgm:txEffectClrLst/>
+  </dgm:styleLbl>
+  <dgm:styleLbl name="bgSibTrans2D1">
+    <dgm:fillClrLst meth="repeat">
+      <a:schemeClr val="accent1">
+        <a:tint val="60000"/>
+      </a:schemeClr>
+    </dgm:fillClrLst>
+    <dgm:linClrLst meth="repeat">
+      <a:schemeClr val="accent1">
+        <a:tint val="60000"/>
+      </a:schemeClr>
+    </dgm:linClrLst>
+    <dgm:effectClrLst/>
+    <dgm:txLinClrLst/>
+    <dgm:txFillClrLst/>
+    <dgm:txEffectClrLst/>
+  </dgm:styleLbl>
+  <dgm:styleLbl name="sibTrans1D1">
+    <dgm:fillClrLst meth="repeat">
+      <a:schemeClr val="accent1"/>
+    </dgm:fillClrLst>
+    <dgm:linClrLst meth="repeat">
+      <a:schemeClr val="accent1"/>
+    </dgm:linClrLst>
+    <dgm:effectClrLst/>
+    <dgm:txLinClrLst/>
+    <dgm:txFillClrLst meth="repeat">
+      <a:schemeClr val="tx1"/>
+    </dgm:txFillClrLst>
+    <dgm:txEffectClrLst/>
+  </dgm:styleLbl>
+  <dgm:styleLbl name="callout">
+    <dgm:fillClrLst meth="repeat">
+      <a:schemeClr val="accent1"/>
+    </dgm:fillClrLst>
+    <dgm:linClrLst meth="repeat">
+      <a:schemeClr val="accent1">
+        <a:tint val="50000"/>
+      </a:schemeClr>
+    </dgm:linClrLst>
+    <dgm:effectClrLst/>
+    <dgm:txLinClrLst/>
+    <dgm:txFillClrLst meth="repeat">
+      <a:schemeClr val="tx1"/>
+    </dgm:txFillClrLst>
+    <dgm:txEffectClrLst/>
+  </dgm:styleLbl>
+  <dgm:styleLbl name="asst0">
+    <dgm:fillClrLst meth="repeat">
+      <a:schemeClr val="accent1"/>
+    </dgm:fillClrLst>
+    <dgm:linClrLst meth="repeat">
+      <a:schemeClr val="lt1"/>
+    </dgm:linClrLst>
+    <dgm:effectClrLst/>
+    <dgm:txLinClrLst/>
+    <dgm:txFillClrLst/>
+    <dgm:txEffectClrLst/>
+  </dgm:styleLbl>
+  <dgm:styleLbl name="asst1">
+    <dgm:fillClrLst meth="repeat">
+      <a:schemeClr val="accent1"/>
+    </dgm:fillClrLst>
+    <dgm:linClrLst meth="repeat">
+      <a:schemeClr val="lt1"/>
+    </dgm:linClrLst>
+    <dgm:effectClrLst/>
+    <dgm:txLinClrLst/>
+    <dgm:txFillClrLst/>
+    <dgm:txEffectClrLst/>
+  </dgm:styleLbl>
+  <dgm:styleLbl name="asst2">
+    <dgm:fillClrLst meth="repeat">
+      <a:schemeClr val="accent1"/>
+    </dgm:fillClrLst>
+    <dgm:linClrLst meth="repeat">
+      <a:schemeClr val="lt1"/>
+    </dgm:linClrLst>
+    <dgm:effectClrLst/>
+    <dgm:txLinClrLst/>
+    <dgm:txFillClrLst/>
+    <dgm:txEffectClrLst/>
+  </dgm:styleLbl>
+  <dgm:styleLbl name="asst3">
+    <dgm:fillClrLst meth="repeat">
+      <a:schemeClr val="accent1"/>
+    </dgm:fillClrLst>
+    <dgm:linClrLst meth="repeat">
+      <a:schemeClr val="lt1"/>
+    </dgm:linClrLst>
+    <dgm:effectClrLst/>
+    <dgm:txLinClrLst/>
+    <dgm:txFillClrLst/>
+    <dgm:txEffectClrLst/>
+  </dgm:styleLbl>
+  <dgm:styleLbl name="asst4">
+    <dgm:fillClrLst meth="repeat">
+      <a:schemeClr val="accent1"/>
+    </dgm:fillClrLst>
+    <dgm:linClrLst meth="repeat">
+      <a:schemeClr val="lt1"/>
+    </dgm:linClrLst>
+    <dgm:effectClrLst/>
+    <dgm:txLinClrLst/>
+    <dgm:txFillClrLst/>
+    <dgm:txEffectClrLst/>
+  </dgm:styleLbl>
+  <dgm:styleLbl name="parChTrans2D1">
+    <dgm:fillClrLst meth="repeat">
+      <a:schemeClr val="accent1">
+        <a:tint val="60000"/>
+      </a:schemeClr>
+    </dgm:fillClrLst>
+    <dgm:linClrLst meth="repeat">
+      <a:schemeClr val="accent1">
+        <a:tint val="60000"/>
+      </a:schemeClr>
+    </dgm:linClrLst>
+    <dgm:effectClrLst/>
+    <dgm:txLinClrLst/>
+    <dgm:txFillClrLst meth="repeat">
+      <a:schemeClr val="lt1"/>
+    </dgm:txFillClrLst>
+    <dgm:txEffectClrLst/>
+  </dgm:styleLbl>
+  <dgm:styleLbl name="parChTrans2D2">
+    <dgm:fillClrLst meth="repeat">
+      <a:schemeClr val="accent1"/>
+    </dgm:fillClrLst>
+    <dgm:linClrLst meth="repeat">
+      <a:schemeClr val="accent1"/>
+    </dgm:linClrLst>
+    <dgm:effectClrLst/>
+    <dgm:txLinClrLst/>
+    <dgm:txFillClrLst meth="repeat">
+      <a:schemeClr val="lt1"/>
+    </dgm:txFillClrLst>
+    <dgm:txEffectClrLst/>
+  </dgm:styleLbl>
+  <dgm:styleLbl name="parChTrans2D3">
+    <dgm:fillClrLst meth="repeat">
+      <a:schemeClr val="accent1"/>
+    </dgm:fillClrLst>
+    <dgm:linClrLst meth="repeat">
+      <a:schemeClr val="accent1"/>
+    </dgm:linClrLst>
+    <dgm:effectClrLst/>
+    <dgm:txLinClrLst/>
+    <dgm:txFillClrLst meth="repeat">
+      <a:schemeClr val="lt1"/>
+    </dgm:txFillClrLst>
+    <dgm:txEffectClrLst/>
+  </dgm:styleLbl>
+  <dgm:styleLbl name="parChTrans2D4">
+    <dgm:fillClrLst meth="repeat">
+      <a:schemeClr val="accent1"/>
+    </dgm:fillClrLst>
+    <dgm:linClrLst meth="repeat">
+      <a:schemeClr val="accent1"/>
+    </dgm:linClrLst>
+    <dgm:effectClrLst/>
+    <dgm:txLinClrLst/>
+    <dgm:txFillClrLst meth="repeat">
+      <a:schemeClr val="lt1"/>
+    </dgm:txFillClrLst>
+    <dgm:txEffectClrLst/>
+  </dgm:styleLbl>
+  <dgm:styleLbl name="parChTrans1D1">
+    <dgm:fillClrLst meth="repeat">
+      <a:schemeClr val="accent1"/>
+    </dgm:fillClrLst>
+    <dgm:linClrLst meth="repeat">
+      <a:schemeClr val="accent1">
+        <a:shade val="60000"/>
+      </a:schemeClr>
+    </dgm:linClrLst>
+    <dgm:effectClrLst/>
+    <dgm:txLinClrLst/>
+    <dgm:txFillClrLst meth="repeat">
+      <a:schemeClr val="tx1"/>
+    </dgm:txFillClrLst>
+    <dgm:txEffectClrLst/>
+  </dgm:styleLbl>
+  <dgm:styleLbl name="parChTrans1D2">
+    <dgm:fillClrLst meth="repeat">
+      <a:schemeClr val="accent1"/>
+    </dgm:fillClrLst>
+    <dgm:linClrLst meth="repeat">
+      <a:schemeClr val="accent1">
+        <a:shade val="60000"/>
+      </a:schemeClr>
+    </dgm:linClrLst>
+    <dgm:effectClrLst/>
+    <dgm:txLinClrLst/>
+    <dgm:txFillClrLst meth="repeat">
+      <a:schemeClr val="tx1"/>
+    </dgm:txFillClrLst>
+    <dgm:txEffectClrLst/>
+  </dgm:styleLbl>
+  <dgm:styleLbl name="parChTrans1D3">
+    <dgm:fillClrLst meth="repeat">
+      <a:schemeClr val="accent1"/>
+    </dgm:fillClrLst>
+    <dgm:linClrLst meth="repeat">
+      <a:schemeClr val="accent1">
+        <a:shade val="80000"/>
+      </a:schemeClr>
+    </dgm:linClrLst>
+    <dgm:effectClrLst/>
+    <dgm:txLinClrLst/>
+    <dgm:txFillClrLst meth="repeat">
+      <a:schemeClr val="tx1"/>
+    </dgm:txFillClrLst>
+    <dgm:txEffectClrLst/>
+  </dgm:styleLbl>
+  <dgm:styleLbl name="parChTrans1D4">
+    <dgm:fillClrLst meth="repeat">
+      <a:schemeClr val="accent1"/>
+    </dgm:fillClrLst>
+    <dgm:linClrLst meth="repeat">
+      <a:schemeClr val="accent1">
+        <a:shade val="80000"/>
+      </a:schemeClr>
+    </dgm:linClrLst>
+    <dgm:effectClrLst/>
+    <dgm:txLinClrLst/>
+    <dgm:txFillClrLst meth="repeat">
+      <a:schemeClr val="tx1"/>
+    </dgm:txFillClrLst>
+    <dgm:txEffectClrLst/>
+  </dgm:styleLbl>
+  <dgm:styleLbl name="fgAcc1">
+    <dgm:fillClrLst meth="repeat">
+      <a:schemeClr val="lt1">
+        <a:alpha val="90000"/>
+      </a:schemeClr>
+    </dgm:fillClrLst>
+    <dgm:linClrLst meth="repeat">
+      <a:schemeClr val="accent1"/>
+    </dgm:linClrLst>
+    <dgm:effectClrLst/>
+    <dgm:txLinClrLst/>
+    <dgm:txFillClrLst meth="repeat">
+      <a:schemeClr val="dk1"/>
+    </dgm:txFillClrLst>
+    <dgm:txEffectClrLst/>
+  </dgm:styleLbl>
+  <dgm:styleLbl name="conFgAcc1">
+    <dgm:fillClrLst meth="repeat">
+      <a:schemeClr val="lt1">
+        <a:alpha val="90000"/>
+      </a:schemeClr>
+    </dgm:fillClrLst>
+    <dgm:linClrLst meth="repeat">
+      <a:schemeClr val="accent1"/>
+    </dgm:linClrLst>
+    <dgm:effectClrLst/>
+    <dgm:txLinClrLst/>
+    <dgm:txFillClrLst meth="repeat">
+      <a:schemeClr val="dk1"/>
+    </dgm:txFillClrLst>
+    <dgm:txEffectClrLst/>
+  </dgm:styleLbl>
+  <dgm:styleLbl name="alignAcc1">
+    <dgm:fillClrLst meth="repeat">
+      <a:schemeClr val="lt1">
+        <a:alpha val="90000"/>
+      </a:schemeClr>
+    </dgm:fillClrLst>
+    <dgm:linClrLst meth="repeat">
+      <a:schemeClr val="accent1"/>
+    </dgm:linClrLst>
+    <dgm:effectClrLst/>
+    <dgm:txLinClrLst/>
+    <dgm:txFillClrLst meth="repeat">
+      <a:schemeClr val="dk1"/>
+    </dgm:txFillClrLst>
+    <dgm:txEffectClrLst/>
+  </dgm:styleLbl>
+  <dgm:styleLbl name="trAlignAcc1">
+    <dgm:fillClrLst meth="repeat">
+      <a:schemeClr val="lt1">
+        <a:alpha val="40000"/>
+      </a:schemeClr>
+    </dgm:fillClrLst>
+    <dgm:linClrLst meth="repeat">
+      <a:schemeClr val="accent1"/>
+    </dgm:linClrLst>
+    <dgm:effectClrLst/>
+    <dgm:txLinClrLst/>
+    <dgm:txFillClrLst meth="repeat">
+      <a:schemeClr val="dk1"/>
+    </dgm:txFillClrLst>
+    <dgm:txEffectClrLst/>
+  </dgm:styleLbl>
+  <dgm:styleLbl name="bgAcc1">
+    <dgm:fillClrLst meth="repeat">
+      <a:schemeClr val="lt1">
+        <a:alpha val="90000"/>
+      </a:schemeClr>
+    </dgm:fillClrLst>
+    <dgm:linClrLst meth="repeat">
+      <a:schemeClr val="accent1"/>
+    </dgm:linClrLst>
+    <dgm:effectClrLst/>
+    <dgm:txLinClrLst/>
+    <dgm:txFillClrLst meth="repeat">
+      <a:schemeClr val="dk1"/>
+    </dgm:txFillClrLst>
+    <dgm:txEffectClrLst/>
+  </dgm:styleLbl>
+  <dgm:styleLbl name="solidFgAcc1">
+    <dgm:fillClrLst meth="repeat">
+      <a:schemeClr val="lt1"/>
+    </dgm:fillClrLst>
+    <dgm:linClrLst meth="repeat">
+      <a:schemeClr val="accent1"/>
+    </dgm:linClrLst>
+    <dgm:effectClrLst/>
+    <dgm:txLinClrLst/>
+    <dgm:txFillClrLst meth="repeat">
+      <a:schemeClr val="dk1"/>
+    </dgm:txFillClrLst>
+    <dgm:txEffectClrLst/>
+  </dgm:styleLbl>
+  <dgm:styleLbl name="solidAlignAcc1">
+    <dgm:fillClrLst meth="repeat">
+      <a:schemeClr val="lt1"/>
+    </dgm:fillClrLst>
+    <dgm:linClrLst meth="repeat">
+      <a:schemeClr val="accent1"/>
+    </dgm:linClrLst>
+    <dgm:effectClrLst/>
+    <dgm:txLinClrLst/>
+    <dgm:txFillClrLst meth="repeat">
+      <a:schemeClr val="dk1"/>
+    </dgm:txFillClrLst>
+    <dgm:txEffectClrLst/>
+  </dgm:styleLbl>
+  <dgm:styleLbl name="solidBgAcc1">
+    <dgm:fillClrLst meth="repeat">
+      <a:schemeClr val="lt1"/>
+    </dgm:fillClrLst>
+    <dgm:linClrLst meth="repeat">
+      <a:schemeClr val="accent1"/>
+    </dgm:linClrLst>
+    <dgm:effectClrLst/>
+    <dgm:txLinClrLst/>
+    <dgm:txFillClrLst meth="repeat">
+      <a:schemeClr val="dk1"/>
+    </dgm:txFillClrLst>
+    <dgm:txEffectClrLst/>
+  </dgm:styleLbl>
+  <dgm:styleLbl name="fgAccFollowNode1">
+    <dgm:fillClrLst meth="repeat">
+      <a:schemeClr val="accent1">
+        <a:alpha val="90000"/>
+        <a:tint val="40000"/>
+      </a:schemeClr>
+    </dgm:fillClrLst>
+    <dgm:linClrLst meth="repeat">
+      <a:schemeClr val="accent1">
+        <a:alpha val="90000"/>
+        <a:tint val="40000"/>
+      </a:schemeClr>
+    </dgm:linClrLst>
+    <dgm:effectClrLst/>
+    <dgm:txLinClrLst/>
+    <dgm:txFillClrLst meth="repeat">
+      <a:schemeClr val="dk1"/>
+    </dgm:txFillClrLst>
+    <dgm:txEffectClrLst/>
+  </dgm:styleLbl>
+  <dgm:styleLbl name="alignAccFollowNode1">
+    <dgm:fillClrLst meth="repeat">
+      <a:schemeClr val="accent1">
+        <a:alpha val="90000"/>
+        <a:tint val="40000"/>
+      </a:schemeClr>
+    </dgm:fillClrLst>
+    <dgm:linClrLst meth="repeat">
+      <a:schemeClr val="accent1">
+        <a:alpha val="90000"/>
+        <a:tint val="40000"/>
+      </a:schemeClr>
+    </dgm:linClrLst>
+    <dgm:effectClrLst/>
+    <dgm:txLinClrLst/>
+    <dgm:txFillClrLst meth="repeat">
+      <a:schemeClr val="dk1"/>
+    </dgm:txFillClrLst>
+    <dgm:txEffectClrLst/>
+  </dgm:styleLbl>
+  <dgm:styleLbl name="bgAccFollowNode1">
+    <dgm:fillClrLst meth="repeat">
+      <a:schemeClr val="accent1">
+        <a:alpha val="90000"/>
+        <a:tint val="40000"/>
+      </a:schemeClr>
+    </dgm:fillClrLst>
+    <dgm:linClrLst meth="repeat">
+      <a:schemeClr val="accent1">
+        <a:alpha val="90000"/>
+        <a:tint val="40000"/>
+      </a:schemeClr>
+    </dgm:linClrLst>
+    <dgm:effectClrLst/>
+    <dgm:txLinClrLst/>
+    <dgm:txFillClrLst meth="repeat">
+      <a:schemeClr val="dk1"/>
+    </dgm:txFillClrLst>
+    <dgm:txEffectClrLst/>
+  </dgm:styleLbl>
+  <dgm:styleLbl name="fgAcc0">
+    <dgm:fillClrLst meth="repeat">
+      <a:schemeClr val="lt1">
+        <a:alpha val="90000"/>
+      </a:schemeClr>
+    </dgm:fillClrLst>
+    <dgm:linClrLst meth="repeat">
+      <a:schemeClr val="accent1"/>
+    </dgm:linClrLst>
+    <dgm:effectClrLst/>
+    <dgm:txLinClrLst/>
+    <dgm:txFillClrLst meth="repeat">
+      <a:schemeClr val="dk1"/>
+    </dgm:txFillClrLst>
+    <dgm:txEffectClrLst/>
+  </dgm:styleLbl>
+  <dgm:styleLbl name="fgAcc2">
+    <dgm:fillClrLst meth="repeat">
+      <a:schemeClr val="lt1">
+        <a:alpha val="90000"/>
+      </a:schemeClr>
+    </dgm:fillClrLst>
+    <dgm:linClrLst meth="repeat">
+      <a:schemeClr val="accent1"/>
+    </dgm:linClrLst>
+    <dgm:effectClrLst/>
+    <dgm:txLinClrLst/>
+    <dgm:txFillClrLst meth="repeat">
+      <a:schemeClr val="dk1"/>
+    </dgm:txFillClrLst>
+    <dgm:txEffectClrLst/>
+  </dgm:styleLbl>
+  <dgm:styleLbl name="fgAcc3">
+    <dgm:fillClrLst meth="repeat">
+      <a:schemeClr val="lt1">
+        <a:alpha val="90000"/>
+      </a:schemeClr>
+    </dgm:fillClrLst>
+    <dgm:linClrLst meth="repeat">
+      <a:schemeClr val="accent1"/>
+    </dgm:linClrLst>
+    <dgm:effectClrLst/>
+    <dgm:txLinClrLst/>
+    <dgm:txFillClrLst meth="repeat">
+      <a:schemeClr val="dk1"/>
+    </dgm:txFillClrLst>
+    <dgm:txEffectClrLst/>
+  </dgm:styleLbl>
+  <dgm:styleLbl name="fgAcc4">
+    <dgm:fillClrLst meth="repeat">
+      <a:schemeClr val="lt1">
+        <a:alpha val="90000"/>
+      </a:schemeClr>
+    </dgm:fillClrLst>
+    <dgm:linClrLst meth="repeat">
+      <a:schemeClr val="accent1"/>
+    </dgm:linClrLst>
+    <dgm:effectClrLst/>
+    <dgm:txLinClrLst/>
+    <dgm:txFillClrLst meth="repeat">
+      <a:schemeClr val="dk1"/>
+    </dgm:txFillClrLst>
+    <dgm:txEffectClrLst/>
+  </dgm:styleLbl>
+  <dgm:styleLbl name="bgShp">
+    <dgm:fillClrLst meth="repeat">
+      <a:schemeClr val="accent1">
+        <a:tint val="40000"/>
+      </a:schemeClr>
+    </dgm:fillClrLst>
+    <dgm:linClrLst meth="repeat">
+      <a:schemeClr val="accent1"/>
+    </dgm:linClrLst>
+    <dgm:effectClrLst/>
+    <dgm:txLinClrLst/>
+    <dgm:txFillClrLst meth="repeat">
+      <a:schemeClr val="dk1"/>
+    </dgm:txFillClrLst>
+    <dgm:txEffectClrLst/>
+  </dgm:styleLbl>
+  <dgm:styleLbl name="dkBgShp">
+    <dgm:fillClrLst meth="repeat">
+      <a:schemeClr val="accent1">
+        <a:shade val="80000"/>
+      </a:schemeClr>
+    </dgm:fillClrLst>
+    <dgm:linClrLst meth="repeat">
+      <a:schemeClr val="accent1"/>
+    </dgm:linClrLst>
+    <dgm:effectClrLst/>
+    <dgm:txLinClrLst/>
+    <dgm:txFillClrLst meth="repeat">
+      <a:schemeClr val="lt1"/>
+    </dgm:txFillClrLst>
+    <dgm:txEffectClrLst/>
+  </dgm:styleLbl>
+  <dgm:styleLbl name="trBgShp">
+    <dgm:fillClrLst meth="repeat">
+      <a:schemeClr val="accent1">
+        <a:tint val="50000"/>
+        <a:alpha val="40000"/>
+      </a:schemeClr>
+    </dgm:fillClrLst>
+    <dgm:linClrLst meth="repeat">
+      <a:schemeClr val="accent1"/>
+    </dgm:linClrLst>
+    <dgm:effectClrLst/>
+    <dgm:txLinClrLst/>
+    <dgm:txFillClrLst meth="repeat">
+      <a:schemeClr val="lt1"/>
+    </dgm:txFillClrLst>
+    <dgm:txEffectClrLst/>
+  </dgm:styleLbl>
+  <dgm:styleLbl name="fgShp">
+    <dgm:fillClrLst meth="repeat">
+      <a:schemeClr val="accent1">
+        <a:tint val="60000"/>
+      </a:schemeClr>
+    </dgm:fillClrLst>
+    <dgm:linClrLst meth="repeat">
+      <a:schemeClr val="lt1"/>
+    </dgm:linClrLst>
+    <dgm:effectClrLst/>
+    <dgm:txLinClrLst/>
+    <dgm:txFillClrLst meth="repeat">
+      <a:schemeClr val="dk1"/>
+    </dgm:txFillClrLst>
+    <dgm:txEffectClrLst/>
+  </dgm:styleLbl>
+  <dgm:styleLbl name="revTx">
+    <dgm:fillClrLst meth="repeat">
+      <a:schemeClr val="lt1">
+        <a:alpha val="0"/>
+      </a:schemeClr>
+    </dgm:fillClrLst>
+    <dgm:linClrLst meth="repeat">
+      <a:schemeClr val="dk1">
+        <a:alpha val="0"/>
+      </a:schemeClr>
+    </dgm:linClrLst>
+    <dgm:effectClrLst/>
+    <dgm:txLinClrLst/>
+    <dgm:txFillClrLst meth="repeat">
+      <a:schemeClr val="tx1"/>
+    </dgm:txFillClrLst>
+    <dgm:txEffectClrLst/>
+  </dgm:styleLbl>
+</dgm:colorsDef>
+</file>
+
+<file path=ppt/diagrams/data1.xml><?xml version="1.0" encoding="utf-8"?>
+<dgm:dataModel xmlns:dgm="http://schemas.openxmlformats.org/drawingml/2006/diagram" xmlns:a="http://schemas.openxmlformats.org/drawingml/2006/main">
+  <dgm:ptLst>
+    <dgm:pt modelId="{3A424FB5-A23F-4438-9837-7B5BD7DEF8EE}" type="doc">
+      <dgm:prSet loTypeId="urn:microsoft.com/office/officeart/2005/8/layout/hierarchy1" loCatId="hierarchy" qsTypeId="urn:microsoft.com/office/officeart/2005/8/quickstyle/simple1" qsCatId="simple" csTypeId="urn:microsoft.com/office/officeart/2005/8/colors/accent1_2" csCatId="accent1" phldr="1"/>
+      <dgm:spPr/>
+      <dgm:t>
+        <a:bodyPr/>
+        <a:lstStyle/>
+        <a:p>
+          <a:endParaRPr lang="en-US"/>
+        </a:p>
+      </dgm:t>
+    </dgm:pt>
+    <dgm:pt modelId="{33E71483-F86C-4A85-ADD8-A7A50D3E5FD5}">
+      <dgm:prSet/>
+      <dgm:spPr/>
+      <dgm:t>
+        <a:bodyPr/>
+        <a:lstStyle/>
+        <a:p>
+          <a:r>
+            <a:rPr lang="en-US" dirty="0"/>
+            <a:t>Max</a:t>
+          </a:r>
+        </a:p>
+        <a:p>
+          <a:r>
+            <a:rPr lang="en-US" dirty="0"/>
+            <a:t> TP</a:t>
+          </a:r>
+        </a:p>
+      </dgm:t>
+    </dgm:pt>
+    <dgm:pt modelId="{4ED1EE1C-FD36-4CD5-99AD-04C837E4330B}" type="parTrans" cxnId="{1B7B2E72-C510-4571-B73B-09F7C243762E}">
+      <dgm:prSet/>
+      <dgm:spPr/>
+      <dgm:t>
+        <a:bodyPr/>
+        <a:lstStyle/>
+        <a:p>
+          <a:endParaRPr lang="en-US"/>
+        </a:p>
+      </dgm:t>
+    </dgm:pt>
+    <dgm:pt modelId="{9FFE6239-BC32-4047-ABE3-9E28E02BBF46}" type="sibTrans" cxnId="{1B7B2E72-C510-4571-B73B-09F7C243762E}">
+      <dgm:prSet/>
+      <dgm:spPr/>
+      <dgm:t>
+        <a:bodyPr/>
+        <a:lstStyle/>
+        <a:p>
+          <a:endParaRPr lang="en-US"/>
+        </a:p>
+      </dgm:t>
+    </dgm:pt>
+    <dgm:pt modelId="{2608B7D0-E7C8-48B0-A311-6000FF9FE49A}">
+      <dgm:prSet/>
+      <dgm:spPr/>
+      <dgm:t>
+        <a:bodyPr/>
+        <a:lstStyle/>
+        <a:p>
+          <a:r>
+            <a:rPr lang="en-US" dirty="0"/>
+            <a:t>Min</a:t>
+          </a:r>
+        </a:p>
+        <a:p>
+          <a:r>
+            <a:rPr lang="en-US" dirty="0"/>
+            <a:t>FN</a:t>
+          </a:r>
+        </a:p>
+      </dgm:t>
+    </dgm:pt>
+    <dgm:pt modelId="{7A4420AE-AD8B-47E9-A9D6-4A303FCE752C}" type="parTrans" cxnId="{FED0BDAD-16FD-4641-9BA9-FAD61659A2B3}">
+      <dgm:prSet/>
+      <dgm:spPr/>
+      <dgm:t>
+        <a:bodyPr/>
+        <a:lstStyle/>
+        <a:p>
+          <a:endParaRPr lang="en-US"/>
+        </a:p>
+      </dgm:t>
+    </dgm:pt>
+    <dgm:pt modelId="{E2DD078D-4B55-4111-BC15-21F5AF1424C7}" type="sibTrans" cxnId="{FED0BDAD-16FD-4641-9BA9-FAD61659A2B3}">
+      <dgm:prSet/>
+      <dgm:spPr/>
+      <dgm:t>
+        <a:bodyPr/>
+        <a:lstStyle/>
+        <a:p>
+          <a:endParaRPr lang="en-US"/>
+        </a:p>
+      </dgm:t>
+    </dgm:pt>
+    <dgm:pt modelId="{2FC5B259-DA0F-494F-B0AB-5E3DDA3EA171}">
+      <dgm:prSet/>
+      <dgm:spPr/>
+      <dgm:t>
+        <a:bodyPr/>
+        <a:lstStyle/>
+        <a:p>
+          <a:r>
+            <a:rPr lang="en-US" dirty="0"/>
+            <a:t>Smaller</a:t>
+          </a:r>
+        </a:p>
+        <a:p>
+          <a:r>
+            <a:rPr lang="en-US" dirty="0"/>
+            <a:t> FP</a:t>
+          </a:r>
+        </a:p>
+      </dgm:t>
+    </dgm:pt>
+    <dgm:pt modelId="{3D546171-6B4B-4DF4-A56A-BC579CE84E69}" type="parTrans" cxnId="{6E4565EF-1FBA-4BF7-80E0-818BD39CFC7C}">
+      <dgm:prSet/>
+      <dgm:spPr/>
+      <dgm:t>
+        <a:bodyPr/>
+        <a:lstStyle/>
+        <a:p>
+          <a:endParaRPr lang="en-US"/>
+        </a:p>
+      </dgm:t>
+    </dgm:pt>
+    <dgm:pt modelId="{97BB8AAA-26D6-4697-84CA-A9D302309550}" type="sibTrans" cxnId="{6E4565EF-1FBA-4BF7-80E0-818BD39CFC7C}">
+      <dgm:prSet/>
+      <dgm:spPr/>
+      <dgm:t>
+        <a:bodyPr/>
+        <a:lstStyle/>
+        <a:p>
+          <a:endParaRPr lang="en-US"/>
+        </a:p>
+      </dgm:t>
+    </dgm:pt>
+    <dgm:pt modelId="{E5A88D18-E2BD-3D42-824A-280807FEA99A}" type="pres">
+      <dgm:prSet presAssocID="{3A424FB5-A23F-4438-9837-7B5BD7DEF8EE}" presName="hierChild1" presStyleCnt="0">
+        <dgm:presLayoutVars>
+          <dgm:chPref val="1"/>
+          <dgm:dir/>
+          <dgm:animOne val="branch"/>
+          <dgm:animLvl val="lvl"/>
+          <dgm:resizeHandles/>
+        </dgm:presLayoutVars>
+      </dgm:prSet>
+      <dgm:spPr/>
+    </dgm:pt>
+    <dgm:pt modelId="{0958B8A3-CB45-D040-BEAB-46E8B5358AD6}" type="pres">
+      <dgm:prSet presAssocID="{33E71483-F86C-4A85-ADD8-A7A50D3E5FD5}" presName="hierRoot1" presStyleCnt="0"/>
+      <dgm:spPr/>
+    </dgm:pt>
+    <dgm:pt modelId="{ACE9106D-B224-5743-81D9-3DA299A5CA16}" type="pres">
+      <dgm:prSet presAssocID="{33E71483-F86C-4A85-ADD8-A7A50D3E5FD5}" presName="composite" presStyleCnt="0"/>
+      <dgm:spPr/>
+    </dgm:pt>
+    <dgm:pt modelId="{ED76EC3A-F25C-AE4B-9658-79891EABB57D}" type="pres">
+      <dgm:prSet presAssocID="{33E71483-F86C-4A85-ADD8-A7A50D3E5FD5}" presName="background" presStyleLbl="node0" presStyleIdx="0" presStyleCnt="3"/>
+      <dgm:spPr/>
+    </dgm:pt>
+    <dgm:pt modelId="{FD55F456-B9EC-E343-9F20-7829BD67CE15}" type="pres">
+      <dgm:prSet presAssocID="{33E71483-F86C-4A85-ADD8-A7A50D3E5FD5}" presName="text" presStyleLbl="fgAcc0" presStyleIdx="0" presStyleCnt="3">
+        <dgm:presLayoutVars>
+          <dgm:chPref val="3"/>
+        </dgm:presLayoutVars>
+      </dgm:prSet>
+      <dgm:spPr/>
+    </dgm:pt>
+    <dgm:pt modelId="{9AB4F380-1C64-344D-842C-4366B122D056}" type="pres">
+      <dgm:prSet presAssocID="{33E71483-F86C-4A85-ADD8-A7A50D3E5FD5}" presName="hierChild2" presStyleCnt="0"/>
+      <dgm:spPr/>
+    </dgm:pt>
+    <dgm:pt modelId="{7A59E5A3-A77D-1743-8AB5-1B6661843299}" type="pres">
+      <dgm:prSet presAssocID="{2608B7D0-E7C8-48B0-A311-6000FF9FE49A}" presName="hierRoot1" presStyleCnt="0"/>
+      <dgm:spPr/>
+    </dgm:pt>
+    <dgm:pt modelId="{45DECF07-5213-2143-8ECD-18DBF700CF95}" type="pres">
+      <dgm:prSet presAssocID="{2608B7D0-E7C8-48B0-A311-6000FF9FE49A}" presName="composite" presStyleCnt="0"/>
+      <dgm:spPr/>
+    </dgm:pt>
+    <dgm:pt modelId="{DCD0F047-C22F-F748-9198-8C3FB340EA5F}" type="pres">
+      <dgm:prSet presAssocID="{2608B7D0-E7C8-48B0-A311-6000FF9FE49A}" presName="background" presStyleLbl="node0" presStyleIdx="1" presStyleCnt="3"/>
+      <dgm:spPr/>
+    </dgm:pt>
+    <dgm:pt modelId="{6197AED6-20BE-D54F-A4AA-E9CDF4A23E6A}" type="pres">
+      <dgm:prSet presAssocID="{2608B7D0-E7C8-48B0-A311-6000FF9FE49A}" presName="text" presStyleLbl="fgAcc0" presStyleIdx="1" presStyleCnt="3">
+        <dgm:presLayoutVars>
+          <dgm:chPref val="3"/>
+        </dgm:presLayoutVars>
+      </dgm:prSet>
+      <dgm:spPr/>
+    </dgm:pt>
+    <dgm:pt modelId="{A4640482-2AC4-BE46-B1E1-37DE10DF2658}" type="pres">
+      <dgm:prSet presAssocID="{2608B7D0-E7C8-48B0-A311-6000FF9FE49A}" presName="hierChild2" presStyleCnt="0"/>
+      <dgm:spPr/>
+    </dgm:pt>
+    <dgm:pt modelId="{5A74310E-904D-CD4B-83F5-8A2A449B3F18}" type="pres">
+      <dgm:prSet presAssocID="{2FC5B259-DA0F-494F-B0AB-5E3DDA3EA171}" presName="hierRoot1" presStyleCnt="0"/>
+      <dgm:spPr/>
+    </dgm:pt>
+    <dgm:pt modelId="{9457652D-0C64-A743-9524-7E7AF20EFEAA}" type="pres">
+      <dgm:prSet presAssocID="{2FC5B259-DA0F-494F-B0AB-5E3DDA3EA171}" presName="composite" presStyleCnt="0"/>
+      <dgm:spPr/>
+    </dgm:pt>
+    <dgm:pt modelId="{7919B93D-AAAC-5B46-9AF5-2D4803904476}" type="pres">
+      <dgm:prSet presAssocID="{2FC5B259-DA0F-494F-B0AB-5E3DDA3EA171}" presName="background" presStyleLbl="node0" presStyleIdx="2" presStyleCnt="3"/>
+      <dgm:spPr/>
+    </dgm:pt>
+    <dgm:pt modelId="{08EB61BC-5CC8-0045-ABD7-E8B25B47DC54}" type="pres">
+      <dgm:prSet presAssocID="{2FC5B259-DA0F-494F-B0AB-5E3DDA3EA171}" presName="text" presStyleLbl="fgAcc0" presStyleIdx="2" presStyleCnt="3">
+        <dgm:presLayoutVars>
+          <dgm:chPref val="3"/>
+        </dgm:presLayoutVars>
+      </dgm:prSet>
+      <dgm:spPr/>
+    </dgm:pt>
+    <dgm:pt modelId="{C8BA5809-8FF4-2A4D-8D65-A30FC2F2F1FA}" type="pres">
+      <dgm:prSet presAssocID="{2FC5B259-DA0F-494F-B0AB-5E3DDA3EA171}" presName="hierChild2" presStyleCnt="0"/>
+      <dgm:spPr/>
+    </dgm:pt>
+  </dgm:ptLst>
+  <dgm:cxnLst>
+    <dgm:cxn modelId="{0D160D01-BF66-0A46-B743-A775C41226C2}" type="presOf" srcId="{3A424FB5-A23F-4438-9837-7B5BD7DEF8EE}" destId="{E5A88D18-E2BD-3D42-824A-280807FEA99A}" srcOrd="0" destOrd="0" presId="urn:microsoft.com/office/officeart/2005/8/layout/hierarchy1"/>
+    <dgm:cxn modelId="{CDB75B58-EE96-C443-9FC3-04358032E318}" type="presOf" srcId="{2FC5B259-DA0F-494F-B0AB-5E3DDA3EA171}" destId="{08EB61BC-5CC8-0045-ABD7-E8B25B47DC54}" srcOrd="0" destOrd="0" presId="urn:microsoft.com/office/officeart/2005/8/layout/hierarchy1"/>
+    <dgm:cxn modelId="{1B7B2E72-C510-4571-B73B-09F7C243762E}" srcId="{3A424FB5-A23F-4438-9837-7B5BD7DEF8EE}" destId="{33E71483-F86C-4A85-ADD8-A7A50D3E5FD5}" srcOrd="0" destOrd="0" parTransId="{4ED1EE1C-FD36-4CD5-99AD-04C837E4330B}" sibTransId="{9FFE6239-BC32-4047-ABE3-9E28E02BBF46}"/>
+    <dgm:cxn modelId="{A52E098C-E17B-0843-9F62-CA7C4667C052}" type="presOf" srcId="{33E71483-F86C-4A85-ADD8-A7A50D3E5FD5}" destId="{FD55F456-B9EC-E343-9F20-7829BD67CE15}" srcOrd="0" destOrd="0" presId="urn:microsoft.com/office/officeart/2005/8/layout/hierarchy1"/>
+    <dgm:cxn modelId="{FED0BDAD-16FD-4641-9BA9-FAD61659A2B3}" srcId="{3A424FB5-A23F-4438-9837-7B5BD7DEF8EE}" destId="{2608B7D0-E7C8-48B0-A311-6000FF9FE49A}" srcOrd="1" destOrd="0" parTransId="{7A4420AE-AD8B-47E9-A9D6-4A303FCE752C}" sibTransId="{E2DD078D-4B55-4111-BC15-21F5AF1424C7}"/>
+    <dgm:cxn modelId="{ACE771D7-4465-ED43-AF0C-0CDC96AE8FE6}" type="presOf" srcId="{2608B7D0-E7C8-48B0-A311-6000FF9FE49A}" destId="{6197AED6-20BE-D54F-A4AA-E9CDF4A23E6A}" srcOrd="0" destOrd="0" presId="urn:microsoft.com/office/officeart/2005/8/layout/hierarchy1"/>
+    <dgm:cxn modelId="{6E4565EF-1FBA-4BF7-80E0-818BD39CFC7C}" srcId="{3A424FB5-A23F-4438-9837-7B5BD7DEF8EE}" destId="{2FC5B259-DA0F-494F-B0AB-5E3DDA3EA171}" srcOrd="2" destOrd="0" parTransId="{3D546171-6B4B-4DF4-A56A-BC579CE84E69}" sibTransId="{97BB8AAA-26D6-4697-84CA-A9D302309550}"/>
+    <dgm:cxn modelId="{5CCBCA96-C945-584D-B4FD-A737EA530674}" type="presParOf" srcId="{E5A88D18-E2BD-3D42-824A-280807FEA99A}" destId="{0958B8A3-CB45-D040-BEAB-46E8B5358AD6}" srcOrd="0" destOrd="0" presId="urn:microsoft.com/office/officeart/2005/8/layout/hierarchy1"/>
+    <dgm:cxn modelId="{297F6539-D740-2445-8C8E-43A60290FE83}" type="presParOf" srcId="{0958B8A3-CB45-D040-BEAB-46E8B5358AD6}" destId="{ACE9106D-B224-5743-81D9-3DA299A5CA16}" srcOrd="0" destOrd="0" presId="urn:microsoft.com/office/officeart/2005/8/layout/hierarchy1"/>
+    <dgm:cxn modelId="{10FDDE61-61EE-5C40-8B39-8132E22A7F70}" type="presParOf" srcId="{ACE9106D-B224-5743-81D9-3DA299A5CA16}" destId="{ED76EC3A-F25C-AE4B-9658-79891EABB57D}" srcOrd="0" destOrd="0" presId="urn:microsoft.com/office/officeart/2005/8/layout/hierarchy1"/>
+    <dgm:cxn modelId="{A3FD9064-E8CF-3845-92E4-E902DEEB5D97}" type="presParOf" srcId="{ACE9106D-B224-5743-81D9-3DA299A5CA16}" destId="{FD55F456-B9EC-E343-9F20-7829BD67CE15}" srcOrd="1" destOrd="0" presId="urn:microsoft.com/office/officeart/2005/8/layout/hierarchy1"/>
+    <dgm:cxn modelId="{FE4091FC-7D90-A64D-A997-7485B23E45EC}" type="presParOf" srcId="{0958B8A3-CB45-D040-BEAB-46E8B5358AD6}" destId="{9AB4F380-1C64-344D-842C-4366B122D056}" srcOrd="1" destOrd="0" presId="urn:microsoft.com/office/officeart/2005/8/layout/hierarchy1"/>
+    <dgm:cxn modelId="{5F2E46AE-89CF-7249-8190-72B443BA0AAD}" type="presParOf" srcId="{E5A88D18-E2BD-3D42-824A-280807FEA99A}" destId="{7A59E5A3-A77D-1743-8AB5-1B6661843299}" srcOrd="1" destOrd="0" presId="urn:microsoft.com/office/officeart/2005/8/layout/hierarchy1"/>
+    <dgm:cxn modelId="{CF25E258-4859-0342-B295-AFD9F07A3B16}" type="presParOf" srcId="{7A59E5A3-A77D-1743-8AB5-1B6661843299}" destId="{45DECF07-5213-2143-8ECD-18DBF700CF95}" srcOrd="0" destOrd="0" presId="urn:microsoft.com/office/officeart/2005/8/layout/hierarchy1"/>
+    <dgm:cxn modelId="{582CB5DB-FB22-A048-A554-D15FDC443006}" type="presParOf" srcId="{45DECF07-5213-2143-8ECD-18DBF700CF95}" destId="{DCD0F047-C22F-F748-9198-8C3FB340EA5F}" srcOrd="0" destOrd="0" presId="urn:microsoft.com/office/officeart/2005/8/layout/hierarchy1"/>
+    <dgm:cxn modelId="{BB9C8A4E-69D8-A148-8BED-43F59C91FB91}" type="presParOf" srcId="{45DECF07-5213-2143-8ECD-18DBF700CF95}" destId="{6197AED6-20BE-D54F-A4AA-E9CDF4A23E6A}" srcOrd="1" destOrd="0" presId="urn:microsoft.com/office/officeart/2005/8/layout/hierarchy1"/>
+    <dgm:cxn modelId="{4F123C66-3BBD-C14F-875C-509E9769B50D}" type="presParOf" srcId="{7A59E5A3-A77D-1743-8AB5-1B6661843299}" destId="{A4640482-2AC4-BE46-B1E1-37DE10DF2658}" srcOrd="1" destOrd="0" presId="urn:microsoft.com/office/officeart/2005/8/layout/hierarchy1"/>
+    <dgm:cxn modelId="{660FA6C9-CF20-8C4E-BF1F-2FD0E0A3DC2C}" type="presParOf" srcId="{E5A88D18-E2BD-3D42-824A-280807FEA99A}" destId="{5A74310E-904D-CD4B-83F5-8A2A449B3F18}" srcOrd="2" destOrd="0" presId="urn:microsoft.com/office/officeart/2005/8/layout/hierarchy1"/>
+    <dgm:cxn modelId="{6F870369-14C2-7B4B-BF54-B3F3BF98F45C}" type="presParOf" srcId="{5A74310E-904D-CD4B-83F5-8A2A449B3F18}" destId="{9457652D-0C64-A743-9524-7E7AF20EFEAA}" srcOrd="0" destOrd="0" presId="urn:microsoft.com/office/officeart/2005/8/layout/hierarchy1"/>
+    <dgm:cxn modelId="{C103ECB4-CD4B-5946-A1A9-9B716A73C0DC}" type="presParOf" srcId="{9457652D-0C64-A743-9524-7E7AF20EFEAA}" destId="{7919B93D-AAAC-5B46-9AF5-2D4803904476}" srcOrd="0" destOrd="0" presId="urn:microsoft.com/office/officeart/2005/8/layout/hierarchy1"/>
+    <dgm:cxn modelId="{082F813E-8273-5D4B-B6D6-72C90980EE8B}" type="presParOf" srcId="{9457652D-0C64-A743-9524-7E7AF20EFEAA}" destId="{08EB61BC-5CC8-0045-ABD7-E8B25B47DC54}" srcOrd="1" destOrd="0" presId="urn:microsoft.com/office/officeart/2005/8/layout/hierarchy1"/>
+    <dgm:cxn modelId="{A0F62375-6580-C448-96B7-C5374AE8C7E1}" type="presParOf" srcId="{5A74310E-904D-CD4B-83F5-8A2A449B3F18}" destId="{C8BA5809-8FF4-2A4D-8D65-A30FC2F2F1FA}" srcOrd="1" destOrd="0" presId="urn:microsoft.com/office/officeart/2005/8/layout/hierarchy1"/>
+  </dgm:cxnLst>
+  <dgm:bg/>
+  <dgm:whole/>
+  <dgm:extLst>
+    <a:ext uri="http://schemas.microsoft.com/office/drawing/2008/diagram">
+      <dsp:dataModelExt xmlns:dsp="http://schemas.microsoft.com/office/drawing/2008/diagram" relId="rId7" minVer="http://schemas.openxmlformats.org/drawingml/2006/diagram"/>
+    </a:ext>
+  </dgm:extLst>
+</dgm:dataModel>
+</file>
+
+<file path=ppt/diagrams/drawing1.xml><?xml version="1.0" encoding="utf-8"?>
+<dsp:drawing xmlns:dgm="http://schemas.openxmlformats.org/drawingml/2006/diagram" xmlns:dsp="http://schemas.microsoft.com/office/drawing/2008/diagram" xmlns:a="http://schemas.openxmlformats.org/drawingml/2006/main">
+  <dsp:spTree>
+    <dsp:nvGrpSpPr>
+      <dsp:cNvPr id="0" name=""/>
+      <dsp:cNvGrpSpPr/>
+    </dsp:nvGrpSpPr>
+    <dsp:grpSpPr/>
+    <dsp:sp modelId="{ED76EC3A-F25C-AE4B-9658-79891EABB57D}">
+      <dsp:nvSpPr>
+        <dsp:cNvPr id="0" name=""/>
+        <dsp:cNvSpPr/>
+      </dsp:nvSpPr>
+      <dsp:spPr>
+        <a:xfrm>
+          <a:off x="0" y="1166042"/>
+          <a:ext cx="2516214" cy="1597796"/>
+        </a:xfrm>
+        <a:prstGeom prst="roundRect">
+          <a:avLst>
+            <a:gd name="adj" fmla="val 10000"/>
+          </a:avLst>
+        </a:prstGeom>
+        <a:solidFill>
+          <a:schemeClr val="accent1">
+            <a:hueOff val="0"/>
+            <a:satOff val="0"/>
+            <a:lumOff val="0"/>
+            <a:alphaOff val="0"/>
+          </a:schemeClr>
+        </a:solidFill>
+        <a:ln w="19050" cap="rnd" cmpd="sng" algn="ctr">
+          <a:solidFill>
+            <a:schemeClr val="lt1">
+              <a:hueOff val="0"/>
+              <a:satOff val="0"/>
+              <a:lumOff val="0"/>
+              <a:alphaOff val="0"/>
+            </a:schemeClr>
+          </a:solidFill>
+          <a:prstDash val="solid"/>
+        </a:ln>
+        <a:effectLst/>
+      </dsp:spPr>
+      <dsp:style>
+        <a:lnRef idx="2">
+          <a:scrgbClr r="0" g="0" b="0"/>
+        </a:lnRef>
+        <a:fillRef idx="1">
+          <a:scrgbClr r="0" g="0" b="0"/>
+        </a:fillRef>
+        <a:effectRef idx="0">
+          <a:scrgbClr r="0" g="0" b="0"/>
+        </a:effectRef>
+        <a:fontRef idx="minor">
+          <a:schemeClr val="lt1"/>
+        </a:fontRef>
+      </dsp:style>
+    </dsp:sp>
+    <dsp:sp modelId="{FD55F456-B9EC-E343-9F20-7829BD67CE15}">
+      <dsp:nvSpPr>
+        <dsp:cNvPr id="0" name=""/>
+        <dsp:cNvSpPr/>
+      </dsp:nvSpPr>
+      <dsp:spPr>
+        <a:xfrm>
+          <a:off x="279579" y="1431642"/>
+          <a:ext cx="2516214" cy="1597796"/>
+        </a:xfrm>
+        <a:prstGeom prst="roundRect">
+          <a:avLst>
+            <a:gd name="adj" fmla="val 10000"/>
+          </a:avLst>
+        </a:prstGeom>
+        <a:solidFill>
+          <a:schemeClr val="lt1">
+            <a:alpha val="90000"/>
+            <a:hueOff val="0"/>
+            <a:satOff val="0"/>
+            <a:lumOff val="0"/>
+            <a:alphaOff val="0"/>
+          </a:schemeClr>
+        </a:solidFill>
+        <a:ln w="19050" cap="rnd" cmpd="sng" algn="ctr">
+          <a:solidFill>
+            <a:schemeClr val="accent1">
+              <a:hueOff val="0"/>
+              <a:satOff val="0"/>
+              <a:lumOff val="0"/>
+              <a:alphaOff val="0"/>
+            </a:schemeClr>
+          </a:solidFill>
+          <a:prstDash val="solid"/>
+        </a:ln>
+        <a:effectLst/>
+      </dsp:spPr>
+      <dsp:style>
+        <a:lnRef idx="2">
+          <a:scrgbClr r="0" g="0" b="0"/>
+        </a:lnRef>
+        <a:fillRef idx="1">
+          <a:scrgbClr r="0" g="0" b="0"/>
+        </a:fillRef>
+        <a:effectRef idx="0">
+          <a:scrgbClr r="0" g="0" b="0"/>
+        </a:effectRef>
+        <a:fontRef idx="minor"/>
+      </dsp:style>
+      <dsp:txBody>
+        <a:bodyPr spcFirstLastPara="0" vert="horz" wrap="square" lIns="137160" tIns="137160" rIns="137160" bIns="137160" numCol="1" spcCol="1270" anchor="ctr" anchorCtr="0">
+          <a:noAutofit/>
+        </a:bodyPr>
+        <a:lstStyle/>
+        <a:p>
+          <a:pPr marL="0" lvl="0" indent="0" algn="ctr" defTabSz="1600200">
+            <a:lnSpc>
+              <a:spcPct val="90000"/>
+            </a:lnSpc>
+            <a:spcBef>
+              <a:spcPct val="0"/>
+            </a:spcBef>
+            <a:spcAft>
+              <a:spcPct val="35000"/>
+            </a:spcAft>
+            <a:buNone/>
+          </a:pPr>
+          <a:r>
+            <a:rPr lang="en-US" sz="3600" kern="1200" dirty="0"/>
+            <a:t>Max</a:t>
+          </a:r>
+        </a:p>
+        <a:p>
+          <a:pPr marL="0" lvl="0" indent="0" algn="ctr" defTabSz="1600200">
+            <a:lnSpc>
+              <a:spcPct val="90000"/>
+            </a:lnSpc>
+            <a:spcBef>
+              <a:spcPct val="0"/>
+            </a:spcBef>
+            <a:spcAft>
+              <a:spcPct val="35000"/>
+            </a:spcAft>
+            <a:buNone/>
+          </a:pPr>
+          <a:r>
+            <a:rPr lang="en-US" sz="3600" kern="1200" dirty="0"/>
+            <a:t> TP</a:t>
+          </a:r>
+        </a:p>
+      </dsp:txBody>
+      <dsp:txXfrm>
+        <a:off x="326377" y="1478440"/>
+        <a:ext cx="2422618" cy="1504200"/>
+      </dsp:txXfrm>
+    </dsp:sp>
+    <dsp:sp modelId="{DCD0F047-C22F-F748-9198-8C3FB340EA5F}">
+      <dsp:nvSpPr>
+        <dsp:cNvPr id="0" name=""/>
+        <dsp:cNvSpPr/>
+      </dsp:nvSpPr>
+      <dsp:spPr>
+        <a:xfrm>
+          <a:off x="3075373" y="1166042"/>
+          <a:ext cx="2516214" cy="1597796"/>
+        </a:xfrm>
+        <a:prstGeom prst="roundRect">
+          <a:avLst>
+            <a:gd name="adj" fmla="val 10000"/>
+          </a:avLst>
+        </a:prstGeom>
+        <a:solidFill>
+          <a:schemeClr val="accent1">
+            <a:hueOff val="0"/>
+            <a:satOff val="0"/>
+            <a:lumOff val="0"/>
+            <a:alphaOff val="0"/>
+          </a:schemeClr>
+        </a:solidFill>
+        <a:ln w="19050" cap="rnd" cmpd="sng" algn="ctr">
+          <a:solidFill>
+            <a:schemeClr val="lt1">
+              <a:hueOff val="0"/>
+              <a:satOff val="0"/>
+              <a:lumOff val="0"/>
+              <a:alphaOff val="0"/>
+            </a:schemeClr>
+          </a:solidFill>
+          <a:prstDash val="solid"/>
+        </a:ln>
+        <a:effectLst/>
+      </dsp:spPr>
+      <dsp:style>
+        <a:lnRef idx="2">
+          <a:scrgbClr r="0" g="0" b="0"/>
+        </a:lnRef>
+        <a:fillRef idx="1">
+          <a:scrgbClr r="0" g="0" b="0"/>
+        </a:fillRef>
+        <a:effectRef idx="0">
+          <a:scrgbClr r="0" g="0" b="0"/>
+        </a:effectRef>
+        <a:fontRef idx="minor">
+          <a:schemeClr val="lt1"/>
+        </a:fontRef>
+      </dsp:style>
+    </dsp:sp>
+    <dsp:sp modelId="{6197AED6-20BE-D54F-A4AA-E9CDF4A23E6A}">
+      <dsp:nvSpPr>
+        <dsp:cNvPr id="0" name=""/>
+        <dsp:cNvSpPr/>
+      </dsp:nvSpPr>
+      <dsp:spPr>
+        <a:xfrm>
+          <a:off x="3354952" y="1431642"/>
+          <a:ext cx="2516214" cy="1597796"/>
+        </a:xfrm>
+        <a:prstGeom prst="roundRect">
+          <a:avLst>
+            <a:gd name="adj" fmla="val 10000"/>
+          </a:avLst>
+        </a:prstGeom>
+        <a:solidFill>
+          <a:schemeClr val="lt1">
+            <a:alpha val="90000"/>
+            <a:hueOff val="0"/>
+            <a:satOff val="0"/>
+            <a:lumOff val="0"/>
+            <a:alphaOff val="0"/>
+          </a:schemeClr>
+        </a:solidFill>
+        <a:ln w="19050" cap="rnd" cmpd="sng" algn="ctr">
+          <a:solidFill>
+            <a:schemeClr val="accent1">
+              <a:hueOff val="0"/>
+              <a:satOff val="0"/>
+              <a:lumOff val="0"/>
+              <a:alphaOff val="0"/>
+            </a:schemeClr>
+          </a:solidFill>
+          <a:prstDash val="solid"/>
+        </a:ln>
+        <a:effectLst/>
+      </dsp:spPr>
+      <dsp:style>
+        <a:lnRef idx="2">
+          <a:scrgbClr r="0" g="0" b="0"/>
+        </a:lnRef>
+        <a:fillRef idx="1">
+          <a:scrgbClr r="0" g="0" b="0"/>
+        </a:fillRef>
+        <a:effectRef idx="0">
+          <a:scrgbClr r="0" g="0" b="0"/>
+        </a:effectRef>
+        <a:fontRef idx="minor"/>
+      </dsp:style>
+      <dsp:txBody>
+        <a:bodyPr spcFirstLastPara="0" vert="horz" wrap="square" lIns="137160" tIns="137160" rIns="137160" bIns="137160" numCol="1" spcCol="1270" anchor="ctr" anchorCtr="0">
+          <a:noAutofit/>
+        </a:bodyPr>
+        <a:lstStyle/>
+        <a:p>
+          <a:pPr marL="0" lvl="0" indent="0" algn="ctr" defTabSz="1600200">
+            <a:lnSpc>
+              <a:spcPct val="90000"/>
+            </a:lnSpc>
+            <a:spcBef>
+              <a:spcPct val="0"/>
+            </a:spcBef>
+            <a:spcAft>
+              <a:spcPct val="35000"/>
+            </a:spcAft>
+            <a:buNone/>
+          </a:pPr>
+          <a:r>
+            <a:rPr lang="en-US" sz="3600" kern="1200" dirty="0"/>
+            <a:t>Min</a:t>
+          </a:r>
+        </a:p>
+        <a:p>
+          <a:pPr marL="0" lvl="0" indent="0" algn="ctr" defTabSz="1600200">
+            <a:lnSpc>
+              <a:spcPct val="90000"/>
+            </a:lnSpc>
+            <a:spcBef>
+              <a:spcPct val="0"/>
+            </a:spcBef>
+            <a:spcAft>
+              <a:spcPct val="35000"/>
+            </a:spcAft>
+            <a:buNone/>
+          </a:pPr>
+          <a:r>
+            <a:rPr lang="en-US" sz="3600" kern="1200" dirty="0"/>
+            <a:t>FN</a:t>
+          </a:r>
+        </a:p>
+      </dsp:txBody>
+      <dsp:txXfrm>
+        <a:off x="3401750" y="1478440"/>
+        <a:ext cx="2422618" cy="1504200"/>
+      </dsp:txXfrm>
+    </dsp:sp>
+    <dsp:sp modelId="{7919B93D-AAAC-5B46-9AF5-2D4803904476}">
+      <dsp:nvSpPr>
+        <dsp:cNvPr id="0" name=""/>
+        <dsp:cNvSpPr/>
+      </dsp:nvSpPr>
+      <dsp:spPr>
+        <a:xfrm>
+          <a:off x="6150746" y="1166042"/>
+          <a:ext cx="2516214" cy="1597796"/>
+        </a:xfrm>
+        <a:prstGeom prst="roundRect">
+          <a:avLst>
+            <a:gd name="adj" fmla="val 10000"/>
+          </a:avLst>
+        </a:prstGeom>
+        <a:solidFill>
+          <a:schemeClr val="accent1">
+            <a:hueOff val="0"/>
+            <a:satOff val="0"/>
+            <a:lumOff val="0"/>
+            <a:alphaOff val="0"/>
+          </a:schemeClr>
+        </a:solidFill>
+        <a:ln w="19050" cap="rnd" cmpd="sng" algn="ctr">
+          <a:solidFill>
+            <a:schemeClr val="lt1">
+              <a:hueOff val="0"/>
+              <a:satOff val="0"/>
+              <a:lumOff val="0"/>
+              <a:alphaOff val="0"/>
+            </a:schemeClr>
+          </a:solidFill>
+          <a:prstDash val="solid"/>
+        </a:ln>
+        <a:effectLst/>
+      </dsp:spPr>
+      <dsp:style>
+        <a:lnRef idx="2">
+          <a:scrgbClr r="0" g="0" b="0"/>
+        </a:lnRef>
+        <a:fillRef idx="1">
+          <a:scrgbClr r="0" g="0" b="0"/>
+        </a:fillRef>
+        <a:effectRef idx="0">
+          <a:scrgbClr r="0" g="0" b="0"/>
+        </a:effectRef>
+        <a:fontRef idx="minor">
+          <a:schemeClr val="lt1"/>
+        </a:fontRef>
+      </dsp:style>
+    </dsp:sp>
+    <dsp:sp modelId="{08EB61BC-5CC8-0045-ABD7-E8B25B47DC54}">
+      <dsp:nvSpPr>
+        <dsp:cNvPr id="0" name=""/>
+        <dsp:cNvSpPr/>
+      </dsp:nvSpPr>
+      <dsp:spPr>
+        <a:xfrm>
+          <a:off x="6430326" y="1431642"/>
+          <a:ext cx="2516214" cy="1597796"/>
+        </a:xfrm>
+        <a:prstGeom prst="roundRect">
+          <a:avLst>
+            <a:gd name="adj" fmla="val 10000"/>
+          </a:avLst>
+        </a:prstGeom>
+        <a:solidFill>
+          <a:schemeClr val="lt1">
+            <a:alpha val="90000"/>
+            <a:hueOff val="0"/>
+            <a:satOff val="0"/>
+            <a:lumOff val="0"/>
+            <a:alphaOff val="0"/>
+          </a:schemeClr>
+        </a:solidFill>
+        <a:ln w="19050" cap="rnd" cmpd="sng" algn="ctr">
+          <a:solidFill>
+            <a:schemeClr val="accent1">
+              <a:hueOff val="0"/>
+              <a:satOff val="0"/>
+              <a:lumOff val="0"/>
+              <a:alphaOff val="0"/>
+            </a:schemeClr>
+          </a:solidFill>
+          <a:prstDash val="solid"/>
+        </a:ln>
+        <a:effectLst/>
+      </dsp:spPr>
+      <dsp:style>
+        <a:lnRef idx="2">
+          <a:scrgbClr r="0" g="0" b="0"/>
+        </a:lnRef>
+        <a:fillRef idx="1">
+          <a:scrgbClr r="0" g="0" b="0"/>
+        </a:fillRef>
+        <a:effectRef idx="0">
+          <a:scrgbClr r="0" g="0" b="0"/>
+        </a:effectRef>
+        <a:fontRef idx="minor"/>
+      </dsp:style>
+      <dsp:txBody>
+        <a:bodyPr spcFirstLastPara="0" vert="horz" wrap="square" lIns="137160" tIns="137160" rIns="137160" bIns="137160" numCol="1" spcCol="1270" anchor="ctr" anchorCtr="0">
+          <a:noAutofit/>
+        </a:bodyPr>
+        <a:lstStyle/>
+        <a:p>
+          <a:pPr marL="0" lvl="0" indent="0" algn="ctr" defTabSz="1600200">
+            <a:lnSpc>
+              <a:spcPct val="90000"/>
+            </a:lnSpc>
+            <a:spcBef>
+              <a:spcPct val="0"/>
+            </a:spcBef>
+            <a:spcAft>
+              <a:spcPct val="35000"/>
+            </a:spcAft>
+            <a:buNone/>
+          </a:pPr>
+          <a:r>
+            <a:rPr lang="en-US" sz="3600" kern="1200" dirty="0"/>
+            <a:t>Smaller</a:t>
+          </a:r>
+        </a:p>
+        <a:p>
+          <a:pPr marL="0" lvl="0" indent="0" algn="ctr" defTabSz="1600200">
+            <a:lnSpc>
+              <a:spcPct val="90000"/>
+            </a:lnSpc>
+            <a:spcBef>
+              <a:spcPct val="0"/>
+            </a:spcBef>
+            <a:spcAft>
+              <a:spcPct val="35000"/>
+            </a:spcAft>
+            <a:buNone/>
+          </a:pPr>
+          <a:r>
+            <a:rPr lang="en-US" sz="3600" kern="1200" dirty="0"/>
+            <a:t> FP</a:t>
+          </a:r>
+        </a:p>
+      </dsp:txBody>
+      <dsp:txXfrm>
+        <a:off x="6477124" y="1478440"/>
+        <a:ext cx="2422618" cy="1504200"/>
+      </dsp:txXfrm>
+    </dsp:sp>
+  </dsp:spTree>
+</dsp:drawing>
+</file>
+
+<file path=ppt/diagrams/layout1.xml><?xml version="1.0" encoding="utf-8"?>
+<dgm:layoutDef xmlns:dgm="http://schemas.openxmlformats.org/drawingml/2006/diagram" xmlns:a="http://schemas.openxmlformats.org/drawingml/2006/main" uniqueId="urn:microsoft.com/office/officeart/2005/8/layout/hierarchy1">
+  <dgm:title val=""/>
+  <dgm:desc val=""/>
+  <dgm:catLst>
+    <dgm:cat type="hierarchy" pri="2000"/>
+  </dgm:catLst>
+  <dgm:sampData>
+    <dgm:dataModel>
+      <dgm:ptLst>
+        <dgm:pt modelId="0" type="doc"/>
+        <dgm:pt modelId="1">
+          <dgm:prSet phldr="1"/>
+        </dgm:pt>
+        <dgm:pt modelId="2">
+          <dgm:prSet phldr="1"/>
+        </dgm:pt>
+        <dgm:pt modelId="21">
+          <dgm:prSet phldr="1"/>
+        </dgm:pt>
+        <dgm:pt modelId="22">
+          <dgm:prSet phldr="1"/>
+        </dgm:pt>
+        <dgm:pt modelId="3">
+          <dgm:prSet phldr="1"/>
+        </dgm:pt>
+        <dgm:pt modelId="31">
+          <dgm:prSet phldr="1"/>
+        </dgm:pt>
+      </dgm:ptLst>
+      <dgm:cxnLst>
+        <dgm:cxn modelId="4" srcId="0" destId="1" srcOrd="0" destOrd="0"/>
+        <dgm:cxn modelId="5" srcId="1" destId="2" srcOrd="0" destOrd="0"/>
+        <dgm:cxn modelId="6" srcId="1" destId="3" srcOrd="1" destOrd="0"/>
+        <dgm:cxn modelId="23" srcId="2" destId="21" srcOrd="0" destOrd="0"/>
+        <dgm:cxn modelId="24" srcId="2" destId="22" srcOrd="1" destOrd="0"/>
+        <dgm:cxn modelId="33" srcId="3" destId="31" srcOrd="0" destOrd="0"/>
+      </dgm:cxnLst>
+      <dgm:bg/>
+      <dgm:whole/>
+    </dgm:dataModel>
+  </dgm:sampData>
+  <dgm:styleData>
+    <dgm:dataModel>
+      <dgm:ptLst>
+        <dgm:pt modelId="0" type="doc"/>
+        <dgm:pt modelId="1"/>
+        <dgm:pt modelId="11"/>
+        <dgm:pt modelId="12"/>
+      </dgm:ptLst>
+      <dgm:cxnLst>
+        <dgm:cxn modelId="2" srcId="0" destId="1" srcOrd="0" destOrd="0"/>
+        <dgm:cxn modelId="13" srcId="1" destId="11" srcOrd="0" destOrd="0"/>
+        <dgm:cxn modelId="14" srcId="1" destId="12" srcOrd="1" destOrd="0"/>
+      </dgm:cxnLst>
+      <dgm:bg/>
+      <dgm:whole/>
+    </dgm:dataModel>
+  </dgm:styleData>
+  <dgm:clrData>
+    <dgm:dataModel>
+      <dgm:ptLst>
+        <dgm:pt modelId="0" type="doc"/>
+        <dgm:pt modelId="1"/>
+        <dgm:pt modelId="2"/>
+        <dgm:pt modelId="21"/>
+        <dgm:pt modelId="211"/>
+        <dgm:pt modelId="3"/>
+        <dgm:pt modelId="31"/>
+        <dgm:pt modelId="311"/>
+      </dgm:ptLst>
+      <dgm:cxnLst>
+        <dgm:cxn modelId="4" srcId="0" destId="1" srcOrd="0" destOrd="0"/>
+        <dgm:cxn modelId="5" srcId="1" destId="2" srcOrd="0" destOrd="0"/>
+        <dgm:cxn modelId="6" srcId="1" destId="3" srcOrd="1" destOrd="0"/>
+        <dgm:cxn modelId="23" srcId="2" destId="21" srcOrd="0" destOrd="0"/>
+        <dgm:cxn modelId="24" srcId="21" destId="211" srcOrd="0" destOrd="0"/>
+        <dgm:cxn modelId="33" srcId="3" destId="31" srcOrd="0" destOrd="0"/>
+        <dgm:cxn modelId="34" srcId="31" destId="311" srcOrd="0" destOrd="0"/>
+      </dgm:cxnLst>
+      <dgm:bg/>
+      <dgm:whole/>
+    </dgm:dataModel>
+  </dgm:clrData>
+  <dgm:layoutNode name="hierChild1">
+    <dgm:varLst>
+      <dgm:chPref val="1"/>
+      <dgm:dir/>
+      <dgm:animOne val="branch"/>
+      <dgm:animLvl val="lvl"/>
+      <dgm:resizeHandles/>
+    </dgm:varLst>
+    <dgm:choose name="Name0">
+      <dgm:if name="Name1" func="var" arg="dir" op="equ" val="norm">
+        <dgm:alg type="hierChild">
+          <dgm:param type="linDir" val="fromL"/>
+        </dgm:alg>
+      </dgm:if>
+      <dgm:else name="Name2">
+        <dgm:alg type="hierChild">
+          <dgm:param type="linDir" val="fromR"/>
+        </dgm:alg>
+      </dgm:else>
+    </dgm:choose>
+    <dgm:shape xmlns:r="http://schemas.openxmlformats.org/officeDocument/2006/relationships" r:blip="">
+      <dgm:adjLst/>
+    </dgm:shape>
+    <dgm:presOf/>
+    <dgm:constrLst>
+      <dgm:constr type="primFontSz" for="des" ptType="node" op="equ" val="65"/>
+      <dgm:constr type="w" for="des" forName="composite" refType="w"/>
+      <dgm:constr type="h" for="des" forName="composite" refType="w" refFor="des" refForName="composite" fact="0.667"/>
+      <dgm:constr type="w" for="des" forName="composite2" refType="w" refFor="des" refForName="composite"/>
+      <dgm:constr type="h" for="des" forName="composite2" refType="h" refFor="des" refForName="composite"/>
+      <dgm:constr type="w" for="des" forName="composite3" refType="w" refFor="des" refForName="composite"/>
+      <dgm:constr type="h" for="des" forName="composite3" refType="h" refFor="des" refForName="composite"/>
+      <dgm:constr type="w" for="des" forName="composite4" refType="w" refFor="des" refForName="composite"/>
+      <dgm:constr type="h" for="des" forName="composite4" refType="h" refFor="des" refForName="composite"/>
+      <dgm:constr type="w" for="des" forName="composite5" refType="w" refFor="des" refForName="composite"/>
+      <dgm:constr type="h" for="des" forName="composite5" refType="h" refFor="des" refForName="composite"/>
+      <dgm:constr type="sibSp" refType="w" refFor="des" refForName="composite" fact="0.1"/>
+      <dgm:constr type="sibSp" for="des" forName="hierChild2" refType="sibSp"/>
+      <dgm:constr type="sibSp" for="des" forName="hierChild3" refType="sibSp"/>
+      <dgm:constr type="sibSp" for="des" forName="hierChild4" refType="sibSp"/>
+      <dgm:constr type="sibSp" for="des" forName="hierChild5" refType="sibSp"/>
+      <dgm:constr type="sibSp" for="des" forName="hierChild6" refType="sibSp"/>
+      <dgm:constr type="sp" for="des" forName="hierRoot1" refType="h" refFor="des" refForName="composite" fact="0.25"/>
+      <dgm:constr type="sp" for="des" forName="hierRoot2" refType="sp" refFor="des" refForName="hierRoot1"/>
+      <dgm:constr type="sp" for="des" forName="hierRoot3" refType="sp" refFor="des" refForName="hierRoot1"/>
+      <dgm:constr type="sp" for="des" forName="hierRoot4" refType="sp" refFor="des" refForName="hierRoot1"/>
+      <dgm:constr type="sp" for="des" forName="hierRoot5" refType="sp" refFor="des" refForName="hierRoot1"/>
+    </dgm:constrLst>
+    <dgm:ruleLst/>
+    <dgm:forEach name="Name3" axis="ch">
+      <dgm:forEach name="Name4" axis="self" ptType="node">
+        <dgm:layoutNode name="hierRoot1">
+          <dgm:alg type="hierRoot"/>
+          <dgm:shape xmlns:r="http://schemas.openxmlformats.org/officeDocument/2006/relationships" r:blip="">
+            <dgm:adjLst/>
+          </dgm:shape>
+          <dgm:presOf/>
+          <dgm:constrLst>
+            <dgm:constr type="bendDist" for="des" ptType="parTrans" refType="sp" fact="0.5"/>
+          </dgm:constrLst>
+          <dgm:ruleLst/>
+          <dgm:layoutNode name="composite">
+            <dgm:alg type="composite"/>
+            <dgm:shape xmlns:r="http://schemas.openxmlformats.org/officeDocument/2006/relationships" r:blip="">
+              <dgm:adjLst/>
+            </dgm:shape>
+            <dgm:presOf/>
+            <dgm:constrLst>
+              <dgm:constr type="w" for="ch" forName="background" refType="w" fact="0.9"/>
+              <dgm:constr type="h" for="ch" forName="background" refType="w" refFor="ch" refForName="background" fact="0.635"/>
+              <dgm:constr type="t" for="ch" forName="background"/>
+              <dgm:constr type="l" for="ch" forName="background"/>
+              <dgm:constr type="w" for="ch" forName="text" refType="w" fact="0.9"/>
+              <dgm:constr type="h" for="ch" forName="text" refType="w" refFor="ch" refForName="text" fact="0.635"/>
+              <dgm:constr type="t" for="ch" forName="text" refType="w" fact="0.095"/>
+              <dgm:constr type="l" for="ch" forName="text" refType="w" fact="0.1"/>
+            </dgm:constrLst>
+            <dgm:ruleLst/>
+            <dgm:layoutNode name="background" styleLbl="node0" moveWith="text">
+              <dgm:alg type="sp"/>
+              <dgm:shape xmlns:r="http://schemas.openxmlformats.org/officeDocument/2006/relationships" type="roundRect" r:blip="">
+                <dgm:adjLst>
+                  <dgm:adj idx="1" val="0.1"/>
+                </dgm:adjLst>
+              </dgm:shape>
+              <dgm:presOf/>
+              <dgm:constrLst/>
+              <dgm:ruleLst/>
+            </dgm:layoutNode>
+            <dgm:layoutNode name="text" styleLbl="fgAcc0">
+              <dgm:varLst>
+                <dgm:chPref val="3"/>
+              </dgm:varLst>
+              <dgm:alg type="tx"/>
+              <dgm:shape xmlns:r="http://schemas.openxmlformats.org/officeDocument/2006/relationships" type="roundRect" r:blip="">
+                <dgm:adjLst>
+                  <dgm:adj idx="1" val="0.1"/>
+                </dgm:adjLst>
+              </dgm:shape>
+              <dgm:presOf axis="self"/>
+              <dgm:constrLst>
+                <dgm:constr type="tMarg" refType="primFontSz" fact="0.3"/>
+                <dgm:constr type="bMarg" refType="primFontSz" fact="0.3"/>
+                <dgm:constr type="lMarg" refType="primFontSz" fact="0.3"/>
+                <dgm:constr type="rMarg" refType="primFontSz" fact="0.3"/>
+              </dgm:constrLst>
+              <dgm:ruleLst>
+                <dgm:rule type="primFontSz" val="5" fact="NaN" max="NaN"/>
+              </dgm:ruleLst>
+            </dgm:layoutNode>
+          </dgm:layoutNode>
+          <dgm:layoutNode name="hierChild2">
+            <dgm:choose name="Name5">
+              <dgm:if name="Name6" func="var" arg="dir" op="equ" val="norm">
+                <dgm:alg type="hierChild">
+                  <dgm:param type="linDir" val="fromL"/>
+                </dgm:alg>
+              </dgm:if>
+              <dgm:else name="Name7">
+                <dgm:alg type="hierChild">
+                  <dgm:param type="linDir" val="fromR"/>
+                </dgm:alg>
+              </dgm:else>
+            </dgm:choose>
+            <dgm:shape xmlns:r="http://schemas.openxmlformats.org/officeDocument/2006/relationships" r:blip="">
+              <dgm:adjLst/>
+            </dgm:shape>
+            <dgm:presOf/>
+            <dgm:constrLst/>
+            <dgm:ruleLst/>
+            <dgm:forEach name="Name8" axis="ch">
+              <dgm:forEach name="Name9" axis="self" ptType="parTrans" cnt="1">
+                <dgm:layoutNode name="Name10">
+                  <dgm:alg type="conn">
+                    <dgm:param type="dim" val="1D"/>
+                    <dgm:param type="endSty" val="noArr"/>
+                    <dgm:param type="connRout" val="bend"/>
+                    <dgm:param type="bendPt" val="end"/>
+                    <dgm:param type="begPts" val="bCtr"/>
+                    <dgm:param type="endPts" val="tCtr"/>
+                    <dgm:param type="srcNode" val="background"/>
+                    <dgm:param type="dstNode" val="background2"/>
+                  </dgm:alg>
+                  <dgm:shape xmlns:r="http://schemas.openxmlformats.org/officeDocument/2006/relationships" type="conn" r:blip="" zOrderOff="-999">
+                    <dgm:adjLst/>
+                  </dgm:shape>
+                  <dgm:presOf axis="self"/>
+                  <dgm:constrLst>
+                    <dgm:constr type="begPad"/>
+                    <dgm:constr type="endPad"/>
+                  </dgm:constrLst>
+                  <dgm:ruleLst/>
+                </dgm:layoutNode>
+              </dgm:forEach>
+              <dgm:forEach name="Name11" axis="self" ptType="node">
+                <dgm:layoutNode name="hierRoot2">
+                  <dgm:alg type="hierRoot"/>
+                  <dgm:shape xmlns:r="http://schemas.openxmlformats.org/officeDocument/2006/relationships" r:blip="">
+                    <dgm:adjLst/>
+                  </dgm:shape>
+                  <dgm:presOf/>
+                  <dgm:constrLst>
+                    <dgm:constr type="bendDist" for="des" ptType="parTrans" refType="sp" fact="0.5"/>
+                  </dgm:constrLst>
+                  <dgm:ruleLst/>
+                  <dgm:layoutNode name="composite2">
+                    <dgm:alg type="composite"/>
+                    <dgm:shape xmlns:r="http://schemas.openxmlformats.org/officeDocument/2006/relationships" r:blip="">
+                      <dgm:adjLst/>
+                    </dgm:shape>
+                    <dgm:presOf/>
+                    <dgm:constrLst>
+                      <dgm:constr type="w" for="ch" forName="background2" refType="w" fact="0.9"/>
+                      <dgm:constr type="h" for="ch" forName="background2" refType="w" refFor="ch" refForName="background2" fact="0.635"/>
+                      <dgm:constr type="t" for="ch" forName="background2"/>
+                      <dgm:constr type="l" for="ch" forName="background2"/>
+                      <dgm:constr type="w" for="ch" forName="text2" refType="w" fact="0.9"/>
+                      <dgm:constr type="h" for="ch" forName="text2" refType="w" refFor="ch" refForName="text2" fact="0.635"/>
+                      <dgm:constr type="t" for="ch" forName="text2" refType="w" fact="0.095"/>
+                      <dgm:constr type="l" for="ch" forName="text2" refType="w" fact="0.1"/>
+                    </dgm:constrLst>
+                    <dgm:ruleLst/>
+                    <dgm:layoutNode name="background2" moveWith="text2">
+                      <dgm:alg type="sp"/>
+                      <dgm:shape xmlns:r="http://schemas.openxmlformats.org/officeDocument/2006/relationships" type="roundRect" r:blip="">
+                        <dgm:adjLst>
+                          <dgm:adj idx="1" val="0.1"/>
+                        </dgm:adjLst>
+                      </dgm:shape>
+                      <dgm:presOf/>
+                      <dgm:constrLst/>
+                      <dgm:ruleLst/>
+                    </dgm:layoutNode>
+                    <dgm:layoutNode name="text2" styleLbl="fgAcc2">
+                      <dgm:varLst>
+                        <dgm:chPref val="3"/>
+                      </dgm:varLst>
+                      <dgm:alg type="tx"/>
+                      <dgm:shape xmlns:r="http://schemas.openxmlformats.org/officeDocument/2006/relationships" type="roundRect" r:blip="">
+                        <dgm:adjLst>
+                          <dgm:adj idx="1" val="0.1"/>
+                        </dgm:adjLst>
+                      </dgm:shape>
+                      <dgm:presOf axis="self"/>
+                      <dgm:constrLst>
+                        <dgm:constr type="tMarg" refType="primFontSz" fact="0.3"/>
+                        <dgm:constr type="bMarg" refType="primFontSz" fact="0.3"/>
+                        <dgm:constr type="lMarg" refType="primFontSz" fact="0.3"/>
+                        <dgm:constr type="rMarg" refType="primFontSz" fact="0.3"/>
+                      </dgm:constrLst>
+                      <dgm:ruleLst>
+                        <dgm:rule type="primFontSz" val="5" fact="NaN" max="NaN"/>
+                      </dgm:ruleLst>
+                    </dgm:layoutNode>
+                  </dgm:layoutNode>
+                  <dgm:layoutNode name="hierChild3">
+                    <dgm:choose name="Name12">
+                      <dgm:if name="Name13" func="var" arg="dir" op="equ" val="norm">
+                        <dgm:alg type="hierChild">
+                          <dgm:param type="linDir" val="fromL"/>
+                        </dgm:alg>
+                      </dgm:if>
+                      <dgm:else name="Name14">
+                        <dgm:alg type="hierChild">
+                          <dgm:param type="linDir" val="fromR"/>
+                        </dgm:alg>
+                      </dgm:else>
+                    </dgm:choose>
+                    <dgm:shape xmlns:r="http://schemas.openxmlformats.org/officeDocument/2006/relationships" r:blip="">
+                      <dgm:adjLst/>
+                    </dgm:shape>
+                    <dgm:presOf/>
+                    <dgm:constrLst/>
+                    <dgm:ruleLst/>
+                    <dgm:forEach name="Name15" axis="ch">
+                      <dgm:forEach name="Name16" axis="self" ptType="parTrans" cnt="1">
+                        <dgm:layoutNode name="Name17">
+                          <dgm:alg type="conn">
+                            <dgm:param type="dim" val="1D"/>
+                            <dgm:param type="endSty" val="noArr"/>
+                            <dgm:param type="connRout" val="bend"/>
+                            <dgm:param type="bendPt" val="end"/>
+                            <dgm:param type="begPts" val="bCtr"/>
+                            <dgm:param type="endPts" val="tCtr"/>
+                            <dgm:param type="srcNode" val="background2"/>
+                            <dgm:param type="dstNode" val="background3"/>
+                          </dgm:alg>
+                          <dgm:shape xmlns:r="http://schemas.openxmlformats.org/officeDocument/2006/relationships" type="conn" r:blip="" zOrderOff="-999">
+                            <dgm:adjLst/>
+                          </dgm:shape>
+                          <dgm:presOf axis="self"/>
+                          <dgm:constrLst>
+                            <dgm:constr type="begPad"/>
+                            <dgm:constr type="endPad"/>
+                          </dgm:constrLst>
+                          <dgm:ruleLst/>
+                        </dgm:layoutNode>
+                      </dgm:forEach>
+                      <dgm:forEach name="Name18" axis="self" ptType="node">
+                        <dgm:layoutNode name="hierRoot3">
+                          <dgm:alg type="hierRoot"/>
+                          <dgm:shape xmlns:r="http://schemas.openxmlformats.org/officeDocument/2006/relationships" r:blip="">
+                            <dgm:adjLst/>
+                          </dgm:shape>
+                          <dgm:presOf/>
+                          <dgm:constrLst>
+                            <dgm:constr type="bendDist" for="des" ptType="parTrans" refType="sp" fact="0.5"/>
+                          </dgm:constrLst>
+                          <dgm:ruleLst/>
+                          <dgm:layoutNode name="composite3">
+                            <dgm:alg type="composite"/>
+                            <dgm:shape xmlns:r="http://schemas.openxmlformats.org/officeDocument/2006/relationships" r:blip="">
+                              <dgm:adjLst/>
+                            </dgm:shape>
+                            <dgm:presOf/>
+                            <dgm:constrLst>
+                              <dgm:constr type="w" for="ch" forName="background3" refType="w" fact="0.9"/>
+                              <dgm:constr type="h" for="ch" forName="background3" refType="w" refFor="ch" refForName="background3" fact="0.635"/>
+                              <dgm:constr type="t" for="ch" forName="background3"/>
+                              <dgm:constr type="l" for="ch" forName="background3"/>
+                              <dgm:constr type="w" for="ch" forName="text3" refType="w" fact="0.9"/>
+                              <dgm:constr type="h" for="ch" forName="text3" refType="w" refFor="ch" refForName="text3" fact="0.635"/>
+                              <dgm:constr type="t" for="ch" forName="text3" refType="w" fact="0.095"/>
+                              <dgm:constr type="l" for="ch" forName="text3" refType="w" fact="0.1"/>
+                            </dgm:constrLst>
+                            <dgm:ruleLst/>
+                            <dgm:layoutNode name="background3" moveWith="text3">
+                              <dgm:alg type="sp"/>
+                              <dgm:shape xmlns:r="http://schemas.openxmlformats.org/officeDocument/2006/relationships" type="roundRect" r:blip="">
+                                <dgm:adjLst>
+                                  <dgm:adj idx="1" val="0.1"/>
+                                </dgm:adjLst>
+                              </dgm:shape>
+                              <dgm:presOf/>
+                              <dgm:constrLst/>
+                              <dgm:ruleLst/>
+                            </dgm:layoutNode>
+                            <dgm:layoutNode name="text3" styleLbl="fgAcc3">
+                              <dgm:varLst>
+                                <dgm:chPref val="3"/>
+                              </dgm:varLst>
+                              <dgm:alg type="tx"/>
+                              <dgm:shape xmlns:r="http://schemas.openxmlformats.org/officeDocument/2006/relationships" type="roundRect" r:blip="">
+                                <dgm:adjLst>
+                                  <dgm:adj idx="1" val="0.1"/>
+                                </dgm:adjLst>
+                              </dgm:shape>
+                              <dgm:presOf axis="self"/>
+                              <dgm:constrLst>
+                                <dgm:constr type="tMarg" refType="primFontSz" fact="0.3"/>
+                                <dgm:constr type="bMarg" refType="primFontSz" fact="0.3"/>
+                                <dgm:constr type="lMarg" refType="primFontSz" fact="0.3"/>
+                                <dgm:constr type="rMarg" refType="primFontSz" fact="0.3"/>
+                              </dgm:constrLst>
+                              <dgm:ruleLst>
+                                <dgm:rule type="primFontSz" val="5" fact="NaN" max="NaN"/>
+                              </dgm:ruleLst>
+                            </dgm:layoutNode>
+                          </dgm:layoutNode>
+                          <dgm:layoutNode name="hierChild4">
+                            <dgm:choose name="Name19">
+                              <dgm:if name="Name20" func="var" arg="dir" op="equ" val="norm">
+                                <dgm:alg type="hierChild">
+                                  <dgm:param type="linDir" val="fromL"/>
+                                </dgm:alg>
+                              </dgm:if>
+                              <dgm:else name="Name21">
+                                <dgm:alg type="hierChild">
+                                  <dgm:param type="linDir" val="fromR"/>
+                                </dgm:alg>
+                              </dgm:else>
+                            </dgm:choose>
+                            <dgm:shape xmlns:r="http://schemas.openxmlformats.org/officeDocument/2006/relationships" r:blip="">
+                              <dgm:adjLst/>
+                            </dgm:shape>
+                            <dgm:presOf/>
+                            <dgm:constrLst/>
+                            <dgm:ruleLst/>
+                            <dgm:forEach name="repeat" axis="ch">
+                              <dgm:forEach name="Name22" axis="self" ptType="parTrans" cnt="1">
+                                <dgm:layoutNode name="Name23">
+                                  <dgm:choose name="Name24">
+                                    <dgm:if name="Name25" axis="self" func="depth" op="lte" val="4">
+                                      <dgm:alg type="conn">
+                                        <dgm:param type="dim" val="1D"/>
+                                        <dgm:param type="endSty" val="noArr"/>
+                                        <dgm:param type="connRout" val="bend"/>
+                                        <dgm:param type="bendPt" val="end"/>
+                                        <dgm:param type="begPts" val="bCtr"/>
+                                        <dgm:param type="endPts" val="tCtr"/>
+                                        <dgm:param type="srcNode" val="background3"/>
+                                        <dgm:param type="dstNode" val="background4"/>
+                                      </dgm:alg>
+                                    </dgm:if>
+                                    <dgm:else name="Name26">
+                                      <dgm:alg type="conn">
+                                        <dgm:param type="dim" val="1D"/>
+                                        <dgm:param type="endSty" val="noArr"/>
+                                        <dgm:param type="connRout" val="bend"/>
+                                        <dgm:param type="bendPt" val="end"/>
+                                        <dgm:param type="begPts" val="bCtr"/>
+                                        <dgm:param type="endPts" val="tCtr"/>
+                                        <dgm:param type="srcNode" val="background4"/>
+                                        <dgm:param type="dstNode" val="background4"/>
+                                      </dgm:alg>
+                                    </dgm:else>
+                                  </dgm:choose>
+                                  <dgm:shape xmlns:r="http://schemas.openxmlformats.org/officeDocument/2006/relationships" type="conn" r:blip="" zOrderOff="-999">
+                                    <dgm:adjLst/>
+                                  </dgm:shape>
+                                  <dgm:presOf axis="self"/>
+                                  <dgm:constrLst>
+                                    <dgm:constr type="begPad"/>
+                                    <dgm:constr type="endPad"/>
+                                  </dgm:constrLst>
+                                  <dgm:ruleLst/>
+                                </dgm:layoutNode>
+                              </dgm:forEach>
+                              <dgm:forEach name="Name27" axis="self" ptType="node">
+                                <dgm:layoutNode name="hierRoot4">
+                                  <dgm:alg type="hierRoot"/>
+                                  <dgm:shape xmlns:r="http://schemas.openxmlformats.org/officeDocument/2006/relationships" r:blip="">
+                                    <dgm:adjLst/>
+                                  </dgm:shape>
+                                  <dgm:presOf/>
+                                  <dgm:constrLst>
+                                    <dgm:constr type="bendDist" for="des" ptType="parTrans" refType="sp" fact="0.5"/>
+                                  </dgm:constrLst>
+                                  <dgm:ruleLst/>
+                                  <dgm:layoutNode name="composite4">
+                                    <dgm:alg type="composite"/>
+                                    <dgm:shape xmlns:r="http://schemas.openxmlformats.org/officeDocument/2006/relationships" r:blip="">
+                                      <dgm:adjLst/>
+                                    </dgm:shape>
+                                    <dgm:presOf/>
+                                    <dgm:constrLst>
+                                      <dgm:constr type="w" for="ch" forName="background4" refType="w" fact="0.9"/>
+                                      <dgm:constr type="h" for="ch" forName="background4" refType="w" refFor="ch" refForName="background4" fact="0.635"/>
+                                      <dgm:constr type="t" for="ch" forName="background4"/>
+                                      <dgm:constr type="l" for="ch" forName="background4"/>
+                                      <dgm:constr type="w" for="ch" forName="text4" refType="w" fact="0.9"/>
+                                      <dgm:constr type="h" for="ch" forName="text4" refType="w" refFor="ch" refForName="text4" fact="0.635"/>
+                                      <dgm:constr type="t" for="ch" forName="text4" refType="w" fact="0.095"/>
+                                      <dgm:constr type="l" for="ch" forName="text4" refType="w" fact="0.1"/>
+                                    </dgm:constrLst>
+                                    <dgm:ruleLst/>
+                                    <dgm:layoutNode name="background4" moveWith="text4">
+                                      <dgm:alg type="sp"/>
+                                      <dgm:shape xmlns:r="http://schemas.openxmlformats.org/officeDocument/2006/relationships" type="roundRect" r:blip="">
+                                        <dgm:adjLst>
+                                          <dgm:adj idx="1" val="0.1"/>
+                                        </dgm:adjLst>
+                                      </dgm:shape>
+                                      <dgm:presOf/>
+                                      <dgm:constrLst/>
+                                      <dgm:ruleLst/>
+                                    </dgm:layoutNode>
+                                    <dgm:layoutNode name="text4" styleLbl="fgAcc4">
+                                      <dgm:varLst>
+                                        <dgm:chPref val="3"/>
+                                      </dgm:varLst>
+                                      <dgm:alg type="tx"/>
+                                      <dgm:shape xmlns:r="http://schemas.openxmlformats.org/officeDocument/2006/relationships" type="roundRect" r:blip="">
+                                        <dgm:adjLst>
+                                          <dgm:adj idx="1" val="0.1"/>
+                                        </dgm:adjLst>
+                                      </dgm:shape>
+                                      <dgm:presOf axis="self"/>
+                                      <dgm:constrLst>
+                                        <dgm:constr type="tMarg" refType="primFontSz" fact="0.3"/>
+                                        <dgm:constr type="bMarg" refType="primFontSz" fact="0.3"/>
+                                        <dgm:constr type="lMarg" refType="primFontSz" fact="0.3"/>
+                                        <dgm:constr type="rMarg" refType="primFontSz" fact="0.3"/>
+                                      </dgm:constrLst>
+                                      <dgm:ruleLst>
+                                        <dgm:rule type="primFontSz" val="5" fact="NaN" max="NaN"/>
+                                      </dgm:ruleLst>
+                                    </dgm:layoutNode>
+                                  </dgm:layoutNode>
+                                  <dgm:layoutNode name="hierChild5">
+                                    <dgm:choose name="Name28">
+                                      <dgm:if name="Name29" func="var" arg="dir" op="equ" val="norm">
+                                        <dgm:alg type="hierChild">
+                                          <dgm:param type="linDir" val="fromL"/>
+                                        </dgm:alg>
+                                      </dgm:if>
+                                      <dgm:else name="Name30">
+                                        <dgm:alg type="hierChild">
+                                          <dgm:param type="linDir" val="fromR"/>
+                                        </dgm:alg>
+                                      </dgm:else>
+                                    </dgm:choose>
+                                    <dgm:shape xmlns:r="http://schemas.openxmlformats.org/officeDocument/2006/relationships" r:blip="">
+                                      <dgm:adjLst/>
+                                    </dgm:shape>
+                                    <dgm:presOf/>
+                                    <dgm:constrLst/>
+                                    <dgm:ruleLst/>
+                                    <dgm:forEach name="Name31" ref="repeat"/>
+                                  </dgm:layoutNode>
+                                </dgm:layoutNode>
+                              </dgm:forEach>
+                            </dgm:forEach>
+                          </dgm:layoutNode>
+                        </dgm:layoutNode>
+                      </dgm:forEach>
+                    </dgm:forEach>
+                  </dgm:layoutNode>
+                </dgm:layoutNode>
+              </dgm:forEach>
+            </dgm:forEach>
+          </dgm:layoutNode>
+        </dgm:layoutNode>
+      </dgm:forEach>
+    </dgm:forEach>
+  </dgm:layoutNode>
+</dgm:layoutDef>
+</file>
+
+<file path=ppt/diagrams/quickStyle1.xml><?xml version="1.0" encoding="utf-8"?>
+<dgm:styleDef xmlns:dgm="http://schemas.openxmlformats.org/drawingml/2006/diagram" xmlns:a="http://schemas.openxmlformats.org/drawingml/2006/main" uniqueId="urn:microsoft.com/office/officeart/2005/8/quickstyle/simple1">
+  <dgm:title val=""/>
+  <dgm:desc val=""/>
+  <dgm:catLst>
+    <dgm:cat type="simple" pri="10100"/>
+  </dgm:catLst>
+  <dgm:scene3d>
+    <a:camera prst="orthographicFront"/>
+    <a:lightRig rig="threePt" dir="t"/>
+  </dgm:scene3d>
+  <dgm:styleLbl name="node0">
+    <dgm:scene3d>
+      <a:camera prst="orthographicFront"/>
+      <a:lightRig rig="threePt" dir="t"/>
+    </dgm:scene3d>
+    <dgm:sp3d/>
+    <dgm:txPr/>
+    <dgm:style>
+      <a:lnRef idx="2">
+        <a:scrgbClr r="0" g="0" b="0"/>
+      </a:lnRef>
+      <a:fillRef idx="1">
+        <a:scrgbClr r="0" g="0" b="0"/>
+      </a:fillRef>
+      <a:effectRef idx="0">
+        <a:scrgbClr r="0" g="0" b="0"/>
+      </a:effectRef>
+      <a:fontRef idx="minor">
+        <a:schemeClr val="lt1"/>
+      </a:fontRef>
+    </dgm:style>
+  </dgm:styleLbl>
+  <dgm:styleLbl name="lnNode1">
+    <dgm:scene3d>
+      <a:camera prst="orthographicFront"/>
+      <a:lightRig rig="threePt" dir="t"/>
+    </dgm:scene3d>
+    <dgm:sp3d/>
+    <dgm:txPr/>
+    <dgm:style>
+      <a:lnRef idx="2">
+        <a:scrgbClr r="0" g="0" b="0"/>
+      </a:lnRef>
+      <a:fillRef idx="1">
+        <a:scrgbClr r="0" g="0" b="0"/>
+      </a:fillRef>
+      <a:effectRef idx="0">
+        <a:scrgbClr r="0" g="0" b="0"/>
+      </a:effectRef>
+      <a:fontRef idx="minor">
+        <a:schemeClr val="lt1"/>
+      </a:fontRef>
+    </dgm:style>
+  </dgm:styleLbl>
+  <dgm:styleLbl name="vennNode1">
+    <dgm:scene3d>
+      <a:camera prst="orthographicFront"/>
+      <a:lightRig rig="threePt" dir="t"/>
+    </dgm:scene3d>
+    <dgm:sp3d/>
+    <dgm:txPr/>
+    <dgm:style>
+      <a:lnRef idx="2">
+        <a:scrgbClr r="0" g="0" b="0"/>
+      </a:lnRef>
+      <a:fillRef idx="1">
+        <a:scrgbClr r="0" g="0" b="0"/>
+      </a:fillRef>
+      <a:effectRef idx="0">
+        <a:scrgbClr r="0" g="0" b="0"/>
+      </a:effectRef>
+      <a:fontRef idx="minor">
+        <a:schemeClr val="tx1"/>
+      </a:fontRef>
+    </dgm:style>
+  </dgm:styleLbl>
+  <dgm:styleLbl name="alignNode1">
+    <dgm:scene3d>
+      <a:camera prst="orthographicFront"/>
+      <a:lightRig rig="threePt" dir="t"/>
+    </dgm:scene3d>
+    <dgm:sp3d/>
+    <dgm:txPr/>
+    <dgm:style>
+      <a:lnRef idx="2">
+        <a:scrgbClr r="0" g="0" b="0"/>
+      </a:lnRef>
+      <a:fillRef idx="1">
+        <a:scrgbClr r="0" g="0" b="0"/>
+      </a:fillRef>
+      <a:effectRef idx="0">
+        <a:scrgbClr r="0" g="0" b="0"/>
+      </a:effectRef>
+      <a:fontRef idx="minor">
+        <a:schemeClr val="lt1"/>
+      </a:fontRef>
+    </dgm:style>
+  </dgm:styleLbl>
+  <dgm:styleLbl name="node1">
+    <dgm:scene3d>
+      <a:camera prst="orthographicFront"/>
+      <a:lightRig rig="threePt" dir="t"/>
+    </dgm:scene3d>
+    <dgm:sp3d/>
+    <dgm:txPr/>
+    <dgm:style>
+      <a:lnRef idx="2">
+        <a:scrgbClr r="0" g="0" b="0"/>
+      </a:lnRef>
+      <a:fillRef idx="1">
+        <a:scrgbClr r="0" g="0" b="0"/>
+      </a:fillRef>
+      <a:effectRef idx="0">
+        <a:scrgbClr r="0" g="0" b="0"/>
+      </a:effectRef>
+      <a:fontRef idx="minor">
+        <a:schemeClr val="lt1"/>
+      </a:fontRef>
+    </dgm:style>
+  </dgm:styleLbl>
+  <dgm:styleLbl name="node2">
+    <dgm:scene3d>
+      <a:camera prst="orthographicFront"/>
+      <a:lightRig rig="threePt" dir="t"/>
+    </dgm:scene3d>
+    <dgm:sp3d/>
+    <dgm:txPr/>
+    <dgm:style>
+      <a:lnRef idx="2">
+        <a:scrgbClr r="0" g="0" b="0"/>
+      </a:lnRef>
+      <a:fillRef idx="1">
+        <a:scrgbClr r="0" g="0" b="0"/>
+      </a:fillRef>
+      <a:effectRef idx="0">
+        <a:scrgbClr r="0" g="0" b="0"/>
+      </a:effectRef>
+      <a:fontRef idx="minor">
+        <a:schemeClr val="lt1"/>
+      </a:fontRef>
+    </dgm:style>
+  </dgm:styleLbl>
+  <dgm:styleLbl name="node3">
+    <dgm:scene3d>
+      <a:camera prst="orthographicFront"/>
+      <a:lightRig rig="threePt" dir="t"/>
+    </dgm:scene3d>
+    <dgm:sp3d/>
+    <dgm:txPr/>
+    <dgm:style>
+      <a:lnRef idx="2">
+        <a:scrgbClr r="0" g="0" b="0"/>
+      </a:lnRef>
+      <a:fillRef idx="1">
+        <a:scrgbClr r="0" g="0" b="0"/>
+      </a:fillRef>
+      <a:effectRef idx="0">
+        <a:scrgbClr r="0" g="0" b="0"/>
+      </a:effectRef>
+      <a:fontRef idx="minor">
+        <a:schemeClr val="lt1"/>
+      </a:fontRef>
+    </dgm:style>
+  </dgm:styleLbl>
+  <dgm:styleLbl name="node4">
+    <dgm:scene3d>
+      <a:camera prst="orthographicFront"/>
+      <a:lightRig rig="threePt" dir="t"/>
+    </dgm:scene3d>
+    <dgm:sp3d/>
+    <dgm:txPr/>
+    <dgm:style>
+      <a:lnRef idx="2">
+        <a:scrgbClr r="0" g="0" b="0"/>
+      </a:lnRef>
+      <a:fillRef idx="1">
+        <a:scrgbClr r="0" g="0" b="0"/>
+      </a:fillRef>
+      <a:effectRef idx="0">
+        <a:scrgbClr r="0" g="0" b="0"/>
+      </a:effectRef>
+      <a:fontRef idx="minor">
+        <a:schemeClr val="lt1"/>
+      </a:fontRef>
+    </dgm:style>
+  </dgm:styleLbl>
+  <dgm:styleLbl name="fgImgPlace1">
+    <dgm:scene3d>
+      <a:camera prst="orthographicFront"/>
+      <a:lightRig rig="threePt" dir="t"/>
+    </dgm:scene3d>
+    <dgm:sp3d/>
+    <dgm:txPr/>
+    <dgm:style>
+      <a:lnRef idx="2">
+        <a:scrgbClr r="0" g="0" b="0"/>
+      </a:lnRef>
+      <a:fillRef idx="1">
+        <a:scrgbClr r="0" g="0" b="0"/>
+      </a:fillRef>
+      <a:effectRef idx="0">
+        <a:scrgbClr r="0" g="0" b="0"/>
+      </a:effectRef>
+      <a:fontRef idx="minor"/>
+    </dgm:style>
+  </dgm:styleLbl>
+  <dgm:styleLbl name="alignImgPlace1">
+    <dgm:scene3d>
+      <a:camera prst="orthographicFront"/>
+      <a:lightRig rig="threePt" dir="t"/>
+    </dgm:scene3d>
+    <dgm:sp3d/>
+    <dgm:txPr/>
+    <dgm:style>
+      <a:lnRef idx="2">
+        <a:scrgbClr r="0" g="0" b="0"/>
+      </a:lnRef>
+      <a:fillRef idx="1">
+        <a:scrgbClr r="0" g="0" b="0"/>
+      </a:fillRef>
+      <a:effectRef idx="0">
+        <a:scrgbClr r="0" g="0" b="0"/>
+      </a:effectRef>
+      <a:fontRef idx="minor"/>
+    </dgm:style>
+  </dgm:styleLbl>
+  <dgm:styleLbl name="bgImgPlace1">
+    <dgm:scene3d>
+      <a:camera prst="orthographicFront"/>
+      <a:lightRig rig="threePt" dir="t"/>
+    </dgm:scene3d>
+    <dgm:sp3d/>
+    <dgm:txPr/>
+    <dgm:style>
+      <a:lnRef idx="2">
+        <a:scrgbClr r="0" g="0" b="0"/>
+      </a:lnRef>
+      <a:fillRef idx="1">
+        <a:scrgbClr r="0" g="0" b="0"/>
+      </a:fillRef>
+      <a:effectRef idx="0">
+        <a:scrgbClr r="0" g="0" b="0"/>
+      </a:effectRef>
+      <a:fontRef idx="minor"/>
+    </dgm:style>
+  </dgm:styleLbl>
+  <dgm:styleLbl name="sibTrans2D1">
+    <dgm:scene3d>
+      <a:camera prst="orthographicFront"/>
+      <a:lightRig rig="threePt" dir="t"/>
+    </dgm:scene3d>
+    <dgm:sp3d/>
+    <dgm:txPr/>
+    <dgm:style>
+      <a:lnRef idx="0">
+        <a:scrgbClr r="0" g="0" b="0"/>
+      </a:lnRef>
+      <a:fillRef idx="1">
+        <a:scrgbClr r="0" g="0" b="0"/>
+      </a:fillRef>
+      <a:effectRef idx="0">
+        <a:scrgbClr r="0" g="0" b="0"/>
+      </a:effectRef>
+      <a:fontRef idx="minor">
+        <a:schemeClr val="lt1"/>
+      </a:fontRef>
+    </dgm:style>
+  </dgm:styleLbl>
+  <dgm:styleLbl name="fgSibTrans2D1">
+    <dgm:scene3d>
+      <a:camera prst="orthographicFront"/>
+      <a:lightRig rig="threePt" dir="t"/>
+    </dgm:scene3d>
+    <dgm:sp3d/>
+    <dgm:txPr/>
+    <dgm:style>
+      <a:lnRef idx="0">
+        <a:scrgbClr r="0" g="0" b="0"/>
+      </a:lnRef>
+      <a:fillRef idx="1">
+        <a:scrgbClr r="0" g="0" b="0"/>
+      </a:fillRef>
+      <a:effectRef idx="0">
+        <a:scrgbClr r="0" g="0" b="0"/>
+      </a:effectRef>
+      <a:fontRef idx="minor">
+        <a:schemeClr val="lt1"/>
+      </a:fontRef>
+    </dgm:style>
+  </dgm:styleLbl>
+  <dgm:styleLbl name="bgSibTrans2D1">
+    <dgm:scene3d>
+      <a:camera prst="orthographicFront"/>
+      <a:lightRig rig="threePt" dir="t"/>
+    </dgm:scene3d>
+    <dgm:sp3d/>
+    <dgm:txPr/>
+    <dgm:style>
+      <a:lnRef idx="0">
+        <a:scrgbClr r="0" g="0" b="0"/>
+      </a:lnRef>
+      <a:fillRef idx="1">
+        <a:scrgbClr r="0" g="0" b="0"/>
+      </a:fillRef>
+      <a:effectRef idx="0">
+        <a:scrgbClr r="0" g="0" b="0"/>
+      </a:effectRef>
+      <a:fontRef idx="minor">
+        <a:schemeClr val="lt1"/>
+      </a:fontRef>
+    </dgm:style>
+  </dgm:styleLbl>
+  <dgm:styleLbl name="sibTrans1D1">
+    <dgm:scene3d>
+      <a:camera prst="orthographicFront"/>
+      <a:lightRig rig="threePt" dir="t"/>
+    </dgm:scene3d>
+    <dgm:sp3d/>
+    <dgm:txPr/>
+    <dgm:style>
+      <a:lnRef idx="1">
+        <a:scrgbClr r="0" g="0" b="0"/>
+      </a:lnRef>
+      <a:fillRef idx="0">
+        <a:scrgbClr r="0" g="0" b="0"/>
+      </a:fillRef>
+      <a:effectRef idx="0">
+        <a:scrgbClr r="0" g="0" b="0"/>
+      </a:effectRef>
+      <a:fontRef idx="minor"/>
+    </dgm:style>
+  </dgm:styleLbl>
+  <dgm:styleLbl name="callout">
+    <dgm:scene3d>
+      <a:camera prst="orthographicFront"/>
+      <a:lightRig rig="threePt" dir="t"/>
+    </dgm:scene3d>
+    <dgm:sp3d/>
+    <dgm:txPr/>
+    <dgm:style>
+      <a:lnRef idx="2">
+        <a:scrgbClr r="0" g="0" b="0"/>
+      </a:lnRef>
+      <a:fillRef idx="1">
+        <a:scrgbClr r="0" g="0" b="0"/>
+      </a:fillRef>
+      <a:effectRef idx="0">
+        <a:scrgbClr r="0" g="0" b="0"/>
+      </a:effectRef>
+      <a:fontRef idx="minor"/>
+    </dgm:style>
+  </dgm:styleLbl>
+  <dgm:styleLbl name="asst0">
+    <dgm:scene3d>
+      <a:camera prst="orthographicFront"/>
+      <a:lightRig rig="threePt" dir="t"/>
+    </dgm:scene3d>
+    <dgm:sp3d/>
+    <dgm:txPr/>
+    <dgm:style>
+      <a:lnRef idx="2">
+        <a:scrgbClr r="0" g="0" b="0"/>
+      </a:lnRef>
+      <a:fillRef idx="1">
+        <a:scrgbClr r="0" g="0" b="0"/>
+      </a:fillRef>
+      <a:effectRef idx="0">
+        <a:scrgbClr r="0" g="0" b="0"/>
+      </a:effectRef>
+      <a:fontRef idx="minor">
+        <a:schemeClr val="lt1"/>
+      </a:fontRef>
+    </dgm:style>
+  </dgm:styleLbl>
+  <dgm:styleLbl name="asst1">
+    <dgm:scene3d>
+      <a:camera prst="orthographicFront"/>
+      <a:lightRig rig="threePt" dir="t"/>
+    </dgm:scene3d>
+    <dgm:sp3d/>
+    <dgm:txPr/>
+    <dgm:style>
+      <a:lnRef idx="2">
+        <a:scrgbClr r="0" g="0" b="0"/>
+      </a:lnRef>
+      <a:fillRef idx="1">
+        <a:scrgbClr r="0" g="0" b="0"/>
+      </a:fillRef>
+      <a:effectRef idx="0">
+        <a:scrgbClr r="0" g="0" b="0"/>
+      </a:effectRef>
+      <a:fontRef idx="minor">
+        <a:schemeClr val="lt1"/>
+      </a:fontRef>
+    </dgm:style>
+  </dgm:styleLbl>
+  <dgm:styleLbl name="asst2">
+    <dgm:scene3d>
+      <a:camera prst="orthographicFront"/>
+      <a:lightRig rig="threePt" dir="t"/>
+    </dgm:scene3d>
+    <dgm:sp3d/>
+    <dgm:txPr/>
+    <dgm:style>
+      <a:lnRef idx="2">
+        <a:scrgbClr r="0" g="0" b="0"/>
+      </a:lnRef>
+      <a:fillRef idx="1">
+        <a:scrgbClr r="0" g="0" b="0"/>
+      </a:fillRef>
+      <a:effectRef idx="0">
+        <a:scrgbClr r="0" g="0" b="0"/>
+      </a:effectRef>
+      <a:fontRef idx="minor">
+        <a:schemeClr val="lt1"/>
+      </a:fontRef>
+    </dgm:style>
+  </dgm:styleLbl>
+  <dgm:styleLbl name="asst3">
+    <dgm:scene3d>
+      <a:camera prst="orthographicFront"/>
+      <a:lightRig rig="threePt" dir="t"/>
+    </dgm:scene3d>
+    <dgm:sp3d/>
+    <dgm:txPr/>
+    <dgm:style>
+      <a:lnRef idx="2">
+        <a:scrgbClr r="0" g="0" b="0"/>
+      </a:lnRef>
+      <a:fillRef idx="1">
+        <a:scrgbClr r="0" g="0" b="0"/>
+      </a:fillRef>
+      <a:effectRef idx="0">
+        <a:scrgbClr r="0" g="0" b="0"/>
+      </a:effectRef>
+      <a:fontRef idx="minor">
+        <a:schemeClr val="lt1"/>
+      </a:fontRef>
+    </dgm:style>
+  </dgm:styleLbl>
+  <dgm:styleLbl name="asst4">
+    <dgm:scene3d>
+      <a:camera prst="orthographicFront"/>
+      <a:lightRig rig="threePt" dir="t"/>
+    </dgm:scene3d>
+    <dgm:sp3d/>
+    <dgm:txPr/>
+    <dgm:style>
+      <a:lnRef idx="2">
+        <a:scrgbClr r="0" g="0" b="0"/>
+      </a:lnRef>
+      <a:fillRef idx="1">
+        <a:scrgbClr r="0" g="0" b="0"/>
+      </a:fillRef>
+      <a:effectRef idx="0">
+        <a:scrgbClr r="0" g="0" b="0"/>
+      </a:effectRef>
+      <a:fontRef idx="minor">
+        <a:schemeClr val="lt1"/>
+      </a:fontRef>
+    </dgm:style>
+  </dgm:styleLbl>
+  <dgm:styleLbl name="parChTrans2D1">
+    <dgm:scene3d>
+      <a:camera prst="orthographicFront"/>
+      <a:lightRig rig="threePt" dir="t"/>
+    </dgm:scene3d>
+    <dgm:sp3d/>
+    <dgm:txPr/>
+    <dgm:style>
+      <a:lnRef idx="2">
+        <a:scrgbClr r="0" g="0" b="0"/>
+      </a:lnRef>
+      <a:fillRef idx="1">
+        <a:scrgbClr r="0" g="0" b="0"/>
+      </a:fillRef>
+      <a:effectRef idx="0">
+        <a:scrgbClr r="0" g="0" b="0"/>
+      </a:effectRef>
+      <a:fontRef idx="minor">
+        <a:schemeClr val="lt1"/>
+      </a:fontRef>
+    </dgm:style>
+  </dgm:styleLbl>
+  <dgm:styleLbl name="parChTrans2D2">
+    <dgm:scene3d>
+      <a:camera prst="orthographicFront"/>
+      <a:lightRig rig="threePt" dir="t"/>
+    </dgm:scene3d>
+    <dgm:sp3d/>
+    <dgm:txPr/>
+    <dgm:style>
+      <a:lnRef idx="2">
+        <a:scrgbClr r="0" g="0" b="0"/>
+      </a:lnRef>
+      <a:fillRef idx="1">
+        <a:scrgbClr r="0" g="0" b="0"/>
+      </a:fillRef>
+      <a:effectRef idx="0">
+        <a:scrgbClr r="0" g="0" b="0"/>
+      </a:effectRef>
+      <a:fontRef idx="minor">
+        <a:schemeClr val="lt1"/>
+      </a:fontRef>
+    </dgm:style>
+  </dgm:styleLbl>
+  <dgm:styleLbl name="parChTrans2D3">
+    <dgm:scene3d>
+      <a:camera prst="orthographicFront"/>
+      <a:lightRig rig="threePt" dir="t"/>
+    </dgm:scene3d>
+    <dgm:sp3d/>
+    <dgm:txPr/>
+    <dgm:style>
+      <a:lnRef idx="2">
+        <a:scrgbClr r="0" g="0" b="0"/>
+      </a:lnRef>
+      <a:fillRef idx="1">
+        <a:scrgbClr r="0" g="0" b="0"/>
+      </a:fillRef>
+      <a:effectRef idx="0">
+        <a:scrgbClr r="0" g="0" b="0"/>
+      </a:effectRef>
+      <a:fontRef idx="minor">
+        <a:schemeClr val="lt1"/>
+      </a:fontRef>
+    </dgm:style>
+  </dgm:styleLbl>
+  <dgm:styleLbl name="parChTrans2D4">
+    <dgm:scene3d>
+      <a:camera prst="orthographicFront"/>
+      <a:lightRig rig="threePt" dir="t"/>
+    </dgm:scene3d>
+    <dgm:sp3d/>
+    <dgm:txPr/>
+    <dgm:style>
+      <a:lnRef idx="2">
+        <a:scrgbClr r="0" g="0" b="0"/>
+      </a:lnRef>
+      <a:fillRef idx="1">
+        <a:scrgbClr r="0" g="0" b="0"/>
+      </a:fillRef>
+      <a:effectRef idx="0">
+        <a:scrgbClr r="0" g="0" b="0"/>
+      </a:effectRef>
+      <a:fontRef idx="minor">
+        <a:schemeClr val="lt1"/>
+      </a:fontRef>
+    </dgm:style>
+  </dgm:styleLbl>
+  <dgm:styleLbl name="parChTrans1D1">
+    <dgm:scene3d>
+      <a:camera prst="orthographicFront"/>
+      <a:lightRig rig="threePt" dir="t"/>
+    </dgm:scene3d>
+    <dgm:sp3d/>
+    <dgm:txPr/>
+    <dgm:style>
+      <a:lnRef idx="2">
+        <a:scrgbClr r="0" g="0" b="0"/>
+      </a:lnRef>
+      <a:fillRef idx="0">
+        <a:scrgbClr r="0" g="0" b="0"/>
+      </a:fillRef>
+      <a:effectRef idx="0">
+        <a:scrgbClr r="0" g="0" b="0"/>
+      </a:effectRef>
+      <a:fontRef idx="minor"/>
+    </dgm:style>
+  </dgm:styleLbl>
+  <dgm:styleLbl name="parChTrans1D2">
+    <dgm:scene3d>
+      <a:camera prst="orthographicFront"/>
+      <a:lightRig rig="threePt" dir="t"/>
+    </dgm:scene3d>
+    <dgm:sp3d/>
+    <dgm:txPr/>
+    <dgm:style>
+      <a:lnRef idx="2">
+        <a:scrgbClr r="0" g="0" b="0"/>
+      </a:lnRef>
+      <a:fillRef idx="0">
+        <a:scrgbClr r="0" g="0" b="0"/>
+      </a:fillRef>
+      <a:effectRef idx="0">
+        <a:scrgbClr r="0" g="0" b="0"/>
+      </a:effectRef>
+      <a:fontRef idx="minor"/>
+    </dgm:style>
+  </dgm:styleLbl>
+  <dgm:styleLbl name="parChTrans1D3">
+    <dgm:scene3d>
+      <a:camera prst="orthographicFront"/>
+      <a:lightRig rig="threePt" dir="t"/>
+    </dgm:scene3d>
+    <dgm:sp3d/>
+    <dgm:txPr/>
+    <dgm:style>
+      <a:lnRef idx="2">
+        <a:scrgbClr r="0" g="0" b="0"/>
+      </a:lnRef>
+      <a:fillRef idx="0">
+        <a:scrgbClr r="0" g="0" b="0"/>
+      </a:fillRef>
+      <a:effectRef idx="0">
+        <a:scrgbClr r="0" g="0" b="0"/>
+      </a:effectRef>
+      <a:fontRef idx="minor"/>
+    </dgm:style>
+  </dgm:styleLbl>
+  <dgm:styleLbl name="parChTrans1D4">
+    <dgm:scene3d>
+      <a:camera prst="orthographicFront"/>
+      <a:lightRig rig="threePt" dir="t"/>
+    </dgm:scene3d>
+    <dgm:sp3d/>
+    <dgm:txPr/>
+    <dgm:style>
+      <a:lnRef idx="2">
+        <a:scrgbClr r="0" g="0" b="0"/>
+      </a:lnRef>
+      <a:fillRef idx="0">
+        <a:scrgbClr r="0" g="0" b="0"/>
+      </a:fillRef>
+      <a:effectRef idx="0">
+        <a:scrgbClr r="0" g="0" b="0"/>
+      </a:effectRef>
+      <a:fontRef idx="minor"/>
+    </dgm:style>
+  </dgm:styleLbl>
+  <dgm:styleLbl name="fgAcc1">
+    <dgm:scene3d>
+      <a:camera prst="orthographicFront"/>
+      <a:lightRig rig="threePt" dir="t"/>
+    </dgm:scene3d>
+    <dgm:sp3d/>
+    <dgm:txPr/>
+    <dgm:style>
+      <a:lnRef idx="2">
+        <a:scrgbClr r="0" g="0" b="0"/>
+      </a:lnRef>
+      <a:fillRef idx="1">
+        <a:scrgbClr r="0" g="0" b="0"/>
+      </a:fillRef>
+      <a:effectRef idx="0">
+        <a:scrgbClr r="0" g="0" b="0"/>
+      </a:effectRef>
+      <a:fontRef idx="minor"/>
+    </dgm:style>
+  </dgm:styleLbl>
+  <dgm:styleLbl name="conFgAcc1">
+    <dgm:scene3d>
+      <a:camera prst="orthographicFront"/>
+      <a:lightRig rig="threePt" dir="t"/>
+    </dgm:scene3d>
+    <dgm:sp3d/>
+    <dgm:txPr/>
+    <dgm:style>
+      <a:lnRef idx="2">
+        <a:scrgbClr r="0" g="0" b="0"/>
+      </a:lnRef>
+      <a:fillRef idx="1">
+        <a:scrgbClr r="0" g="0" b="0"/>
+      </a:fillRef>
+      <a:effectRef idx="0">
+        <a:scrgbClr r="0" g="0" b="0"/>
+      </a:effectRef>
+      <a:fontRef idx="minor"/>
+    </dgm:style>
+  </dgm:styleLbl>
+  <dgm:styleLbl name="alignAcc1">
+    <dgm:scene3d>
+      <a:camera prst="orthographicFront"/>
+      <a:lightRig rig="threePt" dir="t"/>
+    </dgm:scene3d>
+    <dgm:sp3d/>
+    <dgm:txPr/>
+    <dgm:style>
+      <a:lnRef idx="2">
+        <a:scrgbClr r="0" g="0" b="0"/>
+      </a:lnRef>
+      <a:fillRef idx="1">
+        <a:scrgbClr r="0" g="0" b="0"/>
+      </a:fillRef>
+      <a:effectRef idx="0">
+        <a:scrgbClr r="0" g="0" b="0"/>
+      </a:effectRef>
+      <a:fontRef idx="minor"/>
+    </dgm:style>
+  </dgm:styleLbl>
+  <dgm:styleLbl name="trAlignAcc1">
+    <dgm:scene3d>
+      <a:camera prst="orthographicFront"/>
+      <a:lightRig rig="threePt" dir="t"/>
+    </dgm:scene3d>
+    <dgm:sp3d/>
+    <dgm:txPr/>
+    <dgm:style>
+      <a:lnRef idx="1">
+        <a:scrgbClr r="0" g="0" b="0"/>
+      </a:lnRef>
+      <a:fillRef idx="1">
+        <a:scrgbClr r="0" g="0" b="0"/>
+      </a:fillRef>
+      <a:effectRef idx="0">
+        <a:scrgbClr r="0" g="0" b="0"/>
+      </a:effectRef>
+      <a:fontRef idx="minor"/>
+    </dgm:style>
+  </dgm:styleLbl>
+  <dgm:styleLbl name="bgAcc1">
+    <dgm:scene3d>
+      <a:camera prst="orthographicFront"/>
+      <a:lightRig rig="threePt" dir="t"/>
+    </dgm:scene3d>
+    <dgm:sp3d/>
+    <dgm:txPr/>
+    <dgm:style>
+      <a:lnRef idx="2">
+        <a:scrgbClr r="0" g="0" b="0"/>
+      </a:lnRef>
+      <a:fillRef idx="1">
+        <a:scrgbClr r="0" g="0" b="0"/>
+      </a:fillRef>
+      <a:effectRef idx="0">
+        <a:scrgbClr r="0" g="0" b="0"/>
+      </a:effectRef>
+      <a:fontRef idx="minor"/>
+    </dgm:style>
+  </dgm:styleLbl>
+  <dgm:styleLbl name="solidFgAcc1">
+    <dgm:scene3d>
+      <a:camera prst="orthographicFront"/>
+      <a:lightRig rig="threePt" dir="t"/>
+    </dgm:scene3d>
+    <dgm:sp3d/>
+    <dgm:txPr/>
+    <dgm:style>
+      <a:lnRef idx="2">
+        <a:scrgbClr r="0" g="0" b="0"/>
+      </a:lnRef>
+      <a:fillRef idx="1">
+        <a:scrgbClr r="0" g="0" b="0"/>
+      </a:fillRef>
+      <a:effectRef idx="0">
+        <a:scrgbClr r="0" g="0" b="0"/>
+      </a:effectRef>
+      <a:fontRef idx="minor"/>
+    </dgm:style>
+  </dgm:styleLbl>
+  <dgm:styleLbl name="solidAlignAcc1">
+    <dgm:scene3d>
+      <a:camera prst="orthographicFront"/>
+      <a:lightRig rig="threePt" dir="t"/>
+    </dgm:scene3d>
+    <dgm:sp3d/>
+    <dgm:txPr/>
+    <dgm:style>
+      <a:lnRef idx="2">
+        <a:scrgbClr r="0" g="0" b="0"/>
+      </a:lnRef>
+      <a:fillRef idx="1">
+        <a:scrgbClr r="0" g="0" b="0"/>
+      </a:fillRef>
+      <a:effectRef idx="0">
+        <a:scrgbClr r="0" g="0" b="0"/>
+      </a:effectRef>
+      <a:fontRef idx="minor"/>
+    </dgm:style>
+  </dgm:styleLbl>
+  <dgm:styleLbl name="solidBgAcc1">
+    <dgm:scene3d>
+      <a:camera prst="orthographicFront"/>
+      <a:lightRig rig="threePt" dir="t"/>
+    </dgm:scene3d>
+    <dgm:sp3d/>
+    <dgm:txPr/>
+    <dgm:style>
+      <a:lnRef idx="2">
+        <a:scrgbClr r="0" g="0" b="0"/>
+      </a:lnRef>
+      <a:fillRef idx="1">
+        <a:scrgbClr r="0" g="0" b="0"/>
+      </a:fillRef>
+      <a:effectRef idx="0">
+        <a:scrgbClr r="0" g="0" b="0"/>
+      </a:effectRef>
+      <a:fontRef idx="minor"/>
+    </dgm:style>
+  </dgm:styleLbl>
+  <dgm:styleLbl name="fgAccFollowNode1">
+    <dgm:scene3d>
+      <a:camera prst="orthographicFront"/>
+      <a:lightRig rig="threePt" dir="t"/>
+    </dgm:scene3d>
+    <dgm:sp3d/>
+    <dgm:txPr/>
+    <dgm:style>
+      <a:lnRef idx="2">
+        <a:scrgbClr r="0" g="0" b="0"/>
+      </a:lnRef>
+      <a:fillRef idx="1">
+        <a:scrgbClr r="0" g="0" b="0"/>
+      </a:fillRef>
+      <a:effectRef idx="0">
+        <a:scrgbClr r="0" g="0" b="0"/>
+      </a:effectRef>
+      <a:fontRef idx="minor"/>
+    </dgm:style>
+  </dgm:styleLbl>
+  <dgm:styleLbl name="alignAccFollowNode1">
+    <dgm:scene3d>
+      <a:camera prst="orthographicFront"/>
+      <a:lightRig rig="threePt" dir="t"/>
+    </dgm:scene3d>
+    <dgm:sp3d/>
+    <dgm:txPr/>
+    <dgm:style>
+      <a:lnRef idx="2">
+        <a:scrgbClr r="0" g="0" b="0"/>
+      </a:lnRef>
+      <a:fillRef idx="1">
+        <a:scrgbClr r="0" g="0" b="0"/>
+      </a:fillRef>
+      <a:effectRef idx="0">
+        <a:scrgbClr r="0" g="0" b="0"/>
+      </a:effectRef>
+      <a:fontRef idx="minor"/>
+    </dgm:style>
+  </dgm:styleLbl>
+  <dgm:styleLbl name="bgAccFollowNode1">
+    <dgm:scene3d>
+      <a:camera prst="orthographicFront"/>
+      <a:lightRig rig="threePt" dir="t"/>
+    </dgm:scene3d>
+    <dgm:sp3d/>
+    <dgm:txPr/>
+    <dgm:style>
+      <a:lnRef idx="2">
+        <a:scrgbClr r="0" g="0" b="0"/>
+      </a:lnRef>
+      <a:fillRef idx="1">
+        <a:scrgbClr r="0" g="0" b="0"/>
+      </a:fillRef>
+      <a:effectRef idx="0">
+        <a:scrgbClr r="0" g="0" b="0"/>
+      </a:effectRef>
+      <a:fontRef idx="minor"/>
+    </dgm:style>
+  </dgm:styleLbl>
+  <dgm:styleLbl name="fgAcc0">
+    <dgm:scene3d>
+      <a:camera prst="orthographicFront"/>
+      <a:lightRig rig="threePt" dir="t"/>
+    </dgm:scene3d>
+    <dgm:sp3d/>
+    <dgm:txPr/>
+    <dgm:style>
+      <a:lnRef idx="2">
+        <a:scrgbClr r="0" g="0" b="0"/>
+      </a:lnRef>
+      <a:fillRef idx="1">
+        <a:scrgbClr r="0" g="0" b="0"/>
+      </a:fillRef>
+      <a:effectRef idx="0">
+        <a:scrgbClr r="0" g="0" b="0"/>
+      </a:effectRef>
+      <a:fontRef idx="minor"/>
+    </dgm:style>
+  </dgm:styleLbl>
+  <dgm:styleLbl name="fgAcc2">
+    <dgm:scene3d>
+      <a:camera prst="orthographicFront"/>
+      <a:lightRig rig="threePt" dir="t"/>
+    </dgm:scene3d>
+    <dgm:sp3d/>
+    <dgm:txPr/>
+    <dgm:style>
+      <a:lnRef idx="2">
+        <a:scrgbClr r="0" g="0" b="0"/>
+      </a:lnRef>
+      <a:fillRef idx="1">
+        <a:scrgbClr r="0" g="0" b="0"/>
+      </a:fillRef>
+      <a:effectRef idx="0">
+        <a:scrgbClr r="0" g="0" b="0"/>
+      </a:effectRef>
+      <a:fontRef idx="minor"/>
+    </dgm:style>
+  </dgm:styleLbl>
+  <dgm:styleLbl name="fgAcc3">
+    <dgm:scene3d>
+      <a:camera prst="orthographicFront"/>
+      <a:lightRig rig="threePt" dir="t"/>
+    </dgm:scene3d>
+    <dgm:sp3d/>
+    <dgm:txPr/>
+    <dgm:style>
+      <a:lnRef idx="2">
+        <a:scrgbClr r="0" g="0" b="0"/>
+      </a:lnRef>
+      <a:fillRef idx="1">
+        <a:scrgbClr r="0" g="0" b="0"/>
+      </a:fillRef>
+      <a:effectRef idx="0">
+        <a:scrgbClr r="0" g="0" b="0"/>
+      </a:effectRef>
+      <a:fontRef idx="minor"/>
+    </dgm:style>
+  </dgm:styleLbl>
+  <dgm:styleLbl name="fgAcc4">
+    <dgm:scene3d>
+      <a:camera prst="orthographicFront"/>
+      <a:lightRig rig="threePt" dir="t"/>
+    </dgm:scene3d>
+    <dgm:sp3d/>
+    <dgm:txPr/>
+    <dgm:style>
+      <a:lnRef idx="2">
+        <a:scrgbClr r="0" g="0" b="0"/>
+      </a:lnRef>
+      <a:fillRef idx="1">
+        <a:scrgbClr r="0" g="0" b="0"/>
+      </a:fillRef>
+      <a:effectRef idx="0">
+        <a:scrgbClr r="0" g="0" b="0"/>
+      </a:effectRef>
+      <a:fontRef idx="minor"/>
+    </dgm:style>
+  </dgm:styleLbl>
+  <dgm:styleLbl name="bgShp">
+    <dgm:scene3d>
+      <a:camera prst="orthographicFront"/>
+      <a:lightRig rig="threePt" dir="t"/>
+    </dgm:scene3d>
+    <dgm:sp3d/>
+    <dgm:txPr/>
+    <dgm:style>
+      <a:lnRef idx="0">
+        <a:scrgbClr r="0" g="0" b="0"/>
+      </a:lnRef>
+      <a:fillRef idx="1">
+        <a:scrgbClr r="0" g="0" b="0"/>
+      </a:fillRef>
+      <a:effectRef idx="0">
+        <a:scrgbClr r="0" g="0" b="0"/>
+      </a:effectRef>
+      <a:fontRef idx="minor"/>
+    </dgm:style>
+  </dgm:styleLbl>
+  <dgm:styleLbl name="dkBgShp">
+    <dgm:scene3d>
+      <a:camera prst="orthographicFront"/>
+      <a:lightRig rig="threePt" dir="t"/>
+    </dgm:scene3d>
+    <dgm:sp3d/>
+    <dgm:txPr/>
+    <dgm:style>
+      <a:lnRef idx="0">
+        <a:scrgbClr r="0" g="0" b="0"/>
+      </a:lnRef>
+      <a:fillRef idx="1">
+        <a:scrgbClr r="0" g="0" b="0"/>
+      </a:fillRef>
+      <a:effectRef idx="0">
+        <a:scrgbClr r="0" g="0" b="0"/>
+      </a:effectRef>
+      <a:fontRef idx="minor"/>
+    </dgm:style>
+  </dgm:styleLbl>
+  <dgm:styleLbl name="trBgShp">
+    <dgm:scene3d>
+      <a:camera prst="orthographicFront"/>
+      <a:lightRig rig="threePt" dir="t"/>
+    </dgm:scene3d>
+    <dgm:sp3d/>
+    <dgm:txPr/>
+    <dgm:style>
+      <a:lnRef idx="0">
+        <a:scrgbClr r="0" g="0" b="0"/>
+      </a:lnRef>
+      <a:fillRef idx="1">
+        <a:scrgbClr r="0" g="0" b="0"/>
+      </a:fillRef>
+      <a:effectRef idx="0">
+        <a:scrgbClr r="0" g="0" b="0"/>
+      </a:effectRef>
+      <a:fontRef idx="minor"/>
+    </dgm:style>
+  </dgm:styleLbl>
+  <dgm:styleLbl name="fgShp">
+    <dgm:scene3d>
+      <a:camera prst="orthographicFront"/>
+      <a:lightRig rig="threePt" dir="t"/>
+    </dgm:scene3d>
+    <dgm:sp3d/>
+    <dgm:txPr/>
+    <dgm:style>
+      <a:lnRef idx="2">
+        <a:scrgbClr r="0" g="0" b="0"/>
+      </a:lnRef>
+      <a:fillRef idx="1">
+        <a:scrgbClr r="0" g="0" b="0"/>
+      </a:fillRef>
+      <a:effectRef idx="0">
+        <a:scrgbClr r="0" g="0" b="0"/>
+      </a:effectRef>
+      <a:fontRef idx="minor"/>
+    </dgm:style>
+  </dgm:styleLbl>
+  <dgm:styleLbl name="revTx">
+    <dgm:scene3d>
+      <a:camera prst="orthographicFront"/>
+      <a:lightRig rig="threePt" dir="t"/>
+    </dgm:scene3d>
+    <dgm:sp3d/>
+    <dgm:txPr/>
+    <dgm:style>
+      <a:lnRef idx="0">
+        <a:scrgbClr r="0" g="0" b="0"/>
+      </a:lnRef>
+      <a:fillRef idx="0">
+        <a:scrgbClr r="0" g="0" b="0"/>
+      </a:fillRef>
+      <a:effectRef idx="0">
+        <a:scrgbClr r="0" g="0" b="0"/>
+      </a:effectRef>
+      <a:fontRef idx="minor"/>
+    </dgm:style>
+  </dgm:styleLbl>
+</dgm:styleDef>
 </file>
 
 <file path=ppt/notesMasters/notesMaster1.xml><?xml version="1.0" encoding="utf-8"?>
@@ -624,6 +3686,258 @@
     <p:extLst>
       <p:ext uri="{BB962C8B-B14F-4D97-AF65-F5344CB8AC3E}">
         <p14:creationId xmlns:p14="http://schemas.microsoft.com/office/powerpoint/2010/main" val="996473094"/>
+      </p:ext>
+    </p:extLst>
+  </p:cSld>
+  <p:clrMapOvr>
+    <a:masterClrMapping/>
+  </p:clrMapOvr>
+</p:notes>
+</file>
+
+<file path=ppt/notesSlides/notesSlide2.xml><?xml version="1.0" encoding="utf-8"?>
+<p:notes xmlns:a="http://schemas.openxmlformats.org/drawingml/2006/main" xmlns:r="http://schemas.openxmlformats.org/officeDocument/2006/relationships" xmlns:p="http://schemas.openxmlformats.org/presentationml/2006/main">
+  <p:cSld>
+    <p:spTree>
+      <p:nvGrpSpPr>
+        <p:cNvPr id="1" name=""/>
+        <p:cNvGrpSpPr/>
+        <p:nvPr/>
+      </p:nvGrpSpPr>
+      <p:grpSpPr>
+        <a:xfrm>
+          <a:off x="0" y="0"/>
+          <a:ext cx="0" cy="0"/>
+          <a:chOff x="0" y="0"/>
+          <a:chExt cx="0" cy="0"/>
+        </a:xfrm>
+      </p:grpSpPr>
+      <p:sp>
+        <p:nvSpPr>
+          <p:cNvPr id="2" name="Slide Image Placeholder 1"/>
+          <p:cNvSpPr>
+            <a:spLocks noGrp="1" noRot="1" noChangeAspect="1"/>
+          </p:cNvSpPr>
+          <p:nvPr>
+            <p:ph type="sldImg"/>
+          </p:nvPr>
+        </p:nvSpPr>
+        <p:spPr/>
+      </p:sp>
+      <p:sp>
+        <p:nvSpPr>
+          <p:cNvPr id="3" name="Notes Placeholder 2"/>
+          <p:cNvSpPr>
+            <a:spLocks noGrp="1"/>
+          </p:cNvSpPr>
+          <p:nvPr>
+            <p:ph type="body" idx="1"/>
+          </p:nvPr>
+        </p:nvSpPr>
+        <p:spPr/>
+        <p:txBody>
+          <a:bodyPr/>
+          <a:lstStyle/>
+          <a:p>
+            <a:endParaRPr lang="en-US" dirty="0"/>
+          </a:p>
+        </p:txBody>
+      </p:sp>
+      <p:sp>
+        <p:nvSpPr>
+          <p:cNvPr id="4" name="Slide Number Placeholder 3"/>
+          <p:cNvSpPr>
+            <a:spLocks noGrp="1"/>
+          </p:cNvSpPr>
+          <p:nvPr>
+            <p:ph type="sldNum" sz="quarter" idx="5"/>
+          </p:nvPr>
+        </p:nvSpPr>
+        <p:spPr/>
+        <p:txBody>
+          <a:bodyPr/>
+          <a:lstStyle/>
+          <a:p>
+            <a:fld id="{34BD234C-7FAA-274C-B0DC-7F7FBD10652F}" type="slidenum">
+              <a:rPr lang="en-US" smtClean="0"/>
+              <a:t>15</a:t>
+            </a:fld>
+            <a:endParaRPr lang="en-US"/>
+          </a:p>
+        </p:txBody>
+      </p:sp>
+    </p:spTree>
+    <p:extLst>
+      <p:ext uri="{BB962C8B-B14F-4D97-AF65-F5344CB8AC3E}">
+        <p14:creationId xmlns:p14="http://schemas.microsoft.com/office/powerpoint/2010/main" val="1458971643"/>
+      </p:ext>
+    </p:extLst>
+  </p:cSld>
+  <p:clrMapOvr>
+    <a:masterClrMapping/>
+  </p:clrMapOvr>
+</p:notes>
+</file>
+
+<file path=ppt/notesSlides/notesSlide3.xml><?xml version="1.0" encoding="utf-8"?>
+<p:notes xmlns:a="http://schemas.openxmlformats.org/drawingml/2006/main" xmlns:r="http://schemas.openxmlformats.org/officeDocument/2006/relationships" xmlns:p="http://schemas.openxmlformats.org/presentationml/2006/main">
+  <p:cSld>
+    <p:spTree>
+      <p:nvGrpSpPr>
+        <p:cNvPr id="1" name=""/>
+        <p:cNvGrpSpPr/>
+        <p:nvPr/>
+      </p:nvGrpSpPr>
+      <p:grpSpPr>
+        <a:xfrm>
+          <a:off x="0" y="0"/>
+          <a:ext cx="0" cy="0"/>
+          <a:chOff x="0" y="0"/>
+          <a:chExt cx="0" cy="0"/>
+        </a:xfrm>
+      </p:grpSpPr>
+      <p:sp>
+        <p:nvSpPr>
+          <p:cNvPr id="2" name="Slide Image Placeholder 1"/>
+          <p:cNvSpPr>
+            <a:spLocks noGrp="1" noRot="1" noChangeAspect="1"/>
+          </p:cNvSpPr>
+          <p:nvPr>
+            <p:ph type="sldImg"/>
+          </p:nvPr>
+        </p:nvSpPr>
+        <p:spPr/>
+      </p:sp>
+      <p:sp>
+        <p:nvSpPr>
+          <p:cNvPr id="3" name="Notes Placeholder 2"/>
+          <p:cNvSpPr>
+            <a:spLocks noGrp="1"/>
+          </p:cNvSpPr>
+          <p:nvPr>
+            <p:ph type="body" idx="1"/>
+          </p:nvPr>
+        </p:nvSpPr>
+        <p:spPr/>
+        <p:txBody>
+          <a:bodyPr/>
+          <a:lstStyle/>
+          <a:p>
+            <a:endParaRPr lang="en-US" dirty="0"/>
+          </a:p>
+        </p:txBody>
+      </p:sp>
+      <p:sp>
+        <p:nvSpPr>
+          <p:cNvPr id="4" name="Slide Number Placeholder 3"/>
+          <p:cNvSpPr>
+            <a:spLocks noGrp="1"/>
+          </p:cNvSpPr>
+          <p:nvPr>
+            <p:ph type="sldNum" sz="quarter" idx="5"/>
+          </p:nvPr>
+        </p:nvSpPr>
+        <p:spPr/>
+        <p:txBody>
+          <a:bodyPr/>
+          <a:lstStyle/>
+          <a:p>
+            <a:fld id="{34BD234C-7FAA-274C-B0DC-7F7FBD10652F}" type="slidenum">
+              <a:rPr lang="en-US" smtClean="0"/>
+              <a:t>16</a:t>
+            </a:fld>
+            <a:endParaRPr lang="en-US"/>
+          </a:p>
+        </p:txBody>
+      </p:sp>
+    </p:spTree>
+    <p:extLst>
+      <p:ext uri="{BB962C8B-B14F-4D97-AF65-F5344CB8AC3E}">
+        <p14:creationId xmlns:p14="http://schemas.microsoft.com/office/powerpoint/2010/main" val="2568308342"/>
+      </p:ext>
+    </p:extLst>
+  </p:cSld>
+  <p:clrMapOvr>
+    <a:masterClrMapping/>
+  </p:clrMapOvr>
+</p:notes>
+</file>
+
+<file path=ppt/notesSlides/notesSlide4.xml><?xml version="1.0" encoding="utf-8"?>
+<p:notes xmlns:a="http://schemas.openxmlformats.org/drawingml/2006/main" xmlns:r="http://schemas.openxmlformats.org/officeDocument/2006/relationships" xmlns:p="http://schemas.openxmlformats.org/presentationml/2006/main">
+  <p:cSld>
+    <p:spTree>
+      <p:nvGrpSpPr>
+        <p:cNvPr id="1" name=""/>
+        <p:cNvGrpSpPr/>
+        <p:nvPr/>
+      </p:nvGrpSpPr>
+      <p:grpSpPr>
+        <a:xfrm>
+          <a:off x="0" y="0"/>
+          <a:ext cx="0" cy="0"/>
+          <a:chOff x="0" y="0"/>
+          <a:chExt cx="0" cy="0"/>
+        </a:xfrm>
+      </p:grpSpPr>
+      <p:sp>
+        <p:nvSpPr>
+          <p:cNvPr id="2" name="Slide Image Placeholder 1"/>
+          <p:cNvSpPr>
+            <a:spLocks noGrp="1" noRot="1" noChangeAspect="1"/>
+          </p:cNvSpPr>
+          <p:nvPr>
+            <p:ph type="sldImg"/>
+          </p:nvPr>
+        </p:nvSpPr>
+        <p:spPr/>
+      </p:sp>
+      <p:sp>
+        <p:nvSpPr>
+          <p:cNvPr id="3" name="Notes Placeholder 2"/>
+          <p:cNvSpPr>
+            <a:spLocks noGrp="1"/>
+          </p:cNvSpPr>
+          <p:nvPr>
+            <p:ph type="body" idx="1"/>
+          </p:nvPr>
+        </p:nvSpPr>
+        <p:spPr/>
+        <p:txBody>
+          <a:bodyPr/>
+          <a:lstStyle/>
+          <a:p>
+            <a:endParaRPr lang="en-US" dirty="0"/>
+          </a:p>
+        </p:txBody>
+      </p:sp>
+      <p:sp>
+        <p:nvSpPr>
+          <p:cNvPr id="4" name="Slide Number Placeholder 3"/>
+          <p:cNvSpPr>
+            <a:spLocks noGrp="1"/>
+          </p:cNvSpPr>
+          <p:nvPr>
+            <p:ph type="sldNum" sz="quarter" idx="5"/>
+          </p:nvPr>
+        </p:nvSpPr>
+        <p:spPr/>
+        <p:txBody>
+          <a:bodyPr/>
+          <a:lstStyle/>
+          <a:p>
+            <a:fld id="{34BD234C-7FAA-274C-B0DC-7F7FBD10652F}" type="slidenum">
+              <a:rPr lang="en-US" smtClean="0"/>
+              <a:t>19</a:t>
+            </a:fld>
+            <a:endParaRPr lang="en-US"/>
+          </a:p>
+        </p:txBody>
+      </p:sp>
+    </p:spTree>
+    <p:extLst>
+      <p:ext uri="{BB962C8B-B14F-4D97-AF65-F5344CB8AC3E}">
+        <p14:creationId xmlns:p14="http://schemas.microsoft.com/office/powerpoint/2010/main" val="1501034823"/>
       </p:ext>
     </p:extLst>
   </p:cSld>
@@ -8714,7 +12028,7 @@
             <a:pPr lvl="1"/>
             <a:r>
               <a:rPr lang="en-US" dirty="0"/>
-              <a:t>Dropping</a:t>
+              <a:t>Dropping rows</a:t>
             </a:r>
           </a:p>
           <a:p>
@@ -8745,7 +12059,7 @@
             <a:pPr lvl="1"/>
             <a:r>
               <a:rPr lang="en-US" dirty="0"/>
-              <a:t>Introduce new features based on clinical guidelines</a:t>
+              <a:t>Introduce new features</a:t>
             </a:r>
           </a:p>
         </p:txBody>
@@ -8764,6 +12078,3145 @@
 </file>
 
 <file path=ppt/slides/slide13.xml><?xml version="1.0" encoding="utf-8"?>
+<p:sld xmlns:a="http://schemas.openxmlformats.org/drawingml/2006/main" xmlns:r="http://schemas.openxmlformats.org/officeDocument/2006/relationships" xmlns:p="http://schemas.openxmlformats.org/presentationml/2006/main">
+  <p:cSld>
+    <p:bg>
+      <p:bgPr>
+        <a:blipFill rotWithShape="1">
+          <a:blip r:embed="rId2">
+            <a:duotone>
+              <a:schemeClr val="bg2">
+                <a:shade val="69000"/>
+                <a:hueMod val="108000"/>
+                <a:satMod val="164000"/>
+                <a:lumMod val="74000"/>
+              </a:schemeClr>
+              <a:schemeClr val="bg2">
+                <a:tint val="96000"/>
+                <a:hueMod val="88000"/>
+                <a:satMod val="140000"/>
+                <a:lumMod val="132000"/>
+              </a:schemeClr>
+            </a:duotone>
+          </a:blip>
+          <a:stretch/>
+        </a:blipFill>
+        <a:effectLst/>
+      </p:bgPr>
+    </p:bg>
+    <p:spTree>
+      <p:nvGrpSpPr>
+        <p:cNvPr id="1" name=""/>
+        <p:cNvGrpSpPr/>
+        <p:nvPr/>
+      </p:nvGrpSpPr>
+      <p:grpSpPr>
+        <a:xfrm>
+          <a:off x="0" y="0"/>
+          <a:ext cx="0" cy="0"/>
+          <a:chOff x="0" y="0"/>
+          <a:chExt cx="0" cy="0"/>
+        </a:xfrm>
+      </p:grpSpPr>
+      <p:sp>
+        <p:nvSpPr>
+          <p:cNvPr id="8" name="Rectangle 7">
+            <a:extLst>
+              <a:ext uri="{FF2B5EF4-FFF2-40B4-BE49-F238E27FC236}">
+                <a16:creationId xmlns:a16="http://schemas.microsoft.com/office/drawing/2014/main" id="{923E8915-D2AA-4327-A45A-972C3CA9574B}"/>
+              </a:ext>
+              <a:ext uri="{C183D7F6-B498-43B3-948B-1728B52AA6E4}">
+                <adec:decorative xmlns:adec="http://schemas.microsoft.com/office/drawing/2017/decorative" val="1"/>
+              </a:ext>
+            </a:extLst>
+          </p:cNvPr>
+          <p:cNvSpPr>
+            <a:spLocks noGrp="1" noRot="1" noChangeAspect="1" noMove="1" noResize="1" noEditPoints="1" noAdjustHandles="1" noChangeArrowheads="1" noChangeShapeType="1" noTextEdit="1"/>
+          </p:cNvSpPr>
+          <p:nvPr>
+            <p:extLst>
+              <p:ext uri="{386F3935-93C4-4BCD-93E2-E3B085C9AB24}">
+                <p16:designElem xmlns:p16="http://schemas.microsoft.com/office/powerpoint/2015/main" val="1"/>
+              </p:ext>
+            </p:extLst>
+          </p:nvPr>
+        </p:nvSpPr>
+        <p:spPr>
+          <a:xfrm>
+            <a:off x="0" y="0"/>
+            <a:ext cx="12192000" cy="6858000"/>
+          </a:xfrm>
+          <a:prstGeom prst="rect">
+            <a:avLst/>
+          </a:prstGeom>
+          <a:solidFill>
+            <a:schemeClr val="tx1"/>
+          </a:solidFill>
+          <a:ln>
+            <a:noFill/>
+          </a:ln>
+        </p:spPr>
+        <p:style>
+          <a:lnRef idx="2">
+            <a:schemeClr val="accent1">
+              <a:shade val="50000"/>
+            </a:schemeClr>
+          </a:lnRef>
+          <a:fillRef idx="1">
+            <a:schemeClr val="accent1"/>
+          </a:fillRef>
+          <a:effectRef idx="0">
+            <a:schemeClr val="accent1"/>
+          </a:effectRef>
+          <a:fontRef idx="minor">
+            <a:schemeClr val="lt1"/>
+          </a:fontRef>
+        </p:style>
+        <p:txBody>
+          <a:bodyPr rtlCol="0" anchor="ctr"/>
+          <a:lstStyle/>
+          <a:p>
+            <a:pPr algn="ctr"/>
+            <a:endParaRPr lang="en-US"/>
+          </a:p>
+        </p:txBody>
+      </p:sp>
+      <p:sp useBgFill="1">
+        <p:nvSpPr>
+          <p:cNvPr id="10" name="Rectangle 9">
+            <a:extLst>
+              <a:ext uri="{FF2B5EF4-FFF2-40B4-BE49-F238E27FC236}">
+                <a16:creationId xmlns:a16="http://schemas.microsoft.com/office/drawing/2014/main" id="{8302FC3C-9804-4950-B721-5FD704BA6065}"/>
+              </a:ext>
+              <a:ext uri="{C183D7F6-B498-43B3-948B-1728B52AA6E4}">
+                <adec:decorative xmlns:adec="http://schemas.microsoft.com/office/drawing/2017/decorative" val="1"/>
+              </a:ext>
+            </a:extLst>
+          </p:cNvPr>
+          <p:cNvSpPr>
+            <a:spLocks noGrp="1" noRot="1" noChangeAspect="1" noMove="1" noResize="1" noEditPoints="1" noAdjustHandles="1" noChangeArrowheads="1" noChangeShapeType="1" noTextEdit="1"/>
+          </p:cNvSpPr>
+          <p:nvPr>
+            <p:extLst>
+              <p:ext uri="{386F3935-93C4-4BCD-93E2-E3B085C9AB24}">
+                <p16:designElem xmlns:p16="http://schemas.microsoft.com/office/powerpoint/2015/main" val="1"/>
+              </p:ext>
+            </p:extLst>
+          </p:nvPr>
+        </p:nvSpPr>
+        <p:spPr bwMode="ltGray">
+          <a:xfrm>
+            <a:off x="0" y="0"/>
+            <a:ext cx="12188952" cy="6858000"/>
+          </a:xfrm>
+          <a:prstGeom prst="rect">
+            <a:avLst/>
+          </a:prstGeom>
+          <a:ln w="127000" cap="sq" cmpd="thinThick">
+            <a:noFill/>
+          </a:ln>
+        </p:spPr>
+        <p:style>
+          <a:lnRef idx="2">
+            <a:schemeClr val="accent1">
+              <a:shade val="50000"/>
+            </a:schemeClr>
+          </a:lnRef>
+          <a:fillRef idx="1">
+            <a:schemeClr val="accent1"/>
+          </a:fillRef>
+          <a:effectRef idx="0">
+            <a:schemeClr val="accent1"/>
+          </a:effectRef>
+          <a:fontRef idx="minor">
+            <a:schemeClr val="lt1"/>
+          </a:fontRef>
+        </p:style>
+        <p:txBody>
+          <a:bodyPr rtlCol="0" anchor="ctr"/>
+          <a:lstStyle/>
+          <a:p>
+            <a:pPr algn="ctr"/>
+            <a:endParaRPr lang="en-US"/>
+          </a:p>
+        </p:txBody>
+      </p:sp>
+      <p:cxnSp>
+        <p:nvCxnSpPr>
+          <p:cNvPr id="12" name="Straight Connector 11">
+            <a:extLst>
+              <a:ext uri="{FF2B5EF4-FFF2-40B4-BE49-F238E27FC236}">
+                <a16:creationId xmlns:a16="http://schemas.microsoft.com/office/drawing/2014/main" id="{6B9695BD-ECF6-49CA-8877-8C493193C65D}"/>
+              </a:ext>
+              <a:ext uri="{C183D7F6-B498-43B3-948B-1728B52AA6E4}">
+                <adec:decorative xmlns:adec="http://schemas.microsoft.com/office/drawing/2017/decorative" val="1"/>
+              </a:ext>
+            </a:extLst>
+          </p:cNvPr>
+          <p:cNvCxnSpPr>
+            <a:cxnSpLocks noGrp="1" noRot="1" noChangeAspect="1" noMove="1" noResize="1" noEditPoints="1" noAdjustHandles="1" noChangeArrowheads="1" noChangeShapeType="1"/>
+          </p:cNvCxnSpPr>
+          <p:nvPr>
+            <p:extLst>
+              <p:ext uri="{386F3935-93C4-4BCD-93E2-E3B085C9AB24}">
+                <p16:designElem xmlns:p16="http://schemas.microsoft.com/office/powerpoint/2015/main" val="1"/>
+              </p:ext>
+            </p:extLst>
+          </p:nvPr>
+        </p:nvCxnSpPr>
+        <p:spPr>
+          <a:xfrm>
+            <a:off x="4654295" y="1828800"/>
+            <a:ext cx="0" cy="3200400"/>
+          </a:xfrm>
+          <a:prstGeom prst="line">
+            <a:avLst/>
+          </a:prstGeom>
+          <a:ln w="19050">
+            <a:solidFill>
+              <a:schemeClr val="bg2">
+                <a:lumMod val="60000"/>
+                <a:lumOff val="40000"/>
+              </a:schemeClr>
+            </a:solidFill>
+          </a:ln>
+        </p:spPr>
+        <p:style>
+          <a:lnRef idx="1">
+            <a:schemeClr val="accent1"/>
+          </a:lnRef>
+          <a:fillRef idx="0">
+            <a:schemeClr val="accent1"/>
+          </a:fillRef>
+          <a:effectRef idx="0">
+            <a:schemeClr val="accent1"/>
+          </a:effectRef>
+          <a:fontRef idx="minor">
+            <a:schemeClr val="tx1"/>
+          </a:fontRef>
+        </p:style>
+      </p:cxnSp>
+      <p:pic>
+        <p:nvPicPr>
+          <p:cNvPr id="14" name="Picture 13">
+            <a:extLst>
+              <a:ext uri="{FF2B5EF4-FFF2-40B4-BE49-F238E27FC236}">
+                <a16:creationId xmlns:a16="http://schemas.microsoft.com/office/drawing/2014/main" id="{3BC6EBB2-9BDC-4075-BA6B-43A9FBF9C86C}"/>
+              </a:ext>
+              <a:ext uri="{C183D7F6-B498-43B3-948B-1728B52AA6E4}">
+                <adec:decorative xmlns:adec="http://schemas.microsoft.com/office/drawing/2017/decorative" val="1"/>
+              </a:ext>
+            </a:extLst>
+          </p:cNvPr>
+          <p:cNvPicPr>
+            <a:picLocks noGrp="1" noRot="1" noChangeAspect="1" noMove="1" noResize="1" noEditPoints="1" noAdjustHandles="1" noChangeArrowheads="1" noChangeShapeType="1" noCrop="1"/>
+          </p:cNvPicPr>
+          <p:nvPr>
+            <p:extLst>
+              <p:ext uri="{386F3935-93C4-4BCD-93E2-E3B085C9AB24}">
+                <p16:designElem xmlns:p16="http://schemas.microsoft.com/office/powerpoint/2015/main" val="1"/>
+              </p:ext>
+            </p:extLst>
+          </p:nvPr>
+        </p:nvPicPr>
+        <p:blipFill rotWithShape="1">
+          <a:blip r:embed="rId3">
+            <a:extLst>
+              <a:ext uri="{28A0092B-C50C-407E-A947-70E740481C1C}">
+                <a14:useLocalDpi xmlns:a14="http://schemas.microsoft.com/office/drawing/2010/main" val="0"/>
+              </a:ext>
+            </a:extLst>
+          </a:blip>
+          <a:srcRect b="23320"/>
+          <a:stretch/>
+        </p:blipFill>
+        <p:spPr>
+          <a:xfrm>
+            <a:off x="8605878" y="6228080"/>
+            <a:ext cx="993734" cy="762000"/>
+          </a:xfrm>
+          <a:prstGeom prst="rect">
+            <a:avLst/>
+          </a:prstGeom>
+        </p:spPr>
+      </p:pic>
+      <p:sp>
+        <p:nvSpPr>
+          <p:cNvPr id="16" name="Freeform 5">
+            <a:extLst>
+              <a:ext uri="{FF2B5EF4-FFF2-40B4-BE49-F238E27FC236}">
+                <a16:creationId xmlns:a16="http://schemas.microsoft.com/office/drawing/2014/main" id="{F3798573-F27B-47EB-8EA4-7EE34954C2D6}"/>
+              </a:ext>
+              <a:ext uri="{C183D7F6-B498-43B3-948B-1728B52AA6E4}">
+                <adec:decorative xmlns:adec="http://schemas.microsoft.com/office/drawing/2017/decorative" val="1"/>
+              </a:ext>
+            </a:extLst>
+          </p:cNvPr>
+          <p:cNvSpPr>
+            <a:spLocks noGrp="1" noRot="1" noChangeAspect="1" noMove="1" noResize="1" noEditPoints="1" noAdjustHandles="1" noChangeArrowheads="1" noChangeShapeType="1" noTextEdit="1"/>
+          </p:cNvSpPr>
+          <p:nvPr>
+            <p:extLst>
+              <p:ext uri="{386F3935-93C4-4BCD-93E2-E3B085C9AB24}">
+                <p16:designElem xmlns:p16="http://schemas.microsoft.com/office/powerpoint/2015/main" val="1"/>
+              </p:ext>
+            </p:extLst>
+          </p:nvPr>
+        </p:nvSpPr>
+        <p:spPr bwMode="gray">
+          <a:xfrm>
+            <a:off x="-1588" y="0"/>
+            <a:ext cx="12192000" cy="6856413"/>
+          </a:xfrm>
+          <a:custGeom>
+            <a:avLst/>
+            <a:gdLst/>
+            <a:ahLst/>
+            <a:cxnLst/>
+            <a:rect l="0" t="0" r="r" b="b"/>
+            <a:pathLst>
+              <a:path w="15356" h="8638">
+                <a:moveTo>
+                  <a:pt x="0" y="0"/>
+                </a:moveTo>
+                <a:lnTo>
+                  <a:pt x="0" y="8638"/>
+                </a:lnTo>
+                <a:lnTo>
+                  <a:pt x="15356" y="8638"/>
+                </a:lnTo>
+                <a:lnTo>
+                  <a:pt x="15356" y="0"/>
+                </a:lnTo>
+                <a:lnTo>
+                  <a:pt x="0" y="0"/>
+                </a:lnTo>
+                <a:close/>
+                <a:moveTo>
+                  <a:pt x="14748" y="8038"/>
+                </a:moveTo>
+                <a:lnTo>
+                  <a:pt x="600" y="8038"/>
+                </a:lnTo>
+                <a:lnTo>
+                  <a:pt x="600" y="592"/>
+                </a:lnTo>
+                <a:lnTo>
+                  <a:pt x="14748" y="592"/>
+                </a:lnTo>
+                <a:lnTo>
+                  <a:pt x="14748" y="8038"/>
+                </a:lnTo>
+                <a:close/>
+              </a:path>
+            </a:pathLst>
+          </a:custGeom>
+          <a:solidFill>
+            <a:schemeClr val="tx1"/>
+          </a:solidFill>
+          <a:ln>
+            <a:noFill/>
+          </a:ln>
+        </p:spPr>
+        <p:txBody>
+          <a:bodyPr/>
+          <a:lstStyle/>
+          <a:p>
+            <a:endParaRPr lang="en-US"/>
+          </a:p>
+        </p:txBody>
+      </p:sp>
+      <p:sp>
+        <p:nvSpPr>
+          <p:cNvPr id="2" name="Title 1">
+            <a:extLst>
+              <a:ext uri="{FF2B5EF4-FFF2-40B4-BE49-F238E27FC236}">
+                <a16:creationId xmlns:a16="http://schemas.microsoft.com/office/drawing/2014/main" id="{2F03B370-3248-239C-AE38-8614AA9C4527}"/>
+              </a:ext>
+            </a:extLst>
+          </p:cNvPr>
+          <p:cNvSpPr>
+            <a:spLocks noGrp="1"/>
+          </p:cNvSpPr>
+          <p:nvPr>
+            <p:ph type="title"/>
+          </p:nvPr>
+        </p:nvSpPr>
+        <p:spPr>
+          <a:xfrm>
+            <a:off x="806195" y="804672"/>
+            <a:ext cx="3521359" cy="5248656"/>
+          </a:xfrm>
+        </p:spPr>
+        <p:txBody>
+          <a:bodyPr anchor="ctr">
+            <a:normAutofit/>
+          </a:bodyPr>
+          <a:lstStyle/>
+          <a:p>
+            <a:pPr algn="ctr"/>
+            <a:r>
+              <a:rPr lang="en-US" dirty="0"/>
+              <a:t>Feature Engineering</a:t>
+            </a:r>
+            <a:endParaRPr lang="en-US"/>
+          </a:p>
+        </p:txBody>
+      </p:sp>
+      <p:sp>
+        <p:nvSpPr>
+          <p:cNvPr id="3" name="Content Placeholder 2">
+            <a:extLst>
+              <a:ext uri="{FF2B5EF4-FFF2-40B4-BE49-F238E27FC236}">
+                <a16:creationId xmlns:a16="http://schemas.microsoft.com/office/drawing/2014/main" id="{3662C70D-D3F4-EBF8-67DD-009AC4C6E08B}"/>
+              </a:ext>
+            </a:extLst>
+          </p:cNvPr>
+          <p:cNvSpPr>
+            <a:spLocks noGrp="1"/>
+          </p:cNvSpPr>
+          <p:nvPr>
+            <p:ph idx="1"/>
+          </p:nvPr>
+        </p:nvSpPr>
+        <p:spPr>
+          <a:xfrm>
+            <a:off x="4975860" y="804671"/>
+            <a:ext cx="6531011" cy="5248657"/>
+          </a:xfrm>
+        </p:spPr>
+        <p:txBody>
+          <a:bodyPr anchor="ctr">
+            <a:normAutofit/>
+          </a:bodyPr>
+          <a:lstStyle/>
+          <a:p>
+            <a:r>
+              <a:rPr lang="en-US" dirty="0"/>
+              <a:t>Smoking</a:t>
+            </a:r>
+          </a:p>
+          <a:p>
+            <a:r>
+              <a:rPr lang="en-US" dirty="0"/>
+              <a:t>Hypertension stages</a:t>
+            </a:r>
+          </a:p>
+          <a:p>
+            <a:r>
+              <a:rPr lang="en-US" dirty="0"/>
+              <a:t>Diabetes stages by Mean Arterial Pressure (MAP)</a:t>
+            </a:r>
+          </a:p>
+          <a:p>
+            <a:pPr marL="0" indent="0">
+              <a:buNone/>
+            </a:pPr>
+            <a:endParaRPr lang="en-US" dirty="0"/>
+          </a:p>
+        </p:txBody>
+      </p:sp>
+    </p:spTree>
+    <p:extLst>
+      <p:ext uri="{BB962C8B-B14F-4D97-AF65-F5344CB8AC3E}">
+        <p14:creationId xmlns:p14="http://schemas.microsoft.com/office/powerpoint/2010/main" val="2357119324"/>
+      </p:ext>
+    </p:extLst>
+  </p:cSld>
+  <p:clrMapOvr>
+    <a:masterClrMapping/>
+  </p:clrMapOvr>
+</p:sld>
+</file>
+
+<file path=ppt/slides/slide14.xml><?xml version="1.0" encoding="utf-8"?>
+<p:sld xmlns:a="http://schemas.openxmlformats.org/drawingml/2006/main" xmlns:r="http://schemas.openxmlformats.org/officeDocument/2006/relationships" xmlns:p="http://schemas.openxmlformats.org/presentationml/2006/main">
+  <p:cSld>
+    <p:bg>
+      <p:bgPr>
+        <a:solidFill>
+          <a:schemeClr val="bg1"/>
+        </a:solidFill>
+        <a:effectLst/>
+      </p:bgPr>
+    </p:bg>
+    <p:spTree>
+      <p:nvGrpSpPr>
+        <p:cNvPr id="1" name=""/>
+        <p:cNvGrpSpPr/>
+        <p:nvPr/>
+      </p:nvGrpSpPr>
+      <p:grpSpPr>
+        <a:xfrm>
+          <a:off x="0" y="0"/>
+          <a:ext cx="0" cy="0"/>
+          <a:chOff x="0" y="0"/>
+          <a:chExt cx="0" cy="0"/>
+        </a:xfrm>
+      </p:grpSpPr>
+      <p:sp>
+        <p:nvSpPr>
+          <p:cNvPr id="17" name="Rectangle 16">
+            <a:extLst>
+              <a:ext uri="{FF2B5EF4-FFF2-40B4-BE49-F238E27FC236}">
+                <a16:creationId xmlns:a16="http://schemas.microsoft.com/office/drawing/2014/main" id="{B4AAD3FD-83A5-4B89-9F8F-01B8870865BE}"/>
+              </a:ext>
+              <a:ext uri="{C183D7F6-B498-43B3-948B-1728B52AA6E4}">
+                <adec:decorative xmlns:adec="http://schemas.microsoft.com/office/drawing/2017/decorative" val="1"/>
+              </a:ext>
+            </a:extLst>
+          </p:cNvPr>
+          <p:cNvSpPr>
+            <a:spLocks noGrp="1" noRot="1" noChangeAspect="1" noMove="1" noResize="1" noEditPoints="1" noAdjustHandles="1" noChangeArrowheads="1" noChangeShapeType="1" noTextEdit="1"/>
+          </p:cNvSpPr>
+          <p:nvPr>
+            <p:extLst>
+              <p:ext uri="{386F3935-93C4-4BCD-93E2-E3B085C9AB24}">
+                <p16:designElem xmlns:p16="http://schemas.microsoft.com/office/powerpoint/2015/main" val="1"/>
+              </p:ext>
+            </p:extLst>
+          </p:nvPr>
+        </p:nvSpPr>
+        <p:spPr>
+          <a:xfrm>
+            <a:off x="0" y="0"/>
+            <a:ext cx="12192000" cy="6858000"/>
+          </a:xfrm>
+          <a:prstGeom prst="rect">
+            <a:avLst/>
+          </a:prstGeom>
+          <a:ln>
+            <a:noFill/>
+          </a:ln>
+        </p:spPr>
+        <p:style>
+          <a:lnRef idx="2">
+            <a:schemeClr val="accent1">
+              <a:shade val="50000"/>
+            </a:schemeClr>
+          </a:lnRef>
+          <a:fillRef idx="1003">
+            <a:schemeClr val="dk2"/>
+          </a:fillRef>
+          <a:effectRef idx="0">
+            <a:schemeClr val="accent1"/>
+          </a:effectRef>
+          <a:fontRef idx="minor">
+            <a:schemeClr val="lt1"/>
+          </a:fontRef>
+        </p:style>
+        <p:txBody>
+          <a:bodyPr rtlCol="0" anchor="ctr"/>
+          <a:lstStyle/>
+          <a:p>
+            <a:pPr algn="ctr"/>
+            <a:endParaRPr lang="en-US"/>
+          </a:p>
+        </p:txBody>
+      </p:sp>
+      <p:sp>
+        <p:nvSpPr>
+          <p:cNvPr id="2" name="Title 1">
+            <a:extLst>
+              <a:ext uri="{FF2B5EF4-FFF2-40B4-BE49-F238E27FC236}">
+                <a16:creationId xmlns:a16="http://schemas.microsoft.com/office/drawing/2014/main" id="{B2289A05-CBA5-E63F-DD22-C5760AA341D3}"/>
+              </a:ext>
+            </a:extLst>
+          </p:cNvPr>
+          <p:cNvSpPr>
+            <a:spLocks noGrp="1"/>
+          </p:cNvSpPr>
+          <p:nvPr>
+            <p:ph type="title"/>
+          </p:nvPr>
+        </p:nvSpPr>
+        <p:spPr>
+          <a:xfrm>
+            <a:off x="648931" y="629266"/>
+            <a:ext cx="4166510" cy="1622321"/>
+          </a:xfrm>
+        </p:spPr>
+        <p:txBody>
+          <a:bodyPr>
+            <a:normAutofit/>
+          </a:bodyPr>
+          <a:lstStyle/>
+          <a:p>
+            <a:r>
+              <a:rPr lang="en-US">
+                <a:solidFill>
+                  <a:srgbClr val="EBEBEB"/>
+                </a:solidFill>
+              </a:rPr>
+              <a:t>Smoking groups</a:t>
+            </a:r>
+          </a:p>
+        </p:txBody>
+      </p:sp>
+      <p:sp>
+        <p:nvSpPr>
+          <p:cNvPr id="18" name="Freeform 31">
+            <a:extLst>
+              <a:ext uri="{FF2B5EF4-FFF2-40B4-BE49-F238E27FC236}">
+                <a16:creationId xmlns:a16="http://schemas.microsoft.com/office/drawing/2014/main" id="{61752F1D-FC0F-4103-9584-630E643CCDA6}"/>
+              </a:ext>
+              <a:ext uri="{C183D7F6-B498-43B3-948B-1728B52AA6E4}">
+                <adec:decorative xmlns:adec="http://schemas.microsoft.com/office/drawing/2017/decorative" val="1"/>
+              </a:ext>
+            </a:extLst>
+          </p:cNvPr>
+          <p:cNvSpPr>
+            <a:spLocks noGrp="1" noRot="1" noChangeAspect="1" noMove="1" noResize="1" noEditPoints="1" noAdjustHandles="1" noChangeArrowheads="1" noChangeShapeType="1" noTextEdit="1"/>
+          </p:cNvSpPr>
+          <p:nvPr>
+            <p:extLst>
+              <p:ext uri="{386F3935-93C4-4BCD-93E2-E3B085C9AB24}">
+                <p16:designElem xmlns:p16="http://schemas.microsoft.com/office/powerpoint/2015/main" val="1"/>
+              </p:ext>
+            </p:extLst>
+          </p:nvPr>
+        </p:nvSpPr>
+        <p:spPr>
+          <a:xfrm>
+            <a:off x="4994020" y="-1"/>
+            <a:ext cx="559472" cy="3709642"/>
+          </a:xfrm>
+          <a:custGeom>
+            <a:avLst/>
+            <a:gdLst>
+              <a:gd name="connsiteX0" fmla="*/ 0 w 559472"/>
+              <a:gd name="connsiteY0" fmla="*/ 0 h 3709642"/>
+              <a:gd name="connsiteX1" fmla="*/ 473952 w 559472"/>
+              <a:gd name="connsiteY1" fmla="*/ 0 h 3709642"/>
+              <a:gd name="connsiteX2" fmla="*/ 485840 w 559472"/>
+              <a:gd name="connsiteY2" fmla="*/ 161194 h 3709642"/>
+              <a:gd name="connsiteX3" fmla="*/ 523949 w 559472"/>
+              <a:gd name="connsiteY3" fmla="*/ 3672197 h 3709642"/>
+              <a:gd name="connsiteX4" fmla="*/ 454748 w 559472"/>
+              <a:gd name="connsiteY4" fmla="*/ 3709642 h 3709642"/>
+              <a:gd name="connsiteX5" fmla="*/ 448224 w 559472"/>
+              <a:gd name="connsiteY5" fmla="*/ 3510471 h 3709642"/>
+              <a:gd name="connsiteX6" fmla="*/ 443564 w 559472"/>
+              <a:gd name="connsiteY6" fmla="*/ 3408563 h 3709642"/>
+              <a:gd name="connsiteX7" fmla="*/ 438902 w 559472"/>
+              <a:gd name="connsiteY7" fmla="*/ 3304407 h 3709642"/>
+              <a:gd name="connsiteX8" fmla="*/ 433941 w 559472"/>
+              <a:gd name="connsiteY8" fmla="*/ 3198777 h 3709642"/>
+              <a:gd name="connsiteX9" fmla="*/ 427584 w 559472"/>
+              <a:gd name="connsiteY9" fmla="*/ 3092510 h 3709642"/>
+              <a:gd name="connsiteX10" fmla="*/ 420988 w 559472"/>
+              <a:gd name="connsiteY10" fmla="*/ 2984390 h 3709642"/>
+              <a:gd name="connsiteX11" fmla="*/ 414330 w 559472"/>
+              <a:gd name="connsiteY11" fmla="*/ 2874401 h 3709642"/>
+              <a:gd name="connsiteX12" fmla="*/ 406840 w 559472"/>
+              <a:gd name="connsiteY12" fmla="*/ 2762980 h 3709642"/>
+              <a:gd name="connsiteX13" fmla="*/ 397745 w 559472"/>
+              <a:gd name="connsiteY13" fmla="*/ 2650566 h 3709642"/>
+              <a:gd name="connsiteX14" fmla="*/ 389154 w 559472"/>
+              <a:gd name="connsiteY14" fmla="*/ 2536612 h 3709642"/>
+              <a:gd name="connsiteX15" fmla="*/ 379225 w 559472"/>
+              <a:gd name="connsiteY15" fmla="*/ 2421642 h 3709642"/>
+              <a:gd name="connsiteX16" fmla="*/ 368316 w 559472"/>
+              <a:gd name="connsiteY16" fmla="*/ 2305627 h 3709642"/>
+              <a:gd name="connsiteX17" fmla="*/ 357466 w 559472"/>
+              <a:gd name="connsiteY17" fmla="*/ 2189233 h 3709642"/>
+              <a:gd name="connsiteX18" fmla="*/ 344982 w 559472"/>
+              <a:gd name="connsiteY18" fmla="*/ 2071473 h 3709642"/>
+              <a:gd name="connsiteX19" fmla="*/ 332466 w 559472"/>
+              <a:gd name="connsiteY19" fmla="*/ 1952216 h 3709642"/>
+              <a:gd name="connsiteX20" fmla="*/ 319121 w 559472"/>
+              <a:gd name="connsiteY20" fmla="*/ 1833776 h 3709642"/>
+              <a:gd name="connsiteX21" fmla="*/ 304408 w 559472"/>
+              <a:gd name="connsiteY21" fmla="*/ 1713948 h 3709642"/>
+              <a:gd name="connsiteX22" fmla="*/ 288685 w 559472"/>
+              <a:gd name="connsiteY22" fmla="*/ 1592703 h 3709642"/>
+              <a:gd name="connsiteX23" fmla="*/ 273050 w 559472"/>
+              <a:gd name="connsiteY23" fmla="*/ 1471451 h 3709642"/>
+              <a:gd name="connsiteX24" fmla="*/ 255813 w 559472"/>
+              <a:gd name="connsiteY24" fmla="*/ 1350328 h 3709642"/>
+              <a:gd name="connsiteX25" fmla="*/ 237060 w 559472"/>
+              <a:gd name="connsiteY25" fmla="*/ 1227080 h 3709642"/>
+              <a:gd name="connsiteX26" fmla="*/ 218488 w 559472"/>
+              <a:gd name="connsiteY26" fmla="*/ 1106065 h 3709642"/>
+              <a:gd name="connsiteX27" fmla="*/ 198221 w 559472"/>
+              <a:gd name="connsiteY27" fmla="*/ 982940 h 3709642"/>
+              <a:gd name="connsiteX28" fmla="*/ 177152 w 559472"/>
+              <a:gd name="connsiteY28" fmla="*/ 858755 h 3709642"/>
+              <a:gd name="connsiteX29" fmla="*/ 155551 w 559472"/>
+              <a:gd name="connsiteY29" fmla="*/ 736861 h 3709642"/>
+              <a:gd name="connsiteX30" fmla="*/ 131782 w 559472"/>
+              <a:gd name="connsiteY30" fmla="*/ 613645 h 3709642"/>
+              <a:gd name="connsiteX31" fmla="*/ 107123 w 559472"/>
+              <a:gd name="connsiteY31" fmla="*/ 490500 h 3709642"/>
+              <a:gd name="connsiteX32" fmla="*/ 82552 w 559472"/>
+              <a:gd name="connsiteY32" fmla="*/ 367348 h 3709642"/>
+              <a:gd name="connsiteX33" fmla="*/ 55608 w 559472"/>
+              <a:gd name="connsiteY33" fmla="*/ 244762 h 3709642"/>
+              <a:gd name="connsiteX34" fmla="*/ 28130 w 559472"/>
+              <a:gd name="connsiteY34" fmla="*/ 122220 h 3709642"/>
+              <a:gd name="connsiteX35" fmla="*/ 0 w 559472"/>
+              <a:gd name="connsiteY35" fmla="*/ 0 h 3709642"/>
+            </a:gdLst>
+            <a:ahLst/>
+            <a:cxnLst>
+              <a:cxn ang="0">
+                <a:pos x="connsiteX0" y="connsiteY0"/>
+              </a:cxn>
+              <a:cxn ang="0">
+                <a:pos x="connsiteX1" y="connsiteY1"/>
+              </a:cxn>
+              <a:cxn ang="0">
+                <a:pos x="connsiteX2" y="connsiteY2"/>
+              </a:cxn>
+              <a:cxn ang="0">
+                <a:pos x="connsiteX3" y="connsiteY3"/>
+              </a:cxn>
+              <a:cxn ang="0">
+                <a:pos x="connsiteX4" y="connsiteY4"/>
+              </a:cxn>
+              <a:cxn ang="0">
+                <a:pos x="connsiteX5" y="connsiteY5"/>
+              </a:cxn>
+              <a:cxn ang="0">
+                <a:pos x="connsiteX6" y="connsiteY6"/>
+              </a:cxn>
+              <a:cxn ang="0">
+                <a:pos x="connsiteX7" y="connsiteY7"/>
+              </a:cxn>
+              <a:cxn ang="0">
+                <a:pos x="connsiteX8" y="connsiteY8"/>
+              </a:cxn>
+              <a:cxn ang="0">
+                <a:pos x="connsiteX9" y="connsiteY9"/>
+              </a:cxn>
+              <a:cxn ang="0">
+                <a:pos x="connsiteX10" y="connsiteY10"/>
+              </a:cxn>
+              <a:cxn ang="0">
+                <a:pos x="connsiteX11" y="connsiteY11"/>
+              </a:cxn>
+              <a:cxn ang="0">
+                <a:pos x="connsiteX12" y="connsiteY12"/>
+              </a:cxn>
+              <a:cxn ang="0">
+                <a:pos x="connsiteX13" y="connsiteY13"/>
+              </a:cxn>
+              <a:cxn ang="0">
+                <a:pos x="connsiteX14" y="connsiteY14"/>
+              </a:cxn>
+              <a:cxn ang="0">
+                <a:pos x="connsiteX15" y="connsiteY15"/>
+              </a:cxn>
+              <a:cxn ang="0">
+                <a:pos x="connsiteX16" y="connsiteY16"/>
+              </a:cxn>
+              <a:cxn ang="0">
+                <a:pos x="connsiteX17" y="connsiteY17"/>
+              </a:cxn>
+              <a:cxn ang="0">
+                <a:pos x="connsiteX18" y="connsiteY18"/>
+              </a:cxn>
+              <a:cxn ang="0">
+                <a:pos x="connsiteX19" y="connsiteY19"/>
+              </a:cxn>
+              <a:cxn ang="0">
+                <a:pos x="connsiteX20" y="connsiteY20"/>
+              </a:cxn>
+              <a:cxn ang="0">
+                <a:pos x="connsiteX21" y="connsiteY21"/>
+              </a:cxn>
+              <a:cxn ang="0">
+                <a:pos x="connsiteX22" y="connsiteY22"/>
+              </a:cxn>
+              <a:cxn ang="0">
+                <a:pos x="connsiteX23" y="connsiteY23"/>
+              </a:cxn>
+              <a:cxn ang="0">
+                <a:pos x="connsiteX24" y="connsiteY24"/>
+              </a:cxn>
+              <a:cxn ang="0">
+                <a:pos x="connsiteX25" y="connsiteY25"/>
+              </a:cxn>
+              <a:cxn ang="0">
+                <a:pos x="connsiteX26" y="connsiteY26"/>
+              </a:cxn>
+              <a:cxn ang="0">
+                <a:pos x="connsiteX27" y="connsiteY27"/>
+              </a:cxn>
+              <a:cxn ang="0">
+                <a:pos x="connsiteX28" y="connsiteY28"/>
+              </a:cxn>
+              <a:cxn ang="0">
+                <a:pos x="connsiteX29" y="connsiteY29"/>
+              </a:cxn>
+              <a:cxn ang="0">
+                <a:pos x="connsiteX30" y="connsiteY30"/>
+              </a:cxn>
+              <a:cxn ang="0">
+                <a:pos x="connsiteX31" y="connsiteY31"/>
+              </a:cxn>
+              <a:cxn ang="0">
+                <a:pos x="connsiteX32" y="connsiteY32"/>
+              </a:cxn>
+              <a:cxn ang="0">
+                <a:pos x="connsiteX33" y="connsiteY33"/>
+              </a:cxn>
+              <a:cxn ang="0">
+                <a:pos x="connsiteX34" y="connsiteY34"/>
+              </a:cxn>
+              <a:cxn ang="0">
+                <a:pos x="connsiteX35" y="connsiteY35"/>
+              </a:cxn>
+            </a:cxnLst>
+            <a:rect l="l" t="t" r="r" b="b"/>
+            <a:pathLst>
+              <a:path w="559472" h="3709642">
+                <a:moveTo>
+                  <a:pt x="0" y="0"/>
+                </a:moveTo>
+                <a:lnTo>
+                  <a:pt x="473952" y="0"/>
+                </a:lnTo>
+                <a:lnTo>
+                  <a:pt x="485840" y="161194"/>
+                </a:lnTo>
+                <a:cubicBezTo>
+                  <a:pt x="552063" y="1147770"/>
+                  <a:pt x="592441" y="3086737"/>
+                  <a:pt x="523949" y="3672197"/>
+                </a:cubicBezTo>
+                <a:cubicBezTo>
+                  <a:pt x="500842" y="3684557"/>
+                  <a:pt x="477855" y="3697282"/>
+                  <a:pt x="454748" y="3709642"/>
+                </a:cubicBezTo>
+                <a:lnTo>
+                  <a:pt x="448224" y="3510471"/>
+                </a:lnTo>
+                <a:lnTo>
+                  <a:pt x="443564" y="3408563"/>
+                </a:lnTo>
+                <a:lnTo>
+                  <a:pt x="438902" y="3304407"/>
+                </a:lnTo>
+                <a:lnTo>
+                  <a:pt x="433941" y="3198777"/>
+                </a:lnTo>
+                <a:lnTo>
+                  <a:pt x="427584" y="3092510"/>
+                </a:lnTo>
+                <a:lnTo>
+                  <a:pt x="420988" y="2984390"/>
+                </a:lnTo>
+                <a:lnTo>
+                  <a:pt x="414330" y="2874401"/>
+                </a:lnTo>
+                <a:lnTo>
+                  <a:pt x="406840" y="2762980"/>
+                </a:lnTo>
+                <a:lnTo>
+                  <a:pt x="397745" y="2650566"/>
+                </a:lnTo>
+                <a:lnTo>
+                  <a:pt x="389154" y="2536612"/>
+                </a:lnTo>
+                <a:lnTo>
+                  <a:pt x="379225" y="2421642"/>
+                </a:lnTo>
+                <a:lnTo>
+                  <a:pt x="368316" y="2305627"/>
+                </a:lnTo>
+                <a:lnTo>
+                  <a:pt x="357466" y="2189233"/>
+                </a:lnTo>
+                <a:lnTo>
+                  <a:pt x="344982" y="2071473"/>
+                </a:lnTo>
+                <a:lnTo>
+                  <a:pt x="332466" y="1952216"/>
+                </a:lnTo>
+                <a:lnTo>
+                  <a:pt x="319121" y="1833776"/>
+                </a:lnTo>
+                <a:lnTo>
+                  <a:pt x="304408" y="1713948"/>
+                </a:lnTo>
+                <a:lnTo>
+                  <a:pt x="288685" y="1592703"/>
+                </a:lnTo>
+                <a:lnTo>
+                  <a:pt x="273050" y="1471451"/>
+                </a:lnTo>
+                <a:lnTo>
+                  <a:pt x="255813" y="1350328"/>
+                </a:lnTo>
+                <a:lnTo>
+                  <a:pt x="237060" y="1227080"/>
+                </a:lnTo>
+                <a:lnTo>
+                  <a:pt x="218488" y="1106065"/>
+                </a:lnTo>
+                <a:lnTo>
+                  <a:pt x="198221" y="982940"/>
+                </a:lnTo>
+                <a:lnTo>
+                  <a:pt x="177152" y="858755"/>
+                </a:lnTo>
+                <a:lnTo>
+                  <a:pt x="155551" y="736861"/>
+                </a:lnTo>
+                <a:lnTo>
+                  <a:pt x="131782" y="613645"/>
+                </a:lnTo>
+                <a:lnTo>
+                  <a:pt x="107123" y="490500"/>
+                </a:lnTo>
+                <a:lnTo>
+                  <a:pt x="82552" y="367348"/>
+                </a:lnTo>
+                <a:lnTo>
+                  <a:pt x="55608" y="244762"/>
+                </a:lnTo>
+                <a:lnTo>
+                  <a:pt x="28130" y="122220"/>
+                </a:lnTo>
+                <a:lnTo>
+                  <a:pt x="0" y="0"/>
+                </a:lnTo>
+                <a:close/>
+              </a:path>
+            </a:pathLst>
+          </a:custGeom>
+          <a:solidFill>
+            <a:schemeClr val="bg1">
+              <a:alpha val="20000"/>
+            </a:schemeClr>
+          </a:solidFill>
+          <a:ln>
+            <a:noFill/>
+          </a:ln>
+        </p:spPr>
+        <p:txBody>
+          <a:bodyPr rtlCol="0" anchor="ctr"/>
+          <a:lstStyle/>
+          <a:p>
+            <a:pPr algn="ctr"/>
+            <a:endParaRPr lang="en-US"/>
+          </a:p>
+        </p:txBody>
+      </p:sp>
+      <p:sp useBgFill="1">
+        <p:nvSpPr>
+          <p:cNvPr id="19" name="Freeform: Shape 12">
+            <a:extLst>
+              <a:ext uri="{FF2B5EF4-FFF2-40B4-BE49-F238E27FC236}">
+                <a16:creationId xmlns:a16="http://schemas.microsoft.com/office/drawing/2014/main" id="{70151CB7-E7DE-4917-B831-01DF9CE01306}"/>
+              </a:ext>
+              <a:ext uri="{C183D7F6-B498-43B3-948B-1728B52AA6E4}">
+                <adec:decorative xmlns:adec="http://schemas.microsoft.com/office/drawing/2017/decorative" val="1"/>
+              </a:ext>
+            </a:extLst>
+          </p:cNvPr>
+          <p:cNvSpPr>
+            <a:spLocks noGrp="1" noRot="1" noChangeAspect="1" noMove="1" noResize="1" noEditPoints="1" noAdjustHandles="1" noChangeArrowheads="1" noChangeShapeType="1" noTextEdit="1"/>
+          </p:cNvSpPr>
+          <p:nvPr>
+            <p:extLst>
+              <p:ext uri="{386F3935-93C4-4BCD-93E2-E3B085C9AB24}">
+                <p16:designElem xmlns:p16="http://schemas.microsoft.com/office/powerpoint/2015/main" val="1"/>
+              </p:ext>
+            </p:extLst>
+          </p:nvPr>
+        </p:nvSpPr>
+        <p:spPr bwMode="gray">
+          <a:xfrm rot="16200000">
+            <a:off x="5270819" y="-63600"/>
+            <a:ext cx="6858001" cy="6985200"/>
+          </a:xfrm>
+          <a:custGeom>
+            <a:avLst/>
+            <a:gdLst>
+              <a:gd name="connsiteX0" fmla="*/ 6858001 w 6858001"/>
+              <a:gd name="connsiteY0" fmla="*/ 1177 h 6985200"/>
+              <a:gd name="connsiteX1" fmla="*/ 6858001 w 6858001"/>
+              <a:gd name="connsiteY1" fmla="*/ 1344715 h 6985200"/>
+              <a:gd name="connsiteX2" fmla="*/ 6858000 w 6858001"/>
+              <a:gd name="connsiteY2" fmla="*/ 1344715 h 6985200"/>
+              <a:gd name="connsiteX3" fmla="*/ 6858000 w 6858001"/>
+              <a:gd name="connsiteY3" fmla="*/ 6985200 h 6985200"/>
+              <a:gd name="connsiteX4" fmla="*/ 0 w 6858001"/>
+              <a:gd name="connsiteY4" fmla="*/ 6985199 h 6985200"/>
+              <a:gd name="connsiteX5" fmla="*/ 0 w 6858001"/>
+              <a:gd name="connsiteY5" fmla="*/ 886772 h 6985200"/>
+              <a:gd name="connsiteX6" fmla="*/ 1 w 6858001"/>
+              <a:gd name="connsiteY6" fmla="*/ 886772 h 6985200"/>
+              <a:gd name="connsiteX7" fmla="*/ 1 w 6858001"/>
+              <a:gd name="connsiteY7" fmla="*/ 0 h 6985200"/>
+              <a:gd name="connsiteX8" fmla="*/ 40463 w 6858001"/>
+              <a:gd name="connsiteY8" fmla="*/ 5883 h 6985200"/>
+              <a:gd name="connsiteX9" fmla="*/ 159107 w 6858001"/>
+              <a:gd name="connsiteY9" fmla="*/ 23196 h 6985200"/>
+              <a:gd name="connsiteX10" fmla="*/ 245518 w 6858001"/>
+              <a:gd name="connsiteY10" fmla="*/ 35299 h 6985200"/>
+              <a:gd name="connsiteX11" fmla="*/ 348388 w 6858001"/>
+              <a:gd name="connsiteY11" fmla="*/ 48073 h 6985200"/>
+              <a:gd name="connsiteX12" fmla="*/ 470460 w 6858001"/>
+              <a:gd name="connsiteY12" fmla="*/ 63369 h 6985200"/>
+              <a:gd name="connsiteX13" fmla="*/ 605563 w 6858001"/>
+              <a:gd name="connsiteY13" fmla="*/ 79506 h 6985200"/>
+              <a:gd name="connsiteX14" fmla="*/ 757810 w 6858001"/>
+              <a:gd name="connsiteY14" fmla="*/ 96483 h 6985200"/>
+              <a:gd name="connsiteX15" fmla="*/ 923774 w 6858001"/>
+              <a:gd name="connsiteY15" fmla="*/ 114469 h 6985200"/>
+              <a:gd name="connsiteX16" fmla="*/ 1104139 w 6858001"/>
+              <a:gd name="connsiteY16" fmla="*/ 132454 h 6985200"/>
+              <a:gd name="connsiteX17" fmla="*/ 1296163 w 6858001"/>
+              <a:gd name="connsiteY17" fmla="*/ 150776 h 6985200"/>
+              <a:gd name="connsiteX18" fmla="*/ 1503275 w 6858001"/>
+              <a:gd name="connsiteY18" fmla="*/ 167753 h 6985200"/>
+              <a:gd name="connsiteX19" fmla="*/ 1719988 w 6858001"/>
+              <a:gd name="connsiteY19" fmla="*/ 184058 h 6985200"/>
+              <a:gd name="connsiteX20" fmla="*/ 1949045 w 6858001"/>
+              <a:gd name="connsiteY20" fmla="*/ 198849 h 6985200"/>
+              <a:gd name="connsiteX21" fmla="*/ 2187703 w 6858001"/>
+              <a:gd name="connsiteY21" fmla="*/ 212969 h 6985200"/>
+              <a:gd name="connsiteX22" fmla="*/ 2436649 w 6858001"/>
+              <a:gd name="connsiteY22" fmla="*/ 226248 h 6985200"/>
+              <a:gd name="connsiteX23" fmla="*/ 2564208 w 6858001"/>
+              <a:gd name="connsiteY23" fmla="*/ 230955 h 6985200"/>
+              <a:gd name="connsiteX24" fmla="*/ 2694509 w 6858001"/>
+              <a:gd name="connsiteY24" fmla="*/ 236165 h 6985200"/>
+              <a:gd name="connsiteX25" fmla="*/ 2826869 w 6858001"/>
+              <a:gd name="connsiteY25" fmla="*/ 241040 h 6985200"/>
+              <a:gd name="connsiteX26" fmla="*/ 2959914 w 6858001"/>
+              <a:gd name="connsiteY26" fmla="*/ 244234 h 6985200"/>
+              <a:gd name="connsiteX27" fmla="*/ 3095702 w 6858001"/>
+              <a:gd name="connsiteY27" fmla="*/ 247091 h 6985200"/>
+              <a:gd name="connsiteX28" fmla="*/ 3232862 w 6858001"/>
+              <a:gd name="connsiteY28" fmla="*/ 250117 h 6985200"/>
+              <a:gd name="connsiteX29" fmla="*/ 3372766 w 6858001"/>
+              <a:gd name="connsiteY29" fmla="*/ 252134 h 6985200"/>
+              <a:gd name="connsiteX30" fmla="*/ 3514040 w 6858001"/>
+              <a:gd name="connsiteY30" fmla="*/ 252134 h 6985200"/>
+              <a:gd name="connsiteX31" fmla="*/ 3656686 w 6858001"/>
+              <a:gd name="connsiteY31" fmla="*/ 253142 h 6985200"/>
+              <a:gd name="connsiteX32" fmla="*/ 3800705 w 6858001"/>
+              <a:gd name="connsiteY32" fmla="*/ 252134 h 6985200"/>
+              <a:gd name="connsiteX33" fmla="*/ 3946780 w 6858001"/>
+              <a:gd name="connsiteY33" fmla="*/ 250117 h 6985200"/>
+              <a:gd name="connsiteX34" fmla="*/ 4092856 w 6858001"/>
+              <a:gd name="connsiteY34" fmla="*/ 248268 h 6985200"/>
+              <a:gd name="connsiteX35" fmla="*/ 4240988 w 6858001"/>
+              <a:gd name="connsiteY35" fmla="*/ 244234 h 6985200"/>
+              <a:gd name="connsiteX36" fmla="*/ 4390492 w 6858001"/>
+              <a:gd name="connsiteY36" fmla="*/ 240032 h 6985200"/>
+              <a:gd name="connsiteX37" fmla="*/ 4539997 w 6858001"/>
+              <a:gd name="connsiteY37" fmla="*/ 235157 h 6985200"/>
+              <a:gd name="connsiteX38" fmla="*/ 4690873 w 6858001"/>
+              <a:gd name="connsiteY38" fmla="*/ 228266 h 6985200"/>
+              <a:gd name="connsiteX39" fmla="*/ 4843120 w 6858001"/>
+              <a:gd name="connsiteY39" fmla="*/ 220029 h 6985200"/>
+              <a:gd name="connsiteX40" fmla="*/ 4996054 w 6858001"/>
+              <a:gd name="connsiteY40" fmla="*/ 212129 h 6985200"/>
+              <a:gd name="connsiteX41" fmla="*/ 5148987 w 6858001"/>
+              <a:gd name="connsiteY41" fmla="*/ 202044 h 6985200"/>
+              <a:gd name="connsiteX42" fmla="*/ 5303978 w 6858001"/>
+              <a:gd name="connsiteY42" fmla="*/ 189941 h 6985200"/>
+              <a:gd name="connsiteX43" fmla="*/ 5456911 w 6858001"/>
+              <a:gd name="connsiteY43" fmla="*/ 177839 h 6985200"/>
+              <a:gd name="connsiteX44" fmla="*/ 5612588 w 6858001"/>
+              <a:gd name="connsiteY44" fmla="*/ 163887 h 6985200"/>
+              <a:gd name="connsiteX45" fmla="*/ 5768950 w 6858001"/>
+              <a:gd name="connsiteY45" fmla="*/ 148591 h 6985200"/>
+              <a:gd name="connsiteX46" fmla="*/ 5923255 w 6858001"/>
+              <a:gd name="connsiteY46" fmla="*/ 132455 h 6985200"/>
+              <a:gd name="connsiteX47" fmla="*/ 6079618 w 6858001"/>
+              <a:gd name="connsiteY47" fmla="*/ 113629 h 6985200"/>
+              <a:gd name="connsiteX48" fmla="*/ 6235294 w 6858001"/>
+              <a:gd name="connsiteY48" fmla="*/ 93458 h 6985200"/>
+              <a:gd name="connsiteX49" fmla="*/ 6391657 w 6858001"/>
+              <a:gd name="connsiteY49" fmla="*/ 73455 h 6985200"/>
+              <a:gd name="connsiteX50" fmla="*/ 6547333 w 6858001"/>
+              <a:gd name="connsiteY50" fmla="*/ 50091 h 6985200"/>
+              <a:gd name="connsiteX51" fmla="*/ 6702324 w 6858001"/>
+              <a:gd name="connsiteY51" fmla="*/ 26222 h 6985200"/>
+            </a:gdLst>
+            <a:ahLst/>
+            <a:cxnLst>
+              <a:cxn ang="0">
+                <a:pos x="connsiteX0" y="connsiteY0"/>
+              </a:cxn>
+              <a:cxn ang="0">
+                <a:pos x="connsiteX1" y="connsiteY1"/>
+              </a:cxn>
+              <a:cxn ang="0">
+                <a:pos x="connsiteX2" y="connsiteY2"/>
+              </a:cxn>
+              <a:cxn ang="0">
+                <a:pos x="connsiteX3" y="connsiteY3"/>
+              </a:cxn>
+              <a:cxn ang="0">
+                <a:pos x="connsiteX4" y="connsiteY4"/>
+              </a:cxn>
+              <a:cxn ang="0">
+                <a:pos x="connsiteX5" y="connsiteY5"/>
+              </a:cxn>
+              <a:cxn ang="0">
+                <a:pos x="connsiteX6" y="connsiteY6"/>
+              </a:cxn>
+              <a:cxn ang="0">
+                <a:pos x="connsiteX7" y="connsiteY7"/>
+              </a:cxn>
+              <a:cxn ang="0">
+                <a:pos x="connsiteX8" y="connsiteY8"/>
+              </a:cxn>
+              <a:cxn ang="0">
+                <a:pos x="connsiteX9" y="connsiteY9"/>
+              </a:cxn>
+              <a:cxn ang="0">
+                <a:pos x="connsiteX10" y="connsiteY10"/>
+              </a:cxn>
+              <a:cxn ang="0">
+                <a:pos x="connsiteX11" y="connsiteY11"/>
+              </a:cxn>
+              <a:cxn ang="0">
+                <a:pos x="connsiteX12" y="connsiteY12"/>
+              </a:cxn>
+              <a:cxn ang="0">
+                <a:pos x="connsiteX13" y="connsiteY13"/>
+              </a:cxn>
+              <a:cxn ang="0">
+                <a:pos x="connsiteX14" y="connsiteY14"/>
+              </a:cxn>
+              <a:cxn ang="0">
+                <a:pos x="connsiteX15" y="connsiteY15"/>
+              </a:cxn>
+              <a:cxn ang="0">
+                <a:pos x="connsiteX16" y="connsiteY16"/>
+              </a:cxn>
+              <a:cxn ang="0">
+                <a:pos x="connsiteX17" y="connsiteY17"/>
+              </a:cxn>
+              <a:cxn ang="0">
+                <a:pos x="connsiteX18" y="connsiteY18"/>
+              </a:cxn>
+              <a:cxn ang="0">
+                <a:pos x="connsiteX19" y="connsiteY19"/>
+              </a:cxn>
+              <a:cxn ang="0">
+                <a:pos x="connsiteX20" y="connsiteY20"/>
+              </a:cxn>
+              <a:cxn ang="0">
+                <a:pos x="connsiteX21" y="connsiteY21"/>
+              </a:cxn>
+              <a:cxn ang="0">
+                <a:pos x="connsiteX22" y="connsiteY22"/>
+              </a:cxn>
+              <a:cxn ang="0">
+                <a:pos x="connsiteX23" y="connsiteY23"/>
+              </a:cxn>
+              <a:cxn ang="0">
+                <a:pos x="connsiteX24" y="connsiteY24"/>
+              </a:cxn>
+              <a:cxn ang="0">
+                <a:pos x="connsiteX25" y="connsiteY25"/>
+              </a:cxn>
+              <a:cxn ang="0">
+                <a:pos x="connsiteX26" y="connsiteY26"/>
+              </a:cxn>
+              <a:cxn ang="0">
+                <a:pos x="connsiteX27" y="connsiteY27"/>
+              </a:cxn>
+              <a:cxn ang="0">
+                <a:pos x="connsiteX28" y="connsiteY28"/>
+              </a:cxn>
+              <a:cxn ang="0">
+                <a:pos x="connsiteX29" y="connsiteY29"/>
+              </a:cxn>
+              <a:cxn ang="0">
+                <a:pos x="connsiteX30" y="connsiteY30"/>
+              </a:cxn>
+              <a:cxn ang="0">
+                <a:pos x="connsiteX31" y="connsiteY31"/>
+              </a:cxn>
+              <a:cxn ang="0">
+                <a:pos x="connsiteX32" y="connsiteY32"/>
+              </a:cxn>
+              <a:cxn ang="0">
+                <a:pos x="connsiteX33" y="connsiteY33"/>
+              </a:cxn>
+              <a:cxn ang="0">
+                <a:pos x="connsiteX34" y="connsiteY34"/>
+              </a:cxn>
+              <a:cxn ang="0">
+                <a:pos x="connsiteX35" y="connsiteY35"/>
+              </a:cxn>
+              <a:cxn ang="0">
+                <a:pos x="connsiteX36" y="connsiteY36"/>
+              </a:cxn>
+              <a:cxn ang="0">
+                <a:pos x="connsiteX37" y="connsiteY37"/>
+              </a:cxn>
+              <a:cxn ang="0">
+                <a:pos x="connsiteX38" y="connsiteY38"/>
+              </a:cxn>
+              <a:cxn ang="0">
+                <a:pos x="connsiteX39" y="connsiteY39"/>
+              </a:cxn>
+              <a:cxn ang="0">
+                <a:pos x="connsiteX40" y="connsiteY40"/>
+              </a:cxn>
+              <a:cxn ang="0">
+                <a:pos x="connsiteX41" y="connsiteY41"/>
+              </a:cxn>
+              <a:cxn ang="0">
+                <a:pos x="connsiteX42" y="connsiteY42"/>
+              </a:cxn>
+              <a:cxn ang="0">
+                <a:pos x="connsiteX43" y="connsiteY43"/>
+              </a:cxn>
+              <a:cxn ang="0">
+                <a:pos x="connsiteX44" y="connsiteY44"/>
+              </a:cxn>
+              <a:cxn ang="0">
+                <a:pos x="connsiteX45" y="connsiteY45"/>
+              </a:cxn>
+              <a:cxn ang="0">
+                <a:pos x="connsiteX46" y="connsiteY46"/>
+              </a:cxn>
+              <a:cxn ang="0">
+                <a:pos x="connsiteX47" y="connsiteY47"/>
+              </a:cxn>
+              <a:cxn ang="0">
+                <a:pos x="connsiteX48" y="connsiteY48"/>
+              </a:cxn>
+              <a:cxn ang="0">
+                <a:pos x="connsiteX49" y="connsiteY49"/>
+              </a:cxn>
+              <a:cxn ang="0">
+                <a:pos x="connsiteX50" y="connsiteY50"/>
+              </a:cxn>
+              <a:cxn ang="0">
+                <a:pos x="connsiteX51" y="connsiteY51"/>
+              </a:cxn>
+            </a:cxnLst>
+            <a:rect l="l" t="t" r="r" b="b"/>
+            <a:pathLst>
+              <a:path w="6858001" h="6985200">
+                <a:moveTo>
+                  <a:pt x="6858001" y="1177"/>
+                </a:moveTo>
+                <a:lnTo>
+                  <a:pt x="6858001" y="1344715"/>
+                </a:lnTo>
+                <a:lnTo>
+                  <a:pt x="6858000" y="1344715"/>
+                </a:lnTo>
+                <a:lnTo>
+                  <a:pt x="6858000" y="6985200"/>
+                </a:lnTo>
+                <a:lnTo>
+                  <a:pt x="0" y="6985199"/>
+                </a:lnTo>
+                <a:lnTo>
+                  <a:pt x="0" y="886772"/>
+                </a:lnTo>
+                <a:lnTo>
+                  <a:pt x="1" y="886772"/>
+                </a:lnTo>
+                <a:lnTo>
+                  <a:pt x="1" y="0"/>
+                </a:lnTo>
+                <a:lnTo>
+                  <a:pt x="40463" y="5883"/>
+                </a:lnTo>
+                <a:lnTo>
+                  <a:pt x="159107" y="23196"/>
+                </a:lnTo>
+                <a:lnTo>
+                  <a:pt x="245518" y="35299"/>
+                </a:lnTo>
+                <a:lnTo>
+                  <a:pt x="348388" y="48073"/>
+                </a:lnTo>
+                <a:lnTo>
+                  <a:pt x="470460" y="63369"/>
+                </a:lnTo>
+                <a:lnTo>
+                  <a:pt x="605563" y="79506"/>
+                </a:lnTo>
+                <a:lnTo>
+                  <a:pt x="757810" y="96483"/>
+                </a:lnTo>
+                <a:lnTo>
+                  <a:pt x="923774" y="114469"/>
+                </a:lnTo>
+                <a:lnTo>
+                  <a:pt x="1104139" y="132454"/>
+                </a:lnTo>
+                <a:lnTo>
+                  <a:pt x="1296163" y="150776"/>
+                </a:lnTo>
+                <a:lnTo>
+                  <a:pt x="1503275" y="167753"/>
+                </a:lnTo>
+                <a:lnTo>
+                  <a:pt x="1719988" y="184058"/>
+                </a:lnTo>
+                <a:lnTo>
+                  <a:pt x="1949045" y="198849"/>
+                </a:lnTo>
+                <a:lnTo>
+                  <a:pt x="2187703" y="212969"/>
+                </a:lnTo>
+                <a:lnTo>
+                  <a:pt x="2436649" y="226248"/>
+                </a:lnTo>
+                <a:lnTo>
+                  <a:pt x="2564208" y="230955"/>
+                </a:lnTo>
+                <a:lnTo>
+                  <a:pt x="2694509" y="236165"/>
+                </a:lnTo>
+                <a:lnTo>
+                  <a:pt x="2826869" y="241040"/>
+                </a:lnTo>
+                <a:lnTo>
+                  <a:pt x="2959914" y="244234"/>
+                </a:lnTo>
+                <a:lnTo>
+                  <a:pt x="3095702" y="247091"/>
+                </a:lnTo>
+                <a:lnTo>
+                  <a:pt x="3232862" y="250117"/>
+                </a:lnTo>
+                <a:lnTo>
+                  <a:pt x="3372766" y="252134"/>
+                </a:lnTo>
+                <a:lnTo>
+                  <a:pt x="3514040" y="252134"/>
+                </a:lnTo>
+                <a:lnTo>
+                  <a:pt x="3656686" y="253142"/>
+                </a:lnTo>
+                <a:lnTo>
+                  <a:pt x="3800705" y="252134"/>
+                </a:lnTo>
+                <a:lnTo>
+                  <a:pt x="3946780" y="250117"/>
+                </a:lnTo>
+                <a:lnTo>
+                  <a:pt x="4092856" y="248268"/>
+                </a:lnTo>
+                <a:lnTo>
+                  <a:pt x="4240988" y="244234"/>
+                </a:lnTo>
+                <a:lnTo>
+                  <a:pt x="4390492" y="240032"/>
+                </a:lnTo>
+                <a:lnTo>
+                  <a:pt x="4539997" y="235157"/>
+                </a:lnTo>
+                <a:lnTo>
+                  <a:pt x="4690873" y="228266"/>
+                </a:lnTo>
+                <a:lnTo>
+                  <a:pt x="4843120" y="220029"/>
+                </a:lnTo>
+                <a:lnTo>
+                  <a:pt x="4996054" y="212129"/>
+                </a:lnTo>
+                <a:lnTo>
+                  <a:pt x="5148987" y="202044"/>
+                </a:lnTo>
+                <a:lnTo>
+                  <a:pt x="5303978" y="189941"/>
+                </a:lnTo>
+                <a:lnTo>
+                  <a:pt x="5456911" y="177839"/>
+                </a:lnTo>
+                <a:lnTo>
+                  <a:pt x="5612588" y="163887"/>
+                </a:lnTo>
+                <a:lnTo>
+                  <a:pt x="5768950" y="148591"/>
+                </a:lnTo>
+                <a:lnTo>
+                  <a:pt x="5923255" y="132455"/>
+                </a:lnTo>
+                <a:lnTo>
+                  <a:pt x="6079618" y="113629"/>
+                </a:lnTo>
+                <a:lnTo>
+                  <a:pt x="6235294" y="93458"/>
+                </a:lnTo>
+                <a:lnTo>
+                  <a:pt x="6391657" y="73455"/>
+                </a:lnTo>
+                <a:lnTo>
+                  <a:pt x="6547333" y="50091"/>
+                </a:lnTo>
+                <a:lnTo>
+                  <a:pt x="6702324" y="26222"/>
+                </a:lnTo>
+                <a:close/>
+              </a:path>
+            </a:pathLst>
+          </a:custGeom>
+          <a:ln>
+            <a:noFill/>
+          </a:ln>
+        </p:spPr>
+        <p:txBody>
+          <a:bodyPr/>
+          <a:lstStyle/>
+          <a:p>
+            <a:endParaRPr lang="en-US"/>
+          </a:p>
+        </p:txBody>
+      </p:sp>
+      <p:pic>
+        <p:nvPicPr>
+          <p:cNvPr id="4" name="Picture" title="wikilink">
+            <a:extLst>
+              <a:ext uri="{FF2B5EF4-FFF2-40B4-BE49-F238E27FC236}">
+                <a16:creationId xmlns:a16="http://schemas.microsoft.com/office/drawing/2014/main" id="{BC5F6760-050C-D5B4-7924-F318DFB04AAB}"/>
+              </a:ext>
+            </a:extLst>
+          </p:cNvPr>
+          <p:cNvPicPr/>
+          <p:nvPr/>
+        </p:nvPicPr>
+        <p:blipFill>
+          <a:blip r:embed="rId2"/>
+          <a:stretch>
+            <a:fillRect/>
+          </a:stretch>
+        </p:blipFill>
+        <p:spPr bwMode="auto">
+          <a:xfrm>
+            <a:off x="6093992" y="1105983"/>
+            <a:ext cx="5449889" cy="4646030"/>
+          </a:xfrm>
+          <a:prstGeom prst="rect">
+            <a:avLst/>
+          </a:prstGeom>
+          <a:noFill/>
+          <a:effectLst/>
+        </p:spPr>
+      </p:pic>
+      <p:sp>
+        <p:nvSpPr>
+          <p:cNvPr id="20" name="Rectangle 19">
+            <a:extLst>
+              <a:ext uri="{FF2B5EF4-FFF2-40B4-BE49-F238E27FC236}">
+                <a16:creationId xmlns:a16="http://schemas.microsoft.com/office/drawing/2014/main" id="{A92A1116-1C84-41DF-B803-1F7B0883EC82}"/>
+              </a:ext>
+              <a:ext uri="{C183D7F6-B498-43B3-948B-1728B52AA6E4}">
+                <adec:decorative xmlns:adec="http://schemas.microsoft.com/office/drawing/2017/decorative" val="1"/>
+              </a:ext>
+            </a:extLst>
+          </p:cNvPr>
+          <p:cNvSpPr>
+            <a:spLocks noGrp="1" noRot="1" noChangeAspect="1" noMove="1" noResize="1" noEditPoints="1" noAdjustHandles="1" noChangeArrowheads="1" noChangeShapeType="1" noTextEdit="1"/>
+          </p:cNvSpPr>
+          <p:nvPr>
+            <p:extLst>
+              <p:ext uri="{386F3935-93C4-4BCD-93E2-E3B085C9AB24}">
+                <p16:designElem xmlns:p16="http://schemas.microsoft.com/office/powerpoint/2015/main" val="1"/>
+              </p:ext>
+            </p:extLst>
+          </p:nvPr>
+        </p:nvSpPr>
+        <p:spPr>
+          <a:xfrm>
+            <a:off x="10442448" y="0"/>
+            <a:ext cx="685800" cy="1143000"/>
+          </a:xfrm>
+          <a:prstGeom prst="rect">
+            <a:avLst/>
+          </a:prstGeom>
+          <a:solidFill>
+            <a:schemeClr val="accent1"/>
+          </a:solidFill>
+          <a:ln>
+            <a:noFill/>
+          </a:ln>
+        </p:spPr>
+        <p:style>
+          <a:lnRef idx="1">
+            <a:schemeClr val="accent1"/>
+          </a:lnRef>
+          <a:fillRef idx="3">
+            <a:schemeClr val="accent1"/>
+          </a:fillRef>
+          <a:effectRef idx="2">
+            <a:schemeClr val="accent1"/>
+          </a:effectRef>
+          <a:fontRef idx="minor">
+            <a:schemeClr val="lt1"/>
+          </a:fontRef>
+        </p:style>
+        <p:txBody>
+          <a:bodyPr/>
+          <a:lstStyle/>
+          <a:p>
+            <a:endParaRPr lang="en-US"/>
+          </a:p>
+        </p:txBody>
+      </p:sp>
+      <p:sp>
+        <p:nvSpPr>
+          <p:cNvPr id="3" name="Content Placeholder 2">
+            <a:extLst>
+              <a:ext uri="{FF2B5EF4-FFF2-40B4-BE49-F238E27FC236}">
+                <a16:creationId xmlns:a16="http://schemas.microsoft.com/office/drawing/2014/main" id="{C877FC4F-854E-9819-8768-E8F5068FF90E}"/>
+              </a:ext>
+            </a:extLst>
+          </p:cNvPr>
+          <p:cNvSpPr>
+            <a:spLocks noGrp="1"/>
+          </p:cNvSpPr>
+          <p:nvPr>
+            <p:ph idx="1"/>
+          </p:nvPr>
+        </p:nvSpPr>
+        <p:spPr>
+          <a:xfrm>
+            <a:off x="648931" y="2438400"/>
+            <a:ext cx="4166509" cy="3785419"/>
+          </a:xfrm>
+        </p:spPr>
+        <p:txBody>
+          <a:bodyPr>
+            <a:normAutofit/>
+          </a:bodyPr>
+          <a:lstStyle/>
+          <a:p>
+            <a:r>
+              <a:rPr lang="en-US">
+                <a:solidFill>
+                  <a:srgbClr val="EBEBEB"/>
+                </a:solidFill>
+              </a:rPr>
+              <a:t>Non-smokers</a:t>
+            </a:r>
+          </a:p>
+          <a:p>
+            <a:r>
+              <a:rPr lang="en-US">
+                <a:solidFill>
+                  <a:srgbClr val="EBEBEB"/>
+                </a:solidFill>
+              </a:rPr>
+              <a:t>Half a pack per day</a:t>
+            </a:r>
+          </a:p>
+          <a:p>
+            <a:r>
+              <a:rPr lang="en-US">
+                <a:solidFill>
+                  <a:srgbClr val="EBEBEB"/>
+                </a:solidFill>
+              </a:rPr>
+              <a:t>One pack per day</a:t>
+            </a:r>
+          </a:p>
+          <a:p>
+            <a:r>
+              <a:rPr lang="en-US">
+                <a:solidFill>
+                  <a:srgbClr val="EBEBEB"/>
+                </a:solidFill>
+              </a:rPr>
+              <a:t>More than one pack per day</a:t>
+            </a:r>
+          </a:p>
+          <a:p>
+            <a:endParaRPr lang="en-US">
+              <a:solidFill>
+                <a:srgbClr val="EBEBEB"/>
+              </a:solidFill>
+            </a:endParaRPr>
+          </a:p>
+          <a:p>
+            <a:pPr lvl="1"/>
+            <a:endParaRPr lang="en-US">
+              <a:solidFill>
+                <a:srgbClr val="EBEBEB"/>
+              </a:solidFill>
+            </a:endParaRPr>
+          </a:p>
+        </p:txBody>
+      </p:sp>
+    </p:spTree>
+    <p:extLst>
+      <p:ext uri="{BB962C8B-B14F-4D97-AF65-F5344CB8AC3E}">
+        <p14:creationId xmlns:p14="http://schemas.microsoft.com/office/powerpoint/2010/main" val="4162176546"/>
+      </p:ext>
+    </p:extLst>
+  </p:cSld>
+  <p:clrMapOvr>
+    <a:overrideClrMapping bg1="lt1" tx1="dk1" bg2="lt2" tx2="dk2" accent1="accent1" accent2="accent2" accent3="accent3" accent4="accent4" accent5="accent5" accent6="accent6" hlink="hlink" folHlink="folHlink"/>
+  </p:clrMapOvr>
+</p:sld>
+</file>
+
+<file path=ppt/slides/slide15.xml><?xml version="1.0" encoding="utf-8"?>
+<p:sld xmlns:a="http://schemas.openxmlformats.org/drawingml/2006/main" xmlns:r="http://schemas.openxmlformats.org/officeDocument/2006/relationships" xmlns:p="http://schemas.openxmlformats.org/presentationml/2006/main">
+  <p:cSld>
+    <p:bg>
+      <p:bgPr>
+        <a:blipFill rotWithShape="1">
+          <a:blip r:embed="rId3">
+            <a:duotone>
+              <a:schemeClr val="bg2">
+                <a:shade val="69000"/>
+                <a:hueMod val="108000"/>
+                <a:satMod val="164000"/>
+                <a:lumMod val="74000"/>
+              </a:schemeClr>
+              <a:schemeClr val="bg2">
+                <a:tint val="96000"/>
+                <a:hueMod val="88000"/>
+                <a:satMod val="140000"/>
+                <a:lumMod val="132000"/>
+              </a:schemeClr>
+            </a:duotone>
+          </a:blip>
+          <a:stretch/>
+        </a:blipFill>
+        <a:effectLst/>
+      </p:bgPr>
+    </p:bg>
+    <p:spTree>
+      <p:nvGrpSpPr>
+        <p:cNvPr id="1" name=""/>
+        <p:cNvGrpSpPr/>
+        <p:nvPr/>
+      </p:nvGrpSpPr>
+      <p:grpSpPr>
+        <a:xfrm>
+          <a:off x="0" y="0"/>
+          <a:ext cx="0" cy="0"/>
+          <a:chOff x="0" y="0"/>
+          <a:chExt cx="0" cy="0"/>
+        </a:xfrm>
+      </p:grpSpPr>
+      <p:sp>
+        <p:nvSpPr>
+          <p:cNvPr id="2" name="Title 1">
+            <a:extLst>
+              <a:ext uri="{FF2B5EF4-FFF2-40B4-BE49-F238E27FC236}">
+                <a16:creationId xmlns:a16="http://schemas.microsoft.com/office/drawing/2014/main" id="{B2289A05-CBA5-E63F-DD22-C5760AA341D3}"/>
+              </a:ext>
+            </a:extLst>
+          </p:cNvPr>
+          <p:cNvSpPr>
+            <a:spLocks noGrp="1"/>
+          </p:cNvSpPr>
+          <p:nvPr>
+            <p:ph type="title"/>
+          </p:nvPr>
+        </p:nvSpPr>
+        <p:spPr>
+          <a:xfrm>
+            <a:off x="646112" y="452718"/>
+            <a:ext cx="5629222" cy="1400530"/>
+          </a:xfrm>
+        </p:spPr>
+        <p:txBody>
+          <a:bodyPr>
+            <a:normAutofit/>
+          </a:bodyPr>
+          <a:lstStyle/>
+          <a:p>
+            <a:r>
+              <a:rPr lang="en-US" dirty="0"/>
+              <a:t>Hypertension stages by MAP</a:t>
+            </a:r>
+          </a:p>
+        </p:txBody>
+      </p:sp>
+      <p:sp>
+        <p:nvSpPr>
+          <p:cNvPr id="10" name="Freeform: Shape 9">
+            <a:extLst>
+              <a:ext uri="{FF2B5EF4-FFF2-40B4-BE49-F238E27FC236}">
+                <a16:creationId xmlns:a16="http://schemas.microsoft.com/office/drawing/2014/main" id="{AB6AAF19-F9D3-45A5-AE5D-78BC811061C5}"/>
+              </a:ext>
+              <a:ext uri="{C183D7F6-B498-43B3-948B-1728B52AA6E4}">
+                <adec:decorative xmlns:adec="http://schemas.microsoft.com/office/drawing/2017/decorative" val="1"/>
+              </a:ext>
+            </a:extLst>
+          </p:cNvPr>
+          <p:cNvSpPr>
+            <a:spLocks noGrp="1" noRot="1" noChangeAspect="1" noMove="1" noResize="1" noEditPoints="1" noAdjustHandles="1" noChangeArrowheads="1" noChangeShapeType="1" noTextEdit="1"/>
+          </p:cNvSpPr>
+          <p:nvPr>
+            <p:extLst>
+              <p:ext uri="{386F3935-93C4-4BCD-93E2-E3B085C9AB24}">
+                <p16:designElem xmlns:p16="http://schemas.microsoft.com/office/powerpoint/2015/main" val="1"/>
+              </p:ext>
+            </p:extLst>
+          </p:nvPr>
+        </p:nvSpPr>
+        <p:spPr bwMode="gray">
+          <a:xfrm rot="16200000">
+            <a:off x="5998731" y="664312"/>
+            <a:ext cx="6858001" cy="5529377"/>
+          </a:xfrm>
+          <a:custGeom>
+            <a:avLst/>
+            <a:gdLst>
+              <a:gd name="connsiteX0" fmla="*/ 6858001 w 6858001"/>
+              <a:gd name="connsiteY0" fmla="*/ 1177 h 5529377"/>
+              <a:gd name="connsiteX1" fmla="*/ 6858001 w 6858001"/>
+              <a:gd name="connsiteY1" fmla="*/ 1344715 h 5529377"/>
+              <a:gd name="connsiteX2" fmla="*/ 6858000 w 6858001"/>
+              <a:gd name="connsiteY2" fmla="*/ 1344715 h 5529377"/>
+              <a:gd name="connsiteX3" fmla="*/ 6858000 w 6858001"/>
+              <a:gd name="connsiteY3" fmla="*/ 5529377 h 5529377"/>
+              <a:gd name="connsiteX4" fmla="*/ 0 w 6858001"/>
+              <a:gd name="connsiteY4" fmla="*/ 5529376 h 5529377"/>
+              <a:gd name="connsiteX5" fmla="*/ 0 w 6858001"/>
+              <a:gd name="connsiteY5" fmla="*/ 891096 h 5529377"/>
+              <a:gd name="connsiteX6" fmla="*/ 1 w 6858001"/>
+              <a:gd name="connsiteY6" fmla="*/ 891096 h 5529377"/>
+              <a:gd name="connsiteX7" fmla="*/ 1 w 6858001"/>
+              <a:gd name="connsiteY7" fmla="*/ 0 h 5529377"/>
+              <a:gd name="connsiteX8" fmla="*/ 40463 w 6858001"/>
+              <a:gd name="connsiteY8" fmla="*/ 5883 h 5529377"/>
+              <a:gd name="connsiteX9" fmla="*/ 159107 w 6858001"/>
+              <a:gd name="connsiteY9" fmla="*/ 23196 h 5529377"/>
+              <a:gd name="connsiteX10" fmla="*/ 245518 w 6858001"/>
+              <a:gd name="connsiteY10" fmla="*/ 35299 h 5529377"/>
+              <a:gd name="connsiteX11" fmla="*/ 348388 w 6858001"/>
+              <a:gd name="connsiteY11" fmla="*/ 48073 h 5529377"/>
+              <a:gd name="connsiteX12" fmla="*/ 470460 w 6858001"/>
+              <a:gd name="connsiteY12" fmla="*/ 63369 h 5529377"/>
+              <a:gd name="connsiteX13" fmla="*/ 605563 w 6858001"/>
+              <a:gd name="connsiteY13" fmla="*/ 79506 h 5529377"/>
+              <a:gd name="connsiteX14" fmla="*/ 757810 w 6858001"/>
+              <a:gd name="connsiteY14" fmla="*/ 96483 h 5529377"/>
+              <a:gd name="connsiteX15" fmla="*/ 923774 w 6858001"/>
+              <a:gd name="connsiteY15" fmla="*/ 114469 h 5529377"/>
+              <a:gd name="connsiteX16" fmla="*/ 1104139 w 6858001"/>
+              <a:gd name="connsiteY16" fmla="*/ 132454 h 5529377"/>
+              <a:gd name="connsiteX17" fmla="*/ 1296163 w 6858001"/>
+              <a:gd name="connsiteY17" fmla="*/ 150776 h 5529377"/>
+              <a:gd name="connsiteX18" fmla="*/ 1503275 w 6858001"/>
+              <a:gd name="connsiteY18" fmla="*/ 167753 h 5529377"/>
+              <a:gd name="connsiteX19" fmla="*/ 1719988 w 6858001"/>
+              <a:gd name="connsiteY19" fmla="*/ 184058 h 5529377"/>
+              <a:gd name="connsiteX20" fmla="*/ 1949045 w 6858001"/>
+              <a:gd name="connsiteY20" fmla="*/ 198849 h 5529377"/>
+              <a:gd name="connsiteX21" fmla="*/ 2187703 w 6858001"/>
+              <a:gd name="connsiteY21" fmla="*/ 212969 h 5529377"/>
+              <a:gd name="connsiteX22" fmla="*/ 2436649 w 6858001"/>
+              <a:gd name="connsiteY22" fmla="*/ 226248 h 5529377"/>
+              <a:gd name="connsiteX23" fmla="*/ 2564208 w 6858001"/>
+              <a:gd name="connsiteY23" fmla="*/ 230955 h 5529377"/>
+              <a:gd name="connsiteX24" fmla="*/ 2694509 w 6858001"/>
+              <a:gd name="connsiteY24" fmla="*/ 236165 h 5529377"/>
+              <a:gd name="connsiteX25" fmla="*/ 2826868 w 6858001"/>
+              <a:gd name="connsiteY25" fmla="*/ 241040 h 5529377"/>
+              <a:gd name="connsiteX26" fmla="*/ 2959914 w 6858001"/>
+              <a:gd name="connsiteY26" fmla="*/ 244234 h 5529377"/>
+              <a:gd name="connsiteX27" fmla="*/ 3095702 w 6858001"/>
+              <a:gd name="connsiteY27" fmla="*/ 247091 h 5529377"/>
+              <a:gd name="connsiteX28" fmla="*/ 3232862 w 6858001"/>
+              <a:gd name="connsiteY28" fmla="*/ 250117 h 5529377"/>
+              <a:gd name="connsiteX29" fmla="*/ 3372765 w 6858001"/>
+              <a:gd name="connsiteY29" fmla="*/ 252134 h 5529377"/>
+              <a:gd name="connsiteX30" fmla="*/ 3514040 w 6858001"/>
+              <a:gd name="connsiteY30" fmla="*/ 252134 h 5529377"/>
+              <a:gd name="connsiteX31" fmla="*/ 3656686 w 6858001"/>
+              <a:gd name="connsiteY31" fmla="*/ 253142 h 5529377"/>
+              <a:gd name="connsiteX32" fmla="*/ 3800704 w 6858001"/>
+              <a:gd name="connsiteY32" fmla="*/ 252134 h 5529377"/>
+              <a:gd name="connsiteX33" fmla="*/ 3946780 w 6858001"/>
+              <a:gd name="connsiteY33" fmla="*/ 250117 h 5529377"/>
+              <a:gd name="connsiteX34" fmla="*/ 4092855 w 6858001"/>
+              <a:gd name="connsiteY34" fmla="*/ 248268 h 5529377"/>
+              <a:gd name="connsiteX35" fmla="*/ 4240988 w 6858001"/>
+              <a:gd name="connsiteY35" fmla="*/ 244234 h 5529377"/>
+              <a:gd name="connsiteX36" fmla="*/ 4390492 w 6858001"/>
+              <a:gd name="connsiteY36" fmla="*/ 240032 h 5529377"/>
+              <a:gd name="connsiteX37" fmla="*/ 4539997 w 6858001"/>
+              <a:gd name="connsiteY37" fmla="*/ 235157 h 5529377"/>
+              <a:gd name="connsiteX38" fmla="*/ 4690873 w 6858001"/>
+              <a:gd name="connsiteY38" fmla="*/ 228266 h 5529377"/>
+              <a:gd name="connsiteX39" fmla="*/ 4843120 w 6858001"/>
+              <a:gd name="connsiteY39" fmla="*/ 220029 h 5529377"/>
+              <a:gd name="connsiteX40" fmla="*/ 4996054 w 6858001"/>
+              <a:gd name="connsiteY40" fmla="*/ 212129 h 5529377"/>
+              <a:gd name="connsiteX41" fmla="*/ 5148987 w 6858001"/>
+              <a:gd name="connsiteY41" fmla="*/ 202044 h 5529377"/>
+              <a:gd name="connsiteX42" fmla="*/ 5303978 w 6858001"/>
+              <a:gd name="connsiteY42" fmla="*/ 189941 h 5529377"/>
+              <a:gd name="connsiteX43" fmla="*/ 5456911 w 6858001"/>
+              <a:gd name="connsiteY43" fmla="*/ 177839 h 5529377"/>
+              <a:gd name="connsiteX44" fmla="*/ 5612588 w 6858001"/>
+              <a:gd name="connsiteY44" fmla="*/ 163887 h 5529377"/>
+              <a:gd name="connsiteX45" fmla="*/ 5768950 w 6858001"/>
+              <a:gd name="connsiteY45" fmla="*/ 148591 h 5529377"/>
+              <a:gd name="connsiteX46" fmla="*/ 5923255 w 6858001"/>
+              <a:gd name="connsiteY46" fmla="*/ 132455 h 5529377"/>
+              <a:gd name="connsiteX47" fmla="*/ 6079618 w 6858001"/>
+              <a:gd name="connsiteY47" fmla="*/ 113629 h 5529377"/>
+              <a:gd name="connsiteX48" fmla="*/ 6235294 w 6858001"/>
+              <a:gd name="connsiteY48" fmla="*/ 93458 h 5529377"/>
+              <a:gd name="connsiteX49" fmla="*/ 6391657 w 6858001"/>
+              <a:gd name="connsiteY49" fmla="*/ 73455 h 5529377"/>
+              <a:gd name="connsiteX50" fmla="*/ 6547333 w 6858001"/>
+              <a:gd name="connsiteY50" fmla="*/ 50091 h 5529377"/>
+              <a:gd name="connsiteX51" fmla="*/ 6702324 w 6858001"/>
+              <a:gd name="connsiteY51" fmla="*/ 26222 h 5529377"/>
+            </a:gdLst>
+            <a:ahLst/>
+            <a:cxnLst>
+              <a:cxn ang="0">
+                <a:pos x="connsiteX0" y="connsiteY0"/>
+              </a:cxn>
+              <a:cxn ang="0">
+                <a:pos x="connsiteX1" y="connsiteY1"/>
+              </a:cxn>
+              <a:cxn ang="0">
+                <a:pos x="connsiteX2" y="connsiteY2"/>
+              </a:cxn>
+              <a:cxn ang="0">
+                <a:pos x="connsiteX3" y="connsiteY3"/>
+              </a:cxn>
+              <a:cxn ang="0">
+                <a:pos x="connsiteX4" y="connsiteY4"/>
+              </a:cxn>
+              <a:cxn ang="0">
+                <a:pos x="connsiteX5" y="connsiteY5"/>
+              </a:cxn>
+              <a:cxn ang="0">
+                <a:pos x="connsiteX6" y="connsiteY6"/>
+              </a:cxn>
+              <a:cxn ang="0">
+                <a:pos x="connsiteX7" y="connsiteY7"/>
+              </a:cxn>
+              <a:cxn ang="0">
+                <a:pos x="connsiteX8" y="connsiteY8"/>
+              </a:cxn>
+              <a:cxn ang="0">
+                <a:pos x="connsiteX9" y="connsiteY9"/>
+              </a:cxn>
+              <a:cxn ang="0">
+                <a:pos x="connsiteX10" y="connsiteY10"/>
+              </a:cxn>
+              <a:cxn ang="0">
+                <a:pos x="connsiteX11" y="connsiteY11"/>
+              </a:cxn>
+              <a:cxn ang="0">
+                <a:pos x="connsiteX12" y="connsiteY12"/>
+              </a:cxn>
+              <a:cxn ang="0">
+                <a:pos x="connsiteX13" y="connsiteY13"/>
+              </a:cxn>
+              <a:cxn ang="0">
+                <a:pos x="connsiteX14" y="connsiteY14"/>
+              </a:cxn>
+              <a:cxn ang="0">
+                <a:pos x="connsiteX15" y="connsiteY15"/>
+              </a:cxn>
+              <a:cxn ang="0">
+                <a:pos x="connsiteX16" y="connsiteY16"/>
+              </a:cxn>
+              <a:cxn ang="0">
+                <a:pos x="connsiteX17" y="connsiteY17"/>
+              </a:cxn>
+              <a:cxn ang="0">
+                <a:pos x="connsiteX18" y="connsiteY18"/>
+              </a:cxn>
+              <a:cxn ang="0">
+                <a:pos x="connsiteX19" y="connsiteY19"/>
+              </a:cxn>
+              <a:cxn ang="0">
+                <a:pos x="connsiteX20" y="connsiteY20"/>
+              </a:cxn>
+              <a:cxn ang="0">
+                <a:pos x="connsiteX21" y="connsiteY21"/>
+              </a:cxn>
+              <a:cxn ang="0">
+                <a:pos x="connsiteX22" y="connsiteY22"/>
+              </a:cxn>
+              <a:cxn ang="0">
+                <a:pos x="connsiteX23" y="connsiteY23"/>
+              </a:cxn>
+              <a:cxn ang="0">
+                <a:pos x="connsiteX24" y="connsiteY24"/>
+              </a:cxn>
+              <a:cxn ang="0">
+                <a:pos x="connsiteX25" y="connsiteY25"/>
+              </a:cxn>
+              <a:cxn ang="0">
+                <a:pos x="connsiteX26" y="connsiteY26"/>
+              </a:cxn>
+              <a:cxn ang="0">
+                <a:pos x="connsiteX27" y="connsiteY27"/>
+              </a:cxn>
+              <a:cxn ang="0">
+                <a:pos x="connsiteX28" y="connsiteY28"/>
+              </a:cxn>
+              <a:cxn ang="0">
+                <a:pos x="connsiteX29" y="connsiteY29"/>
+              </a:cxn>
+              <a:cxn ang="0">
+                <a:pos x="connsiteX30" y="connsiteY30"/>
+              </a:cxn>
+              <a:cxn ang="0">
+                <a:pos x="connsiteX31" y="connsiteY31"/>
+              </a:cxn>
+              <a:cxn ang="0">
+                <a:pos x="connsiteX32" y="connsiteY32"/>
+              </a:cxn>
+              <a:cxn ang="0">
+                <a:pos x="connsiteX33" y="connsiteY33"/>
+              </a:cxn>
+              <a:cxn ang="0">
+                <a:pos x="connsiteX34" y="connsiteY34"/>
+              </a:cxn>
+              <a:cxn ang="0">
+                <a:pos x="connsiteX35" y="connsiteY35"/>
+              </a:cxn>
+              <a:cxn ang="0">
+                <a:pos x="connsiteX36" y="connsiteY36"/>
+              </a:cxn>
+              <a:cxn ang="0">
+                <a:pos x="connsiteX37" y="connsiteY37"/>
+              </a:cxn>
+              <a:cxn ang="0">
+                <a:pos x="connsiteX38" y="connsiteY38"/>
+              </a:cxn>
+              <a:cxn ang="0">
+                <a:pos x="connsiteX39" y="connsiteY39"/>
+              </a:cxn>
+              <a:cxn ang="0">
+                <a:pos x="connsiteX40" y="connsiteY40"/>
+              </a:cxn>
+              <a:cxn ang="0">
+                <a:pos x="connsiteX41" y="connsiteY41"/>
+              </a:cxn>
+              <a:cxn ang="0">
+                <a:pos x="connsiteX42" y="connsiteY42"/>
+              </a:cxn>
+              <a:cxn ang="0">
+                <a:pos x="connsiteX43" y="connsiteY43"/>
+              </a:cxn>
+              <a:cxn ang="0">
+                <a:pos x="connsiteX44" y="connsiteY44"/>
+              </a:cxn>
+              <a:cxn ang="0">
+                <a:pos x="connsiteX45" y="connsiteY45"/>
+              </a:cxn>
+              <a:cxn ang="0">
+                <a:pos x="connsiteX46" y="connsiteY46"/>
+              </a:cxn>
+              <a:cxn ang="0">
+                <a:pos x="connsiteX47" y="connsiteY47"/>
+              </a:cxn>
+              <a:cxn ang="0">
+                <a:pos x="connsiteX48" y="connsiteY48"/>
+              </a:cxn>
+              <a:cxn ang="0">
+                <a:pos x="connsiteX49" y="connsiteY49"/>
+              </a:cxn>
+              <a:cxn ang="0">
+                <a:pos x="connsiteX50" y="connsiteY50"/>
+              </a:cxn>
+              <a:cxn ang="0">
+                <a:pos x="connsiteX51" y="connsiteY51"/>
+              </a:cxn>
+            </a:cxnLst>
+            <a:rect l="l" t="t" r="r" b="b"/>
+            <a:pathLst>
+              <a:path w="6858001" h="5529377">
+                <a:moveTo>
+                  <a:pt x="6858001" y="1177"/>
+                </a:moveTo>
+                <a:lnTo>
+                  <a:pt x="6858001" y="1344715"/>
+                </a:lnTo>
+                <a:lnTo>
+                  <a:pt x="6858000" y="1344715"/>
+                </a:lnTo>
+                <a:lnTo>
+                  <a:pt x="6858000" y="5529377"/>
+                </a:lnTo>
+                <a:lnTo>
+                  <a:pt x="0" y="5529376"/>
+                </a:lnTo>
+                <a:lnTo>
+                  <a:pt x="0" y="891096"/>
+                </a:lnTo>
+                <a:lnTo>
+                  <a:pt x="1" y="891096"/>
+                </a:lnTo>
+                <a:lnTo>
+                  <a:pt x="1" y="0"/>
+                </a:lnTo>
+                <a:lnTo>
+                  <a:pt x="40463" y="5883"/>
+                </a:lnTo>
+                <a:lnTo>
+                  <a:pt x="159107" y="23196"/>
+                </a:lnTo>
+                <a:lnTo>
+                  <a:pt x="245518" y="35299"/>
+                </a:lnTo>
+                <a:lnTo>
+                  <a:pt x="348388" y="48073"/>
+                </a:lnTo>
+                <a:lnTo>
+                  <a:pt x="470460" y="63369"/>
+                </a:lnTo>
+                <a:lnTo>
+                  <a:pt x="605563" y="79506"/>
+                </a:lnTo>
+                <a:lnTo>
+                  <a:pt x="757810" y="96483"/>
+                </a:lnTo>
+                <a:lnTo>
+                  <a:pt x="923774" y="114469"/>
+                </a:lnTo>
+                <a:lnTo>
+                  <a:pt x="1104139" y="132454"/>
+                </a:lnTo>
+                <a:lnTo>
+                  <a:pt x="1296163" y="150776"/>
+                </a:lnTo>
+                <a:lnTo>
+                  <a:pt x="1503275" y="167753"/>
+                </a:lnTo>
+                <a:lnTo>
+                  <a:pt x="1719988" y="184058"/>
+                </a:lnTo>
+                <a:lnTo>
+                  <a:pt x="1949045" y="198849"/>
+                </a:lnTo>
+                <a:lnTo>
+                  <a:pt x="2187703" y="212969"/>
+                </a:lnTo>
+                <a:lnTo>
+                  <a:pt x="2436649" y="226248"/>
+                </a:lnTo>
+                <a:lnTo>
+                  <a:pt x="2564208" y="230955"/>
+                </a:lnTo>
+                <a:lnTo>
+                  <a:pt x="2694509" y="236165"/>
+                </a:lnTo>
+                <a:lnTo>
+                  <a:pt x="2826868" y="241040"/>
+                </a:lnTo>
+                <a:lnTo>
+                  <a:pt x="2959914" y="244234"/>
+                </a:lnTo>
+                <a:lnTo>
+                  <a:pt x="3095702" y="247091"/>
+                </a:lnTo>
+                <a:lnTo>
+                  <a:pt x="3232862" y="250117"/>
+                </a:lnTo>
+                <a:lnTo>
+                  <a:pt x="3372765" y="252134"/>
+                </a:lnTo>
+                <a:lnTo>
+                  <a:pt x="3514040" y="252134"/>
+                </a:lnTo>
+                <a:lnTo>
+                  <a:pt x="3656686" y="253142"/>
+                </a:lnTo>
+                <a:lnTo>
+                  <a:pt x="3800704" y="252134"/>
+                </a:lnTo>
+                <a:lnTo>
+                  <a:pt x="3946780" y="250117"/>
+                </a:lnTo>
+                <a:lnTo>
+                  <a:pt x="4092855" y="248268"/>
+                </a:lnTo>
+                <a:lnTo>
+                  <a:pt x="4240988" y="244234"/>
+                </a:lnTo>
+                <a:lnTo>
+                  <a:pt x="4390492" y="240032"/>
+                </a:lnTo>
+                <a:lnTo>
+                  <a:pt x="4539997" y="235157"/>
+                </a:lnTo>
+                <a:lnTo>
+                  <a:pt x="4690873" y="228266"/>
+                </a:lnTo>
+                <a:lnTo>
+                  <a:pt x="4843120" y="220029"/>
+                </a:lnTo>
+                <a:lnTo>
+                  <a:pt x="4996054" y="212129"/>
+                </a:lnTo>
+                <a:lnTo>
+                  <a:pt x="5148987" y="202044"/>
+                </a:lnTo>
+                <a:lnTo>
+                  <a:pt x="5303978" y="189941"/>
+                </a:lnTo>
+                <a:lnTo>
+                  <a:pt x="5456911" y="177839"/>
+                </a:lnTo>
+                <a:lnTo>
+                  <a:pt x="5612588" y="163887"/>
+                </a:lnTo>
+                <a:lnTo>
+                  <a:pt x="5768950" y="148591"/>
+                </a:lnTo>
+                <a:lnTo>
+                  <a:pt x="5923255" y="132455"/>
+                </a:lnTo>
+                <a:lnTo>
+                  <a:pt x="6079618" y="113629"/>
+                </a:lnTo>
+                <a:lnTo>
+                  <a:pt x="6235294" y="93458"/>
+                </a:lnTo>
+                <a:lnTo>
+                  <a:pt x="6391657" y="73455"/>
+                </a:lnTo>
+                <a:lnTo>
+                  <a:pt x="6547333" y="50091"/>
+                </a:lnTo>
+                <a:lnTo>
+                  <a:pt x="6702324" y="26222"/>
+                </a:lnTo>
+                <a:close/>
+              </a:path>
+            </a:pathLst>
+          </a:custGeom>
+          <a:solidFill>
+            <a:srgbClr val="FFFFFF"/>
+          </a:solidFill>
+          <a:ln>
+            <a:noFill/>
+          </a:ln>
+        </p:spPr>
+        <p:txBody>
+          <a:bodyPr/>
+          <a:lstStyle/>
+          <a:p>
+            <a:endParaRPr lang="en-US"/>
+          </a:p>
+        </p:txBody>
+      </p:sp>
+      <p:sp>
+        <p:nvSpPr>
+          <p:cNvPr id="12" name="Freeform 7">
+            <a:extLst>
+              <a:ext uri="{FF2B5EF4-FFF2-40B4-BE49-F238E27FC236}">
+                <a16:creationId xmlns:a16="http://schemas.microsoft.com/office/drawing/2014/main" id="{7BBF43D6-A5CF-4884-BE66-F395A6C04654}"/>
+              </a:ext>
+              <a:ext uri="{C183D7F6-B498-43B3-948B-1728B52AA6E4}">
+                <adec:decorative xmlns:adec="http://schemas.microsoft.com/office/drawing/2017/decorative" val="1"/>
+              </a:ext>
+            </a:extLst>
+          </p:cNvPr>
+          <p:cNvSpPr>
+            <a:spLocks noGrp="1" noRot="1" noChangeAspect="1" noMove="1" noResize="1" noEditPoints="1" noAdjustHandles="1" noChangeArrowheads="1" noChangeShapeType="1" noTextEdit="1"/>
+          </p:cNvSpPr>
+          <p:nvPr>
+            <p:extLst>
+              <p:ext uri="{386F3935-93C4-4BCD-93E2-E3B085C9AB24}">
+                <p16:designElem xmlns:p16="http://schemas.microsoft.com/office/powerpoint/2015/main" val="1"/>
+              </p:ext>
+            </p:extLst>
+          </p:nvPr>
+        </p:nvSpPr>
+        <p:spPr>
+          <a:xfrm>
+            <a:off x="6449843" y="-1"/>
+            <a:ext cx="559472" cy="3709642"/>
+          </a:xfrm>
+          <a:custGeom>
+            <a:avLst/>
+            <a:gdLst>
+              <a:gd name="connsiteX0" fmla="*/ 0 w 559472"/>
+              <a:gd name="connsiteY0" fmla="*/ 0 h 3709642"/>
+              <a:gd name="connsiteX1" fmla="*/ 473952 w 559472"/>
+              <a:gd name="connsiteY1" fmla="*/ 0 h 3709642"/>
+              <a:gd name="connsiteX2" fmla="*/ 485840 w 559472"/>
+              <a:gd name="connsiteY2" fmla="*/ 161194 h 3709642"/>
+              <a:gd name="connsiteX3" fmla="*/ 523949 w 559472"/>
+              <a:gd name="connsiteY3" fmla="*/ 3672197 h 3709642"/>
+              <a:gd name="connsiteX4" fmla="*/ 454748 w 559472"/>
+              <a:gd name="connsiteY4" fmla="*/ 3709642 h 3709642"/>
+              <a:gd name="connsiteX5" fmla="*/ 448224 w 559472"/>
+              <a:gd name="connsiteY5" fmla="*/ 3510471 h 3709642"/>
+              <a:gd name="connsiteX6" fmla="*/ 443564 w 559472"/>
+              <a:gd name="connsiteY6" fmla="*/ 3408563 h 3709642"/>
+              <a:gd name="connsiteX7" fmla="*/ 438902 w 559472"/>
+              <a:gd name="connsiteY7" fmla="*/ 3304407 h 3709642"/>
+              <a:gd name="connsiteX8" fmla="*/ 433941 w 559472"/>
+              <a:gd name="connsiteY8" fmla="*/ 3198777 h 3709642"/>
+              <a:gd name="connsiteX9" fmla="*/ 427584 w 559472"/>
+              <a:gd name="connsiteY9" fmla="*/ 3092510 h 3709642"/>
+              <a:gd name="connsiteX10" fmla="*/ 420988 w 559472"/>
+              <a:gd name="connsiteY10" fmla="*/ 2984390 h 3709642"/>
+              <a:gd name="connsiteX11" fmla="*/ 414330 w 559472"/>
+              <a:gd name="connsiteY11" fmla="*/ 2874401 h 3709642"/>
+              <a:gd name="connsiteX12" fmla="*/ 406840 w 559472"/>
+              <a:gd name="connsiteY12" fmla="*/ 2762980 h 3709642"/>
+              <a:gd name="connsiteX13" fmla="*/ 397745 w 559472"/>
+              <a:gd name="connsiteY13" fmla="*/ 2650566 h 3709642"/>
+              <a:gd name="connsiteX14" fmla="*/ 389154 w 559472"/>
+              <a:gd name="connsiteY14" fmla="*/ 2536612 h 3709642"/>
+              <a:gd name="connsiteX15" fmla="*/ 379225 w 559472"/>
+              <a:gd name="connsiteY15" fmla="*/ 2421642 h 3709642"/>
+              <a:gd name="connsiteX16" fmla="*/ 368316 w 559472"/>
+              <a:gd name="connsiteY16" fmla="*/ 2305627 h 3709642"/>
+              <a:gd name="connsiteX17" fmla="*/ 357466 w 559472"/>
+              <a:gd name="connsiteY17" fmla="*/ 2189233 h 3709642"/>
+              <a:gd name="connsiteX18" fmla="*/ 344982 w 559472"/>
+              <a:gd name="connsiteY18" fmla="*/ 2071473 h 3709642"/>
+              <a:gd name="connsiteX19" fmla="*/ 332466 w 559472"/>
+              <a:gd name="connsiteY19" fmla="*/ 1952216 h 3709642"/>
+              <a:gd name="connsiteX20" fmla="*/ 319121 w 559472"/>
+              <a:gd name="connsiteY20" fmla="*/ 1833776 h 3709642"/>
+              <a:gd name="connsiteX21" fmla="*/ 304408 w 559472"/>
+              <a:gd name="connsiteY21" fmla="*/ 1713948 h 3709642"/>
+              <a:gd name="connsiteX22" fmla="*/ 288685 w 559472"/>
+              <a:gd name="connsiteY22" fmla="*/ 1592703 h 3709642"/>
+              <a:gd name="connsiteX23" fmla="*/ 273050 w 559472"/>
+              <a:gd name="connsiteY23" fmla="*/ 1471451 h 3709642"/>
+              <a:gd name="connsiteX24" fmla="*/ 255813 w 559472"/>
+              <a:gd name="connsiteY24" fmla="*/ 1350328 h 3709642"/>
+              <a:gd name="connsiteX25" fmla="*/ 237060 w 559472"/>
+              <a:gd name="connsiteY25" fmla="*/ 1227080 h 3709642"/>
+              <a:gd name="connsiteX26" fmla="*/ 218488 w 559472"/>
+              <a:gd name="connsiteY26" fmla="*/ 1106065 h 3709642"/>
+              <a:gd name="connsiteX27" fmla="*/ 198221 w 559472"/>
+              <a:gd name="connsiteY27" fmla="*/ 982940 h 3709642"/>
+              <a:gd name="connsiteX28" fmla="*/ 177152 w 559472"/>
+              <a:gd name="connsiteY28" fmla="*/ 858755 h 3709642"/>
+              <a:gd name="connsiteX29" fmla="*/ 155551 w 559472"/>
+              <a:gd name="connsiteY29" fmla="*/ 736861 h 3709642"/>
+              <a:gd name="connsiteX30" fmla="*/ 131782 w 559472"/>
+              <a:gd name="connsiteY30" fmla="*/ 613645 h 3709642"/>
+              <a:gd name="connsiteX31" fmla="*/ 107123 w 559472"/>
+              <a:gd name="connsiteY31" fmla="*/ 490500 h 3709642"/>
+              <a:gd name="connsiteX32" fmla="*/ 82552 w 559472"/>
+              <a:gd name="connsiteY32" fmla="*/ 367348 h 3709642"/>
+              <a:gd name="connsiteX33" fmla="*/ 55608 w 559472"/>
+              <a:gd name="connsiteY33" fmla="*/ 244762 h 3709642"/>
+              <a:gd name="connsiteX34" fmla="*/ 28130 w 559472"/>
+              <a:gd name="connsiteY34" fmla="*/ 122220 h 3709642"/>
+              <a:gd name="connsiteX35" fmla="*/ 0 w 559472"/>
+              <a:gd name="connsiteY35" fmla="*/ 0 h 3709642"/>
+            </a:gdLst>
+            <a:ahLst/>
+            <a:cxnLst>
+              <a:cxn ang="0">
+                <a:pos x="connsiteX0" y="connsiteY0"/>
+              </a:cxn>
+              <a:cxn ang="0">
+                <a:pos x="connsiteX1" y="connsiteY1"/>
+              </a:cxn>
+              <a:cxn ang="0">
+                <a:pos x="connsiteX2" y="connsiteY2"/>
+              </a:cxn>
+              <a:cxn ang="0">
+                <a:pos x="connsiteX3" y="connsiteY3"/>
+              </a:cxn>
+              <a:cxn ang="0">
+                <a:pos x="connsiteX4" y="connsiteY4"/>
+              </a:cxn>
+              <a:cxn ang="0">
+                <a:pos x="connsiteX5" y="connsiteY5"/>
+              </a:cxn>
+              <a:cxn ang="0">
+                <a:pos x="connsiteX6" y="connsiteY6"/>
+              </a:cxn>
+              <a:cxn ang="0">
+                <a:pos x="connsiteX7" y="connsiteY7"/>
+              </a:cxn>
+              <a:cxn ang="0">
+                <a:pos x="connsiteX8" y="connsiteY8"/>
+              </a:cxn>
+              <a:cxn ang="0">
+                <a:pos x="connsiteX9" y="connsiteY9"/>
+              </a:cxn>
+              <a:cxn ang="0">
+                <a:pos x="connsiteX10" y="connsiteY10"/>
+              </a:cxn>
+              <a:cxn ang="0">
+                <a:pos x="connsiteX11" y="connsiteY11"/>
+              </a:cxn>
+              <a:cxn ang="0">
+                <a:pos x="connsiteX12" y="connsiteY12"/>
+              </a:cxn>
+              <a:cxn ang="0">
+                <a:pos x="connsiteX13" y="connsiteY13"/>
+              </a:cxn>
+              <a:cxn ang="0">
+                <a:pos x="connsiteX14" y="connsiteY14"/>
+              </a:cxn>
+              <a:cxn ang="0">
+                <a:pos x="connsiteX15" y="connsiteY15"/>
+              </a:cxn>
+              <a:cxn ang="0">
+                <a:pos x="connsiteX16" y="connsiteY16"/>
+              </a:cxn>
+              <a:cxn ang="0">
+                <a:pos x="connsiteX17" y="connsiteY17"/>
+              </a:cxn>
+              <a:cxn ang="0">
+                <a:pos x="connsiteX18" y="connsiteY18"/>
+              </a:cxn>
+              <a:cxn ang="0">
+                <a:pos x="connsiteX19" y="connsiteY19"/>
+              </a:cxn>
+              <a:cxn ang="0">
+                <a:pos x="connsiteX20" y="connsiteY20"/>
+              </a:cxn>
+              <a:cxn ang="0">
+                <a:pos x="connsiteX21" y="connsiteY21"/>
+              </a:cxn>
+              <a:cxn ang="0">
+                <a:pos x="connsiteX22" y="connsiteY22"/>
+              </a:cxn>
+              <a:cxn ang="0">
+                <a:pos x="connsiteX23" y="connsiteY23"/>
+              </a:cxn>
+              <a:cxn ang="0">
+                <a:pos x="connsiteX24" y="connsiteY24"/>
+              </a:cxn>
+              <a:cxn ang="0">
+                <a:pos x="connsiteX25" y="connsiteY25"/>
+              </a:cxn>
+              <a:cxn ang="0">
+                <a:pos x="connsiteX26" y="connsiteY26"/>
+              </a:cxn>
+              <a:cxn ang="0">
+                <a:pos x="connsiteX27" y="connsiteY27"/>
+              </a:cxn>
+              <a:cxn ang="0">
+                <a:pos x="connsiteX28" y="connsiteY28"/>
+              </a:cxn>
+              <a:cxn ang="0">
+                <a:pos x="connsiteX29" y="connsiteY29"/>
+              </a:cxn>
+              <a:cxn ang="0">
+                <a:pos x="connsiteX30" y="connsiteY30"/>
+              </a:cxn>
+              <a:cxn ang="0">
+                <a:pos x="connsiteX31" y="connsiteY31"/>
+              </a:cxn>
+              <a:cxn ang="0">
+                <a:pos x="connsiteX32" y="connsiteY32"/>
+              </a:cxn>
+              <a:cxn ang="0">
+                <a:pos x="connsiteX33" y="connsiteY33"/>
+              </a:cxn>
+              <a:cxn ang="0">
+                <a:pos x="connsiteX34" y="connsiteY34"/>
+              </a:cxn>
+              <a:cxn ang="0">
+                <a:pos x="connsiteX35" y="connsiteY35"/>
+              </a:cxn>
+            </a:cxnLst>
+            <a:rect l="l" t="t" r="r" b="b"/>
+            <a:pathLst>
+              <a:path w="559472" h="3709642">
+                <a:moveTo>
+                  <a:pt x="0" y="0"/>
+                </a:moveTo>
+                <a:lnTo>
+                  <a:pt x="473952" y="0"/>
+                </a:lnTo>
+                <a:lnTo>
+                  <a:pt x="485840" y="161194"/>
+                </a:lnTo>
+                <a:cubicBezTo>
+                  <a:pt x="552063" y="1147770"/>
+                  <a:pt x="592441" y="3086737"/>
+                  <a:pt x="523949" y="3672197"/>
+                </a:cubicBezTo>
+                <a:cubicBezTo>
+                  <a:pt x="500842" y="3684557"/>
+                  <a:pt x="477855" y="3697282"/>
+                  <a:pt x="454748" y="3709642"/>
+                </a:cubicBezTo>
+                <a:lnTo>
+                  <a:pt x="448224" y="3510471"/>
+                </a:lnTo>
+                <a:lnTo>
+                  <a:pt x="443564" y="3408563"/>
+                </a:lnTo>
+                <a:lnTo>
+                  <a:pt x="438902" y="3304407"/>
+                </a:lnTo>
+                <a:lnTo>
+                  <a:pt x="433941" y="3198777"/>
+                </a:lnTo>
+                <a:lnTo>
+                  <a:pt x="427584" y="3092510"/>
+                </a:lnTo>
+                <a:lnTo>
+                  <a:pt x="420988" y="2984390"/>
+                </a:lnTo>
+                <a:lnTo>
+                  <a:pt x="414330" y="2874401"/>
+                </a:lnTo>
+                <a:lnTo>
+                  <a:pt x="406840" y="2762980"/>
+                </a:lnTo>
+                <a:lnTo>
+                  <a:pt x="397745" y="2650566"/>
+                </a:lnTo>
+                <a:lnTo>
+                  <a:pt x="389154" y="2536612"/>
+                </a:lnTo>
+                <a:lnTo>
+                  <a:pt x="379225" y="2421642"/>
+                </a:lnTo>
+                <a:lnTo>
+                  <a:pt x="368316" y="2305627"/>
+                </a:lnTo>
+                <a:lnTo>
+                  <a:pt x="357466" y="2189233"/>
+                </a:lnTo>
+                <a:lnTo>
+                  <a:pt x="344982" y="2071473"/>
+                </a:lnTo>
+                <a:lnTo>
+                  <a:pt x="332466" y="1952216"/>
+                </a:lnTo>
+                <a:lnTo>
+                  <a:pt x="319121" y="1833776"/>
+                </a:lnTo>
+                <a:lnTo>
+                  <a:pt x="304408" y="1713948"/>
+                </a:lnTo>
+                <a:lnTo>
+                  <a:pt x="288685" y="1592703"/>
+                </a:lnTo>
+                <a:lnTo>
+                  <a:pt x="273050" y="1471451"/>
+                </a:lnTo>
+                <a:lnTo>
+                  <a:pt x="255813" y="1350328"/>
+                </a:lnTo>
+                <a:lnTo>
+                  <a:pt x="237060" y="1227080"/>
+                </a:lnTo>
+                <a:lnTo>
+                  <a:pt x="218488" y="1106065"/>
+                </a:lnTo>
+                <a:lnTo>
+                  <a:pt x="198221" y="982940"/>
+                </a:lnTo>
+                <a:lnTo>
+                  <a:pt x="177152" y="858755"/>
+                </a:lnTo>
+                <a:lnTo>
+                  <a:pt x="155551" y="736861"/>
+                </a:lnTo>
+                <a:lnTo>
+                  <a:pt x="131782" y="613645"/>
+                </a:lnTo>
+                <a:lnTo>
+                  <a:pt x="107123" y="490500"/>
+                </a:lnTo>
+                <a:lnTo>
+                  <a:pt x="82552" y="367348"/>
+                </a:lnTo>
+                <a:lnTo>
+                  <a:pt x="55608" y="244762"/>
+                </a:lnTo>
+                <a:lnTo>
+                  <a:pt x="28130" y="122220"/>
+                </a:lnTo>
+                <a:lnTo>
+                  <a:pt x="0" y="0"/>
+                </a:lnTo>
+                <a:close/>
+              </a:path>
+            </a:pathLst>
+          </a:custGeom>
+          <a:solidFill>
+            <a:schemeClr val="tx1">
+              <a:alpha val="20000"/>
+            </a:schemeClr>
+          </a:solidFill>
+          <a:ln>
+            <a:noFill/>
+          </a:ln>
+        </p:spPr>
+        <p:txBody>
+          <a:bodyPr rtlCol="0" anchor="ctr"/>
+          <a:lstStyle/>
+          <a:p>
+            <a:pPr algn="ctr"/>
+            <a:endParaRPr lang="en-US"/>
+          </a:p>
+        </p:txBody>
+      </p:sp>
+      <p:pic>
+        <p:nvPicPr>
+          <p:cNvPr id="4" name="Picture 3" descr="A black text with a plus and a plus&#10;&#10;Description automatically generated">
+            <a:extLst>
+              <a:ext uri="{FF2B5EF4-FFF2-40B4-BE49-F238E27FC236}">
+                <a16:creationId xmlns:a16="http://schemas.microsoft.com/office/drawing/2014/main" id="{FA1899A1-3DFE-3832-66E9-22093F51F474}"/>
+              </a:ext>
+            </a:extLst>
+          </p:cNvPr>
+          <p:cNvPicPr>
+            <a:picLocks noChangeAspect="1"/>
+          </p:cNvPicPr>
+          <p:nvPr/>
+        </p:nvPicPr>
+        <p:blipFill>
+          <a:blip r:embed="rId4">
+            <a:extLst>
+              <a:ext uri="{28A0092B-C50C-407E-A947-70E740481C1C}">
+                <a14:useLocalDpi xmlns:a14="http://schemas.microsoft.com/office/drawing/2010/main" val="0"/>
+              </a:ext>
+            </a:extLst>
+          </a:blip>
+          <a:stretch>
+            <a:fillRect/>
+          </a:stretch>
+        </p:blipFill>
+        <p:spPr>
+          <a:xfrm>
+            <a:off x="7563742" y="1201107"/>
+            <a:ext cx="3980139" cy="1055739"/>
+          </a:xfrm>
+          <a:prstGeom prst="rect">
+            <a:avLst/>
+          </a:prstGeom>
+          <a:effectLst/>
+        </p:spPr>
+      </p:pic>
+      <p:sp>
+        <p:nvSpPr>
+          <p:cNvPr id="14" name="Rectangle 13">
+            <a:extLst>
+              <a:ext uri="{FF2B5EF4-FFF2-40B4-BE49-F238E27FC236}">
+                <a16:creationId xmlns:a16="http://schemas.microsoft.com/office/drawing/2014/main" id="{1D4731B7-53A1-43E4-B5FD-B33358A7FD3A}"/>
+              </a:ext>
+              <a:ext uri="{C183D7F6-B498-43B3-948B-1728B52AA6E4}">
+                <adec:decorative xmlns:adec="http://schemas.microsoft.com/office/drawing/2017/decorative" val="1"/>
+              </a:ext>
+            </a:extLst>
+          </p:cNvPr>
+          <p:cNvSpPr>
+            <a:spLocks noGrp="1" noRot="1" noChangeAspect="1" noMove="1" noResize="1" noEditPoints="1" noAdjustHandles="1" noChangeArrowheads="1" noChangeShapeType="1" noTextEdit="1"/>
+          </p:cNvSpPr>
+          <p:nvPr>
+            <p:extLst>
+              <p:ext uri="{386F3935-93C4-4BCD-93E2-E3B085C9AB24}">
+                <p16:designElem xmlns:p16="http://schemas.microsoft.com/office/powerpoint/2015/main" val="1"/>
+              </p:ext>
+            </p:extLst>
+          </p:nvPr>
+        </p:nvSpPr>
+        <p:spPr>
+          <a:xfrm>
+            <a:off x="10442448" y="0"/>
+            <a:ext cx="685800" cy="1143000"/>
+          </a:xfrm>
+          <a:prstGeom prst="rect">
+            <a:avLst/>
+          </a:prstGeom>
+          <a:solidFill>
+            <a:schemeClr val="accent1"/>
+          </a:solidFill>
+          <a:ln>
+            <a:noFill/>
+          </a:ln>
+        </p:spPr>
+        <p:style>
+          <a:lnRef idx="1">
+            <a:schemeClr val="accent1"/>
+          </a:lnRef>
+          <a:fillRef idx="3">
+            <a:schemeClr val="accent1"/>
+          </a:fillRef>
+          <a:effectRef idx="2">
+            <a:schemeClr val="accent1"/>
+          </a:effectRef>
+          <a:fontRef idx="minor">
+            <a:schemeClr val="lt1"/>
+          </a:fontRef>
+        </p:style>
+        <p:txBody>
+          <a:bodyPr/>
+          <a:lstStyle/>
+          <a:p>
+            <a:endParaRPr lang="en-US"/>
+          </a:p>
+        </p:txBody>
+      </p:sp>
+      <p:sp>
+        <p:nvSpPr>
+          <p:cNvPr id="3" name="Content Placeholder 2">
+            <a:extLst>
+              <a:ext uri="{FF2B5EF4-FFF2-40B4-BE49-F238E27FC236}">
+                <a16:creationId xmlns:a16="http://schemas.microsoft.com/office/drawing/2014/main" id="{C877FC4F-854E-9819-8768-E8F5068FF90E}"/>
+              </a:ext>
+            </a:extLst>
+          </p:cNvPr>
+          <p:cNvSpPr>
+            <a:spLocks noGrp="1"/>
+          </p:cNvSpPr>
+          <p:nvPr>
+            <p:ph idx="1"/>
+          </p:nvPr>
+        </p:nvSpPr>
+        <p:spPr>
+          <a:xfrm>
+            <a:off x="646112" y="2052918"/>
+            <a:ext cx="5628635" cy="4195481"/>
+          </a:xfrm>
+        </p:spPr>
+        <p:txBody>
+          <a:bodyPr>
+            <a:normAutofit/>
+          </a:bodyPr>
+          <a:lstStyle/>
+          <a:p>
+            <a:r>
+              <a:rPr lang="en-US" dirty="0"/>
+              <a:t>Normal: &lt;100 ml/dl</a:t>
+            </a:r>
+          </a:p>
+          <a:p>
+            <a:r>
+              <a:rPr lang="en-US" dirty="0"/>
+              <a:t>Prediabetes: 100 to 125 mg/dl</a:t>
+            </a:r>
+          </a:p>
+          <a:p>
+            <a:r>
+              <a:rPr lang="en-US" dirty="0"/>
+              <a:t>Diabetes: &gt; 125 mg/dl</a:t>
+            </a:r>
+          </a:p>
+          <a:p>
+            <a:endParaRPr lang="en-US" dirty="0"/>
+          </a:p>
+          <a:p>
+            <a:pPr lvl="1"/>
+            <a:endParaRPr lang="en-US" dirty="0"/>
+          </a:p>
+        </p:txBody>
+      </p:sp>
+      <p:pic>
+        <p:nvPicPr>
+          <p:cNvPr id="5" name="Picture" title="wikilink">
+            <a:extLst>
+              <a:ext uri="{FF2B5EF4-FFF2-40B4-BE49-F238E27FC236}">
+                <a16:creationId xmlns:a16="http://schemas.microsoft.com/office/drawing/2014/main" id="{64A1C2F4-035A-9401-C5E2-BB31DBAF6AC7}"/>
+              </a:ext>
+            </a:extLst>
+          </p:cNvPr>
+          <p:cNvPicPr/>
+          <p:nvPr/>
+        </p:nvPicPr>
+        <p:blipFill>
+          <a:blip r:embed="rId5">
+            <a:extLst>
+              <a:ext uri="{28A0092B-C50C-407E-A947-70E740481C1C}">
+                <a14:useLocalDpi xmlns:a14="http://schemas.microsoft.com/office/drawing/2010/main" val="0"/>
+              </a:ext>
+            </a:extLst>
+          </a:blip>
+          <a:stretch>
+            <a:fillRect/>
+          </a:stretch>
+        </p:blipFill>
+        <p:spPr bwMode="auto">
+          <a:xfrm>
+            <a:off x="7012927" y="2314323"/>
+            <a:ext cx="5081770" cy="4205166"/>
+          </a:xfrm>
+          <a:prstGeom prst="rect">
+            <a:avLst/>
+          </a:prstGeom>
+          <a:noFill/>
+          <a:effectLst/>
+        </p:spPr>
+      </p:pic>
+    </p:spTree>
+    <p:extLst>
+      <p:ext uri="{BB962C8B-B14F-4D97-AF65-F5344CB8AC3E}">
+        <p14:creationId xmlns:p14="http://schemas.microsoft.com/office/powerpoint/2010/main" val="50597481"/>
+      </p:ext>
+    </p:extLst>
+  </p:cSld>
+  <p:clrMapOvr>
+    <a:masterClrMapping/>
+  </p:clrMapOvr>
+</p:sld>
+</file>
+
+<file path=ppt/slides/slide16.xml><?xml version="1.0" encoding="utf-8"?>
+<p:sld xmlns:a="http://schemas.openxmlformats.org/drawingml/2006/main" xmlns:r="http://schemas.openxmlformats.org/officeDocument/2006/relationships" xmlns:p="http://schemas.openxmlformats.org/presentationml/2006/main">
+  <p:cSld>
+    <p:bg>
+      <p:bgPr>
+        <a:blipFill rotWithShape="1">
+          <a:blip r:embed="rId3">
+            <a:duotone>
+              <a:schemeClr val="bg2">
+                <a:shade val="69000"/>
+                <a:hueMod val="108000"/>
+                <a:satMod val="164000"/>
+                <a:lumMod val="74000"/>
+              </a:schemeClr>
+              <a:schemeClr val="bg2">
+                <a:tint val="96000"/>
+                <a:hueMod val="88000"/>
+                <a:satMod val="140000"/>
+                <a:lumMod val="132000"/>
+              </a:schemeClr>
+            </a:duotone>
+          </a:blip>
+          <a:stretch/>
+        </a:blipFill>
+        <a:effectLst/>
+      </p:bgPr>
+    </p:bg>
+    <p:spTree>
+      <p:nvGrpSpPr>
+        <p:cNvPr id="1" name=""/>
+        <p:cNvGrpSpPr/>
+        <p:nvPr/>
+      </p:nvGrpSpPr>
+      <p:grpSpPr>
+        <a:xfrm>
+          <a:off x="0" y="0"/>
+          <a:ext cx="0" cy="0"/>
+          <a:chOff x="0" y="0"/>
+          <a:chExt cx="0" cy="0"/>
+        </a:xfrm>
+      </p:grpSpPr>
+      <p:sp>
+        <p:nvSpPr>
+          <p:cNvPr id="19" name="Rectangle 18">
+            <a:extLst>
+              <a:ext uri="{FF2B5EF4-FFF2-40B4-BE49-F238E27FC236}">
+                <a16:creationId xmlns:a16="http://schemas.microsoft.com/office/drawing/2014/main" id="{923E8915-D2AA-4327-A45A-972C3CA9574B}"/>
+              </a:ext>
+              <a:ext uri="{C183D7F6-B498-43B3-948B-1728B52AA6E4}">
+                <adec:decorative xmlns:adec="http://schemas.microsoft.com/office/drawing/2017/decorative" val="1"/>
+              </a:ext>
+            </a:extLst>
+          </p:cNvPr>
+          <p:cNvSpPr>
+            <a:spLocks noGrp="1" noRot="1" noChangeAspect="1" noMove="1" noResize="1" noEditPoints="1" noAdjustHandles="1" noChangeArrowheads="1" noChangeShapeType="1" noTextEdit="1"/>
+          </p:cNvSpPr>
+          <p:nvPr>
+            <p:extLst>
+              <p:ext uri="{386F3935-93C4-4BCD-93E2-E3B085C9AB24}">
+                <p16:designElem xmlns:p16="http://schemas.microsoft.com/office/powerpoint/2015/main" val="1"/>
+              </p:ext>
+            </p:extLst>
+          </p:nvPr>
+        </p:nvSpPr>
+        <p:spPr>
+          <a:xfrm>
+            <a:off x="0" y="0"/>
+            <a:ext cx="12192000" cy="6858000"/>
+          </a:xfrm>
+          <a:prstGeom prst="rect">
+            <a:avLst/>
+          </a:prstGeom>
+          <a:solidFill>
+            <a:schemeClr val="tx1"/>
+          </a:solidFill>
+          <a:ln>
+            <a:noFill/>
+          </a:ln>
+        </p:spPr>
+        <p:style>
+          <a:lnRef idx="2">
+            <a:schemeClr val="accent1">
+              <a:shade val="50000"/>
+            </a:schemeClr>
+          </a:lnRef>
+          <a:fillRef idx="1">
+            <a:schemeClr val="accent1"/>
+          </a:fillRef>
+          <a:effectRef idx="0">
+            <a:schemeClr val="accent1"/>
+          </a:effectRef>
+          <a:fontRef idx="minor">
+            <a:schemeClr val="lt1"/>
+          </a:fontRef>
+        </p:style>
+        <p:txBody>
+          <a:bodyPr rtlCol="0" anchor="ctr"/>
+          <a:lstStyle/>
+          <a:p>
+            <a:pPr algn="ctr"/>
+            <a:endParaRPr lang="en-US"/>
+          </a:p>
+        </p:txBody>
+      </p:sp>
+      <p:sp useBgFill="1">
+        <p:nvSpPr>
+          <p:cNvPr id="21" name="Rectangle 20">
+            <a:extLst>
+              <a:ext uri="{FF2B5EF4-FFF2-40B4-BE49-F238E27FC236}">
+                <a16:creationId xmlns:a16="http://schemas.microsoft.com/office/drawing/2014/main" id="{8302FC3C-9804-4950-B721-5FD704BA6065}"/>
+              </a:ext>
+              <a:ext uri="{C183D7F6-B498-43B3-948B-1728B52AA6E4}">
+                <adec:decorative xmlns:adec="http://schemas.microsoft.com/office/drawing/2017/decorative" val="1"/>
+              </a:ext>
+            </a:extLst>
+          </p:cNvPr>
+          <p:cNvSpPr>
+            <a:spLocks noGrp="1" noRot="1" noChangeAspect="1" noMove="1" noResize="1" noEditPoints="1" noAdjustHandles="1" noChangeArrowheads="1" noChangeShapeType="1" noTextEdit="1"/>
+          </p:cNvSpPr>
+          <p:nvPr>
+            <p:extLst>
+              <p:ext uri="{386F3935-93C4-4BCD-93E2-E3B085C9AB24}">
+                <p16:designElem xmlns:p16="http://schemas.microsoft.com/office/powerpoint/2015/main" val="1"/>
+              </p:ext>
+            </p:extLst>
+          </p:nvPr>
+        </p:nvSpPr>
+        <p:spPr bwMode="ltGray">
+          <a:xfrm>
+            <a:off x="0" y="0"/>
+            <a:ext cx="12188952" cy="6858000"/>
+          </a:xfrm>
+          <a:prstGeom prst="rect">
+            <a:avLst/>
+          </a:prstGeom>
+          <a:ln w="127000" cap="sq" cmpd="thinThick">
+            <a:noFill/>
+          </a:ln>
+        </p:spPr>
+        <p:style>
+          <a:lnRef idx="2">
+            <a:schemeClr val="accent1">
+              <a:shade val="50000"/>
+            </a:schemeClr>
+          </a:lnRef>
+          <a:fillRef idx="1">
+            <a:schemeClr val="accent1"/>
+          </a:fillRef>
+          <a:effectRef idx="0">
+            <a:schemeClr val="accent1"/>
+          </a:effectRef>
+          <a:fontRef idx="minor">
+            <a:schemeClr val="lt1"/>
+          </a:fontRef>
+        </p:style>
+        <p:txBody>
+          <a:bodyPr rtlCol="0" anchor="ctr"/>
+          <a:lstStyle/>
+          <a:p>
+            <a:pPr algn="ctr"/>
+            <a:endParaRPr lang="en-US"/>
+          </a:p>
+        </p:txBody>
+      </p:sp>
+      <p:cxnSp>
+        <p:nvCxnSpPr>
+          <p:cNvPr id="23" name="Straight Connector 22">
+            <a:extLst>
+              <a:ext uri="{FF2B5EF4-FFF2-40B4-BE49-F238E27FC236}">
+                <a16:creationId xmlns:a16="http://schemas.microsoft.com/office/drawing/2014/main" id="{6B9695BD-ECF6-49CA-8877-8C493193C65D}"/>
+              </a:ext>
+              <a:ext uri="{C183D7F6-B498-43B3-948B-1728B52AA6E4}">
+                <adec:decorative xmlns:adec="http://schemas.microsoft.com/office/drawing/2017/decorative" val="1"/>
+              </a:ext>
+            </a:extLst>
+          </p:cNvPr>
+          <p:cNvCxnSpPr>
+            <a:cxnSpLocks noGrp="1" noRot="1" noChangeAspect="1" noMove="1" noResize="1" noEditPoints="1" noAdjustHandles="1" noChangeArrowheads="1" noChangeShapeType="1"/>
+          </p:cNvCxnSpPr>
+          <p:nvPr>
+            <p:extLst>
+              <p:ext uri="{386F3935-93C4-4BCD-93E2-E3B085C9AB24}">
+                <p16:designElem xmlns:p16="http://schemas.microsoft.com/office/powerpoint/2015/main" val="1"/>
+              </p:ext>
+            </p:extLst>
+          </p:nvPr>
+        </p:nvCxnSpPr>
+        <p:spPr>
+          <a:xfrm>
+            <a:off x="4654295" y="1828800"/>
+            <a:ext cx="0" cy="3200400"/>
+          </a:xfrm>
+          <a:prstGeom prst="line">
+            <a:avLst/>
+          </a:prstGeom>
+          <a:ln w="19050">
+            <a:solidFill>
+              <a:schemeClr val="bg2">
+                <a:lumMod val="60000"/>
+                <a:lumOff val="40000"/>
+              </a:schemeClr>
+            </a:solidFill>
+          </a:ln>
+        </p:spPr>
+        <p:style>
+          <a:lnRef idx="1">
+            <a:schemeClr val="accent1"/>
+          </a:lnRef>
+          <a:fillRef idx="0">
+            <a:schemeClr val="accent1"/>
+          </a:fillRef>
+          <a:effectRef idx="0">
+            <a:schemeClr val="accent1"/>
+          </a:effectRef>
+          <a:fontRef idx="minor">
+            <a:schemeClr val="tx1"/>
+          </a:fontRef>
+        </p:style>
+      </p:cxnSp>
+      <p:pic>
+        <p:nvPicPr>
+          <p:cNvPr id="25" name="Picture 24">
+            <a:extLst>
+              <a:ext uri="{FF2B5EF4-FFF2-40B4-BE49-F238E27FC236}">
+                <a16:creationId xmlns:a16="http://schemas.microsoft.com/office/drawing/2014/main" id="{3BC6EBB2-9BDC-4075-BA6B-43A9FBF9C86C}"/>
+              </a:ext>
+              <a:ext uri="{C183D7F6-B498-43B3-948B-1728B52AA6E4}">
+                <adec:decorative xmlns:adec="http://schemas.microsoft.com/office/drawing/2017/decorative" val="1"/>
+              </a:ext>
+            </a:extLst>
+          </p:cNvPr>
+          <p:cNvPicPr>
+            <a:picLocks noGrp="1" noRot="1" noChangeAspect="1" noMove="1" noResize="1" noEditPoints="1" noAdjustHandles="1" noChangeArrowheads="1" noChangeShapeType="1" noCrop="1"/>
+          </p:cNvPicPr>
+          <p:nvPr>
+            <p:extLst>
+              <p:ext uri="{386F3935-93C4-4BCD-93E2-E3B085C9AB24}">
+                <p16:designElem xmlns:p16="http://schemas.microsoft.com/office/powerpoint/2015/main" val="1"/>
+              </p:ext>
+            </p:extLst>
+          </p:nvPr>
+        </p:nvPicPr>
+        <p:blipFill rotWithShape="1">
+          <a:blip r:embed="rId4">
+            <a:extLst>
+              <a:ext uri="{28A0092B-C50C-407E-A947-70E740481C1C}">
+                <a14:useLocalDpi xmlns:a14="http://schemas.microsoft.com/office/drawing/2010/main" val="0"/>
+              </a:ext>
+            </a:extLst>
+          </a:blip>
+          <a:srcRect b="23320"/>
+          <a:stretch/>
+        </p:blipFill>
+        <p:spPr>
+          <a:xfrm>
+            <a:off x="8605878" y="6228080"/>
+            <a:ext cx="993734" cy="762000"/>
+          </a:xfrm>
+          <a:prstGeom prst="rect">
+            <a:avLst/>
+          </a:prstGeom>
+        </p:spPr>
+      </p:pic>
+      <p:sp>
+        <p:nvSpPr>
+          <p:cNvPr id="27" name="Freeform 5">
+            <a:extLst>
+              <a:ext uri="{FF2B5EF4-FFF2-40B4-BE49-F238E27FC236}">
+                <a16:creationId xmlns:a16="http://schemas.microsoft.com/office/drawing/2014/main" id="{F3798573-F27B-47EB-8EA4-7EE34954C2D6}"/>
+              </a:ext>
+              <a:ext uri="{C183D7F6-B498-43B3-948B-1728B52AA6E4}">
+                <adec:decorative xmlns:adec="http://schemas.microsoft.com/office/drawing/2017/decorative" val="1"/>
+              </a:ext>
+            </a:extLst>
+          </p:cNvPr>
+          <p:cNvSpPr>
+            <a:spLocks noGrp="1" noRot="1" noChangeAspect="1" noMove="1" noResize="1" noEditPoints="1" noAdjustHandles="1" noChangeArrowheads="1" noChangeShapeType="1" noTextEdit="1"/>
+          </p:cNvSpPr>
+          <p:nvPr>
+            <p:extLst>
+              <p:ext uri="{386F3935-93C4-4BCD-93E2-E3B085C9AB24}">
+                <p16:designElem xmlns:p16="http://schemas.microsoft.com/office/powerpoint/2015/main" val="1"/>
+              </p:ext>
+            </p:extLst>
+          </p:nvPr>
+        </p:nvSpPr>
+        <p:spPr bwMode="gray">
+          <a:xfrm>
+            <a:off x="-1588" y="0"/>
+            <a:ext cx="12192000" cy="6856413"/>
+          </a:xfrm>
+          <a:custGeom>
+            <a:avLst/>
+            <a:gdLst/>
+            <a:ahLst/>
+            <a:cxnLst/>
+            <a:rect l="0" t="0" r="r" b="b"/>
+            <a:pathLst>
+              <a:path w="15356" h="8638">
+                <a:moveTo>
+                  <a:pt x="0" y="0"/>
+                </a:moveTo>
+                <a:lnTo>
+                  <a:pt x="0" y="8638"/>
+                </a:lnTo>
+                <a:lnTo>
+                  <a:pt x="15356" y="8638"/>
+                </a:lnTo>
+                <a:lnTo>
+                  <a:pt x="15356" y="0"/>
+                </a:lnTo>
+                <a:lnTo>
+                  <a:pt x="0" y="0"/>
+                </a:lnTo>
+                <a:close/>
+                <a:moveTo>
+                  <a:pt x="14748" y="8038"/>
+                </a:moveTo>
+                <a:lnTo>
+                  <a:pt x="600" y="8038"/>
+                </a:lnTo>
+                <a:lnTo>
+                  <a:pt x="600" y="592"/>
+                </a:lnTo>
+                <a:lnTo>
+                  <a:pt x="14748" y="592"/>
+                </a:lnTo>
+                <a:lnTo>
+                  <a:pt x="14748" y="8038"/>
+                </a:lnTo>
+                <a:close/>
+              </a:path>
+            </a:pathLst>
+          </a:custGeom>
+          <a:solidFill>
+            <a:schemeClr val="tx1"/>
+          </a:solidFill>
+          <a:ln>
+            <a:noFill/>
+          </a:ln>
+        </p:spPr>
+        <p:txBody>
+          <a:bodyPr/>
+          <a:lstStyle/>
+          <a:p>
+            <a:endParaRPr lang="en-US"/>
+          </a:p>
+        </p:txBody>
+      </p:sp>
+      <p:sp>
+        <p:nvSpPr>
+          <p:cNvPr id="2" name="Title 1">
+            <a:extLst>
+              <a:ext uri="{FF2B5EF4-FFF2-40B4-BE49-F238E27FC236}">
+                <a16:creationId xmlns:a16="http://schemas.microsoft.com/office/drawing/2014/main" id="{B2289A05-CBA5-E63F-DD22-C5760AA341D3}"/>
+              </a:ext>
+            </a:extLst>
+          </p:cNvPr>
+          <p:cNvSpPr>
+            <a:spLocks noGrp="1"/>
+          </p:cNvSpPr>
+          <p:nvPr>
+            <p:ph type="title"/>
+          </p:nvPr>
+        </p:nvSpPr>
+        <p:spPr>
+          <a:xfrm>
+            <a:off x="806195" y="804672"/>
+            <a:ext cx="3521359" cy="5248656"/>
+          </a:xfrm>
+        </p:spPr>
+        <p:txBody>
+          <a:bodyPr anchor="ctr">
+            <a:normAutofit/>
+          </a:bodyPr>
+          <a:lstStyle/>
+          <a:p>
+            <a:pPr algn="ctr"/>
+            <a:r>
+              <a:rPr lang="en-US" dirty="0"/>
+              <a:t>Diabetes Stages</a:t>
+            </a:r>
+            <a:endParaRPr lang="en-US"/>
+          </a:p>
+        </p:txBody>
+      </p:sp>
+      <p:sp>
+        <p:nvSpPr>
+          <p:cNvPr id="3" name="Content Placeholder 2">
+            <a:extLst>
+              <a:ext uri="{FF2B5EF4-FFF2-40B4-BE49-F238E27FC236}">
+                <a16:creationId xmlns:a16="http://schemas.microsoft.com/office/drawing/2014/main" id="{C877FC4F-854E-9819-8768-E8F5068FF90E}"/>
+              </a:ext>
+            </a:extLst>
+          </p:cNvPr>
+          <p:cNvSpPr>
+            <a:spLocks noGrp="1"/>
+          </p:cNvSpPr>
+          <p:nvPr>
+            <p:ph idx="1"/>
+          </p:nvPr>
+        </p:nvSpPr>
+        <p:spPr>
+          <a:xfrm>
+            <a:off x="4975861" y="804671"/>
+            <a:ext cx="6399930" cy="5248657"/>
+          </a:xfrm>
+        </p:spPr>
+        <p:txBody>
+          <a:bodyPr anchor="ctr">
+            <a:normAutofit/>
+          </a:bodyPr>
+          <a:lstStyle/>
+          <a:p>
+            <a:r>
+              <a:rPr lang="en-US" dirty="0"/>
+              <a:t>Normal: &lt;100 ml/dl</a:t>
+            </a:r>
+          </a:p>
+          <a:p>
+            <a:r>
+              <a:rPr lang="en-US" dirty="0"/>
+              <a:t>Prediabetes: 100 to 125 mg/dl</a:t>
+            </a:r>
+          </a:p>
+          <a:p>
+            <a:r>
+              <a:rPr lang="en-US" dirty="0"/>
+              <a:t>Diabetes: &gt; 125 mg/dl</a:t>
+            </a:r>
+          </a:p>
+          <a:p>
+            <a:endParaRPr lang="en-US" dirty="0"/>
+          </a:p>
+          <a:p>
+            <a:pPr lvl="1"/>
+            <a:endParaRPr lang="en-US" dirty="0"/>
+          </a:p>
+        </p:txBody>
+      </p:sp>
+    </p:spTree>
+    <p:extLst>
+      <p:ext uri="{BB962C8B-B14F-4D97-AF65-F5344CB8AC3E}">
+        <p14:creationId xmlns:p14="http://schemas.microsoft.com/office/powerpoint/2010/main" val="4139297646"/>
+      </p:ext>
+    </p:extLst>
+  </p:cSld>
+  <p:clrMapOvr>
+    <a:masterClrMapping/>
+  </p:clrMapOvr>
+</p:sld>
+</file>
+
+<file path=ppt/slides/slide17.xml><?xml version="1.0" encoding="utf-8"?>
 <p:sld xmlns:a="http://schemas.openxmlformats.org/drawingml/2006/main" xmlns:r="http://schemas.openxmlformats.org/officeDocument/2006/relationships" xmlns:p="http://schemas.openxmlformats.org/presentationml/2006/main">
   <p:cSld>
     <p:spTree>
@@ -8785,7 +15238,7 @@
           <p:cNvPr id="2" name="Title 1">
             <a:extLst>
               <a:ext uri="{FF2B5EF4-FFF2-40B4-BE49-F238E27FC236}">
-                <a16:creationId xmlns:a16="http://schemas.microsoft.com/office/drawing/2014/main" id="{3A2D3CE7-C0E4-D73F-AD60-BEC238D13EB0}"/>
+                <a16:creationId xmlns:a16="http://schemas.microsoft.com/office/drawing/2014/main" id="{3590E1E8-C219-0C31-A21E-C7A4EDB0C3E4}"/>
               </a:ext>
             </a:extLst>
           </p:cNvPr>
@@ -8803,47 +15256,199 @@
           <a:p>
             <a:r>
               <a:rPr lang="en-US" dirty="0"/>
-              <a:t>Model Selection</a:t>
+              <a:t>Correlation Matrices</a:t>
             </a:r>
           </a:p>
         </p:txBody>
       </p:sp>
-      <p:sp>
-        <p:nvSpPr>
-          <p:cNvPr id="3" name="Content Placeholder 2">
+      <p:pic>
+        <p:nvPicPr>
+          <p:cNvPr id="4" name="Picture" title="wikilink">
             <a:extLst>
               <a:ext uri="{FF2B5EF4-FFF2-40B4-BE49-F238E27FC236}">
-                <a16:creationId xmlns:a16="http://schemas.microsoft.com/office/drawing/2014/main" id="{89028D7E-DFFB-1D2E-CFED-31D6FB831BB2}"/>
+                <a16:creationId xmlns:a16="http://schemas.microsoft.com/office/drawing/2014/main" id="{FBD8F798-5C67-63E3-C9F1-E6DCE3CA2F8F}"/>
               </a:ext>
             </a:extLst>
           </p:cNvPr>
-          <p:cNvSpPr>
-            <a:spLocks noGrp="1"/>
-          </p:cNvSpPr>
-          <p:nvPr>
-            <p:ph idx="1"/>
-          </p:nvPr>
-        </p:nvSpPr>
-        <p:spPr/>
+          <p:cNvPicPr/>
+          <p:nvPr/>
+        </p:nvPicPr>
+        <p:blipFill>
+          <a:blip r:embed="rId2"/>
+          <a:stretch>
+            <a:fillRect/>
+          </a:stretch>
+        </p:blipFill>
+        <p:spPr bwMode="auto">
+          <a:xfrm>
+            <a:off x="316972" y="2308697"/>
+            <a:ext cx="6027555" cy="4096585"/>
+          </a:xfrm>
+          <a:prstGeom prst="rect">
+            <a:avLst/>
+          </a:prstGeom>
+          <a:noFill/>
+          <a:ln w="9525">
+            <a:noFill/>
+            <a:headEnd/>
+            <a:tailEnd/>
+          </a:ln>
+        </p:spPr>
+      </p:pic>
+      <p:pic>
+        <p:nvPicPr>
+          <p:cNvPr id="5" name="Picture" title="wikilink">
+            <a:extLst>
+              <a:ext uri="{FF2B5EF4-FFF2-40B4-BE49-F238E27FC236}">
+                <a16:creationId xmlns:a16="http://schemas.microsoft.com/office/drawing/2014/main" id="{FC0C3B7D-5B0A-863C-AEAA-3D67817C54D2}"/>
+              </a:ext>
+            </a:extLst>
+          </p:cNvPr>
+          <p:cNvPicPr/>
+          <p:nvPr/>
+        </p:nvPicPr>
+        <p:blipFill>
+          <a:blip r:embed="rId3">
+            <a:extLst>
+              <a:ext uri="{28A0092B-C50C-407E-A947-70E740481C1C}">
+                <a14:useLocalDpi xmlns:a14="http://schemas.microsoft.com/office/drawing/2010/main" val="0"/>
+              </a:ext>
+            </a:extLst>
+          </a:blip>
+          <a:stretch>
+            <a:fillRect/>
+          </a:stretch>
+        </p:blipFill>
+        <p:spPr bwMode="auto">
+          <a:xfrm>
+            <a:off x="5877824" y="2308697"/>
+            <a:ext cx="5983731" cy="4096585"/>
+          </a:xfrm>
+          <a:prstGeom prst="rect">
+            <a:avLst/>
+          </a:prstGeom>
+          <a:noFill/>
+          <a:ln w="9525">
+            <a:noFill/>
+            <a:headEnd/>
+            <a:tailEnd/>
+          </a:ln>
+        </p:spPr>
+      </p:pic>
+      <p:sp>
+        <p:nvSpPr>
+          <p:cNvPr id="14" name="Circular Arrow 13">
+            <a:extLst>
+              <a:ext uri="{FF2B5EF4-FFF2-40B4-BE49-F238E27FC236}">
+                <a16:creationId xmlns:a16="http://schemas.microsoft.com/office/drawing/2014/main" id="{54774527-5E90-6A7D-F6C5-7DCF49FF36E7}"/>
+              </a:ext>
+            </a:extLst>
+          </p:cNvPr>
+          <p:cNvSpPr/>
+          <p:nvPr/>
+        </p:nvSpPr>
+        <p:spPr>
+          <a:xfrm>
+            <a:off x="5068244" y="1224238"/>
+            <a:ext cx="2055511" cy="2010168"/>
+          </a:xfrm>
+          <a:prstGeom prst="circularArrow">
+            <a:avLst/>
+          </a:prstGeom>
+          <a:solidFill>
+            <a:schemeClr val="accent4"/>
+          </a:solidFill>
+          <a:ln>
+            <a:solidFill>
+              <a:schemeClr val="accent5"/>
+            </a:solidFill>
+          </a:ln>
+        </p:spPr>
+        <p:style>
+          <a:lnRef idx="2">
+            <a:schemeClr val="accent1">
+              <a:shade val="15000"/>
+            </a:schemeClr>
+          </a:lnRef>
+          <a:fillRef idx="1">
+            <a:schemeClr val="accent1"/>
+          </a:fillRef>
+          <a:effectRef idx="0">
+            <a:schemeClr val="accent1"/>
+          </a:effectRef>
+          <a:fontRef idx="minor">
+            <a:schemeClr val="lt1"/>
+          </a:fontRef>
+        </p:style>
         <p:txBody>
-          <a:bodyPr/>
+          <a:bodyPr rtlCol="0" anchor="ctr"/>
           <a:lstStyle/>
           <a:p>
-            <a:r>
-              <a:rPr lang="en-US" dirty="0"/>
-              <a:t>Various models were considered including Logistic Regression, Decision Trees, and SVM. The chosen models were evaluated based on their ability to balance true positives and minimize false negatives, with a focus on recall due to its importance in screening tests.</a:t>
-            </a:r>
-            <a:br>
-              <a:rPr lang="en-US" dirty="0"/>
-            </a:br>
-            <a:endParaRPr lang="en-US" dirty="0"/>
+            <a:pPr algn="ctr"/>
+            <a:endParaRPr lang="en-US">
+              <a:solidFill>
+                <a:schemeClr val="tx1"/>
+              </a:solidFill>
+            </a:endParaRPr>
+          </a:p>
+        </p:txBody>
+      </p:sp>
+      <p:sp>
+        <p:nvSpPr>
+          <p:cNvPr id="15" name="Rectangle 14">
+            <a:extLst>
+              <a:ext uri="{FF2B5EF4-FFF2-40B4-BE49-F238E27FC236}">
+                <a16:creationId xmlns:a16="http://schemas.microsoft.com/office/drawing/2014/main" id="{7D4D7A70-D34B-7AC7-AD9D-4C657A2C6386}"/>
+              </a:ext>
+            </a:extLst>
+          </p:cNvPr>
+          <p:cNvSpPr/>
+          <p:nvPr/>
+        </p:nvSpPr>
+        <p:spPr>
+          <a:xfrm>
+            <a:off x="1594532" y="2323811"/>
+            <a:ext cx="8992860" cy="215349"/>
+          </a:xfrm>
+          <a:prstGeom prst="rect">
+            <a:avLst/>
+          </a:prstGeom>
+          <a:solidFill>
+            <a:schemeClr val="tx1"/>
+          </a:solidFill>
+          <a:ln>
+            <a:noFill/>
+          </a:ln>
+        </p:spPr>
+        <p:style>
+          <a:lnRef idx="2">
+            <a:schemeClr val="accent1">
+              <a:shade val="15000"/>
+            </a:schemeClr>
+          </a:lnRef>
+          <a:fillRef idx="1">
+            <a:schemeClr val="accent1"/>
+          </a:fillRef>
+          <a:effectRef idx="0">
+            <a:schemeClr val="accent1"/>
+          </a:effectRef>
+          <a:fontRef idx="minor">
+            <a:schemeClr val="lt1"/>
+          </a:fontRef>
+        </p:style>
+        <p:txBody>
+          <a:bodyPr rtlCol="0" anchor="ctr"/>
+          <a:lstStyle/>
+          <a:p>
+            <a:pPr algn="ctr"/>
+            <a:endParaRPr lang="en-US"/>
           </a:p>
         </p:txBody>
       </p:sp>
     </p:spTree>
     <p:extLst>
       <p:ext uri="{BB962C8B-B14F-4D97-AF65-F5344CB8AC3E}">
-        <p14:creationId xmlns:p14="http://schemas.microsoft.com/office/powerpoint/2010/main" val="2347320614"/>
+        <p14:creationId xmlns:p14="http://schemas.microsoft.com/office/powerpoint/2010/main" val="3330599700"/>
       </p:ext>
     </p:extLst>
   </p:cSld>
@@ -8853,7 +15458,7 @@
 </p:sld>
 </file>
 
-<file path=ppt/slides/slide14.xml><?xml version="1.0" encoding="utf-8"?>
+<file path=ppt/slides/slide18.xml><?xml version="1.0" encoding="utf-8"?>
 <p:sld xmlns:a="http://schemas.openxmlformats.org/drawingml/2006/main" xmlns:r="http://schemas.openxmlformats.org/officeDocument/2006/relationships" xmlns:p="http://schemas.openxmlformats.org/presentationml/2006/main">
   <p:cSld>
     <p:spTree>
@@ -8875,7 +15480,7 @@
           <p:cNvPr id="2" name="Title 1">
             <a:extLst>
               <a:ext uri="{FF2B5EF4-FFF2-40B4-BE49-F238E27FC236}">
-                <a16:creationId xmlns:a16="http://schemas.microsoft.com/office/drawing/2014/main" id="{0283C840-5CCF-71AF-1155-78C8DA0D0FCF}"/>
+                <a16:creationId xmlns:a16="http://schemas.microsoft.com/office/drawing/2014/main" id="{3A2D3CE7-C0E4-D73F-AD60-BEC238D13EB0}"/>
               </a:ext>
             </a:extLst>
           </p:cNvPr>
@@ -8893,7 +15498,7 @@
           <a:p>
             <a:r>
               <a:rPr lang="en-US" dirty="0"/>
-              <a:t>Model Training and Evaluation</a:t>
+              <a:t>Model Selection</a:t>
             </a:r>
           </a:p>
         </p:txBody>
@@ -8903,7 +15508,7 @@
           <p:cNvPr id="3" name="Content Placeholder 2">
             <a:extLst>
               <a:ext uri="{FF2B5EF4-FFF2-40B4-BE49-F238E27FC236}">
-                <a16:creationId xmlns:a16="http://schemas.microsoft.com/office/drawing/2014/main" id="{755DE8C3-B221-E8A9-0C2D-115F0A65A481}"/>
+                <a16:creationId xmlns:a16="http://schemas.microsoft.com/office/drawing/2014/main" id="{89028D7E-DFFB-1D2E-CFED-31D6FB831BB2}"/>
               </a:ext>
             </a:extLst>
           </p:cNvPr>
@@ -8916,29 +15521,60 @@
         </p:nvSpPr>
         <p:spPr/>
         <p:txBody>
-          <a:bodyPr/>
+          <a:bodyPr>
+            <a:normAutofit/>
+          </a:bodyPr>
           <a:lstStyle/>
           <a:p>
             <a:r>
               <a:rPr lang="en-US" dirty="0"/>
-              <a:t>The Logistic Regression model with balanced class weights showed the best performance, balancing recall and precision effectively. Comparison with other models emphasized the importance of minimizing false negatives and false positives in medical screening tests.</a:t>
-            </a:r>
-          </a:p>
-          <a:p>
+              <a:t>Logistic Regression</a:t>
+            </a:r>
+          </a:p>
+          <a:p>
+            <a:r>
+              <a:rPr lang="en-US" dirty="0"/>
+              <a:t>Random Forest</a:t>
+            </a:r>
+          </a:p>
+          <a:p>
+            <a:r>
+              <a:rPr lang="en-US" dirty="0"/>
+              <a:t>SVM</a:t>
+            </a:r>
+          </a:p>
+          <a:p>
+            <a:r>
+              <a:rPr lang="en-US" dirty="0"/>
+              <a:t>Naïve Bayes</a:t>
+            </a:r>
+          </a:p>
+          <a:p>
+            <a:r>
+              <a:rPr lang="en-US" dirty="0"/>
+              <a:t>K Nearest Neighbors</a:t>
+            </a:r>
+          </a:p>
+          <a:p>
+            <a:r>
+              <a:rPr lang="en-US" dirty="0" err="1"/>
+              <a:t>AutoGluon</a:t>
+            </a:r>
+            <a:r>
+              <a:rPr lang="en-US" dirty="0"/>
+              <a:t> (Auto-ML)</a:t>
+            </a:r>
             <a:br>
               <a:rPr lang="en-US" dirty="0"/>
             </a:br>
             <a:endParaRPr lang="en-US" dirty="0"/>
           </a:p>
-          <a:p>
-            <a:endParaRPr lang="en-US" dirty="0"/>
-          </a:p>
         </p:txBody>
       </p:sp>
     </p:spTree>
     <p:extLst>
       <p:ext uri="{BB962C8B-B14F-4D97-AF65-F5344CB8AC3E}">
-        <p14:creationId xmlns:p14="http://schemas.microsoft.com/office/powerpoint/2010/main" val="2695943914"/>
+        <p14:creationId xmlns:p14="http://schemas.microsoft.com/office/powerpoint/2010/main" val="2347320614"/>
       </p:ext>
     </p:extLst>
   </p:cSld>
@@ -8948,7 +15584,7 @@
 </p:sld>
 </file>
 
-<file path=ppt/slides/slide15.xml><?xml version="1.0" encoding="utf-8"?>
+<file path=ppt/slides/slide19.xml><?xml version="1.0" encoding="utf-8"?>
 <p:sld xmlns:a="http://schemas.openxmlformats.org/drawingml/2006/main" xmlns:r="http://schemas.openxmlformats.org/officeDocument/2006/relationships" xmlns:p="http://schemas.openxmlformats.org/presentationml/2006/main">
   <p:cSld>
     <p:spTree>
@@ -8967,10 +15603,169 @@
       </p:grpSpPr>
       <p:sp>
         <p:nvSpPr>
+          <p:cNvPr id="6" name="Up Arrow 5">
+            <a:extLst>
+              <a:ext uri="{FF2B5EF4-FFF2-40B4-BE49-F238E27FC236}">
+                <a16:creationId xmlns:a16="http://schemas.microsoft.com/office/drawing/2014/main" id="{E302B89D-53B5-1AC6-415A-DF343D03BFEE}"/>
+              </a:ext>
+            </a:extLst>
+          </p:cNvPr>
+          <p:cNvSpPr/>
+          <p:nvPr/>
+        </p:nvSpPr>
+        <p:spPr>
+          <a:xfrm>
+            <a:off x="1828676" y="2836737"/>
+            <a:ext cx="1011504" cy="1003412"/>
+          </a:xfrm>
+          <a:prstGeom prst="upArrow">
+            <a:avLst/>
+          </a:prstGeom>
+          <a:solidFill>
+            <a:schemeClr val="tx1"/>
+          </a:solidFill>
+          <a:ln>
+            <a:noFill/>
+          </a:ln>
+        </p:spPr>
+        <p:style>
+          <a:lnRef idx="2">
+            <a:schemeClr val="accent1">
+              <a:shade val="15000"/>
+            </a:schemeClr>
+          </a:lnRef>
+          <a:fillRef idx="1">
+            <a:schemeClr val="accent1"/>
+          </a:fillRef>
+          <a:effectRef idx="0">
+            <a:schemeClr val="accent1"/>
+          </a:effectRef>
+          <a:fontRef idx="minor">
+            <a:schemeClr val="lt1"/>
+          </a:fontRef>
+        </p:style>
+        <p:txBody>
+          <a:bodyPr rtlCol="0" anchor="ctr"/>
+          <a:lstStyle/>
+          <a:p>
+            <a:pPr algn="ctr"/>
+            <a:endParaRPr lang="en-US"/>
+          </a:p>
+        </p:txBody>
+      </p:sp>
+      <p:sp>
+        <p:nvSpPr>
+          <p:cNvPr id="8" name="Up Arrow 7">
+            <a:extLst>
+              <a:ext uri="{FF2B5EF4-FFF2-40B4-BE49-F238E27FC236}">
+                <a16:creationId xmlns:a16="http://schemas.microsoft.com/office/drawing/2014/main" id="{50B1E895-5032-2557-E97A-20A70F8ACEF8}"/>
+              </a:ext>
+            </a:extLst>
+          </p:cNvPr>
+          <p:cNvSpPr/>
+          <p:nvPr/>
+        </p:nvSpPr>
+        <p:spPr>
+          <a:xfrm rot="10800000">
+            <a:off x="4940913" y="4946407"/>
+            <a:ext cx="1011504" cy="1003412"/>
+          </a:xfrm>
+          <a:prstGeom prst="upArrow">
+            <a:avLst/>
+          </a:prstGeom>
+          <a:solidFill>
+            <a:schemeClr val="tx1"/>
+          </a:solidFill>
+          <a:ln>
+            <a:noFill/>
+          </a:ln>
+        </p:spPr>
+        <p:style>
+          <a:lnRef idx="2">
+            <a:schemeClr val="accent1">
+              <a:shade val="15000"/>
+            </a:schemeClr>
+          </a:lnRef>
+          <a:fillRef idx="1">
+            <a:schemeClr val="accent1"/>
+          </a:fillRef>
+          <a:effectRef idx="0">
+            <a:schemeClr val="accent1"/>
+          </a:effectRef>
+          <a:fontRef idx="minor">
+            <a:schemeClr val="lt1"/>
+          </a:fontRef>
+        </p:style>
+        <p:txBody>
+          <a:bodyPr rtlCol="0" anchor="ctr"/>
+          <a:lstStyle/>
+          <a:p>
+            <a:pPr algn="ctr"/>
+            <a:endParaRPr lang="en-US"/>
+          </a:p>
+        </p:txBody>
+      </p:sp>
+      <p:sp>
+        <p:nvSpPr>
+          <p:cNvPr id="9" name="Up Arrow 8">
+            <a:extLst>
+              <a:ext uri="{FF2B5EF4-FFF2-40B4-BE49-F238E27FC236}">
+                <a16:creationId xmlns:a16="http://schemas.microsoft.com/office/drawing/2014/main" id="{BB42972E-8266-1E4A-A330-EC2416A196B2}"/>
+              </a:ext>
+            </a:extLst>
+          </p:cNvPr>
+          <p:cNvSpPr/>
+          <p:nvPr/>
+        </p:nvSpPr>
+        <p:spPr>
+          <a:xfrm rot="10800000">
+            <a:off x="8305170" y="4629013"/>
+            <a:ext cx="366754" cy="1003412"/>
+          </a:xfrm>
+          <a:prstGeom prst="upArrow">
+            <a:avLst>
+              <a:gd name="adj1" fmla="val 50000"/>
+              <a:gd name="adj2" fmla="val 56182"/>
+            </a:avLst>
+          </a:prstGeom>
+          <a:solidFill>
+            <a:schemeClr val="tx1"/>
+          </a:solidFill>
+          <a:ln>
+            <a:noFill/>
+          </a:ln>
+        </p:spPr>
+        <p:style>
+          <a:lnRef idx="2">
+            <a:schemeClr val="accent1">
+              <a:shade val="15000"/>
+            </a:schemeClr>
+          </a:lnRef>
+          <a:fillRef idx="1">
+            <a:schemeClr val="accent1"/>
+          </a:fillRef>
+          <a:effectRef idx="0">
+            <a:schemeClr val="accent1"/>
+          </a:effectRef>
+          <a:fontRef idx="minor">
+            <a:schemeClr val="lt1"/>
+          </a:fontRef>
+        </p:style>
+        <p:txBody>
+          <a:bodyPr rtlCol="0" anchor="ctr"/>
+          <a:lstStyle/>
+          <a:p>
+            <a:pPr algn="ctr"/>
+            <a:endParaRPr lang="en-US"/>
+          </a:p>
+        </p:txBody>
+      </p:sp>
+      <p:sp>
+        <p:nvSpPr>
           <p:cNvPr id="2" name="Title 1">
             <a:extLst>
               <a:ext uri="{FF2B5EF4-FFF2-40B4-BE49-F238E27FC236}">
-                <a16:creationId xmlns:a16="http://schemas.microsoft.com/office/drawing/2014/main" id="{9F9DCD54-A893-7B99-97C7-24511E204E66}"/>
+                <a16:creationId xmlns:a16="http://schemas.microsoft.com/office/drawing/2014/main" id="{5977C30D-7E3B-9467-A410-606767442010}"/>
               </a:ext>
             </a:extLst>
           </p:cNvPr>
@@ -8987,48 +15782,84 @@
           <a:lstStyle/>
           <a:p>
             <a:r>
-              <a:rPr lang="en-US" dirty="0"/>
-              <a:t>Conclusion</a:t>
-            </a:r>
+              <a:rPr lang="en-US"/>
+              <a:t>Performance metric</a:t>
+            </a:r>
+            <a:endParaRPr lang="en-US" dirty="0"/>
           </a:p>
         </p:txBody>
       </p:sp>
-      <p:sp>
-        <p:nvSpPr>
-          <p:cNvPr id="3" name="Content Placeholder 2">
+      <p:graphicFrame>
+        <p:nvGraphicFramePr>
+          <p:cNvPr id="7" name="Content Placeholder 2">
             <a:extLst>
               <a:ext uri="{FF2B5EF4-FFF2-40B4-BE49-F238E27FC236}">
-                <a16:creationId xmlns:a16="http://schemas.microsoft.com/office/drawing/2014/main" id="{C81145E1-0AC8-163F-6461-DDC211BAFF1E}"/>
+                <a16:creationId xmlns:a16="http://schemas.microsoft.com/office/drawing/2014/main" id="{A26C21B4-27D4-8605-A23A-6E13424E3DE4}"/>
               </a:ext>
             </a:extLst>
           </p:cNvPr>
-          <p:cNvSpPr>
-            <a:spLocks noGrp="1"/>
-          </p:cNvSpPr>
+          <p:cNvGraphicFramePr>
+            <a:graphicFrameLocks noGrp="1"/>
+          </p:cNvGraphicFramePr>
           <p:nvPr>
             <p:ph idx="1"/>
+            <p:extLst>
+              <p:ext uri="{D42A27DB-BD31-4B8C-83A1-F6EECF244321}">
+                <p14:modId xmlns:p14="http://schemas.microsoft.com/office/powerpoint/2010/main" val="1714987241"/>
+              </p:ext>
+            </p:extLst>
           </p:nvPr>
-        </p:nvSpPr>
-        <p:spPr/>
-        <p:txBody>
-          <a:bodyPr/>
-          <a:lstStyle/>
-          <a:p>
-            <a:r>
-              <a:rPr lang="en-US" dirty="0"/>
-              <a:t>The balanced Logistic Regression model was found to perform the best across metrics, highlighting its effectiveness in predicting CHD risk and its potential impact on public health strategy, focusing on early detection and targeted interventions.</a:t>
-            </a:r>
-            <a:br>
-              <a:rPr lang="en-US" dirty="0"/>
-            </a:br>
-            <a:endParaRPr lang="en-US" dirty="0"/>
-          </a:p>
-        </p:txBody>
-      </p:sp>
+        </p:nvGraphicFramePr>
+        <p:xfrm>
+          <a:off x="1104293" y="2289448"/>
+          <a:ext cx="8946541" cy="4195481"/>
+        </p:xfrm>
+        <a:graphic>
+          <a:graphicData uri="http://schemas.openxmlformats.org/drawingml/2006/diagram">
+            <dgm:relIds xmlns:dgm="http://schemas.openxmlformats.org/drawingml/2006/diagram" xmlns:r="http://schemas.openxmlformats.org/officeDocument/2006/relationships" r:dm="rId3" r:lo="rId4" r:qs="rId5" r:cs="rId6"/>
+          </a:graphicData>
+        </a:graphic>
+      </p:graphicFrame>
+      <p:pic>
+        <p:nvPicPr>
+          <p:cNvPr id="5" name="Picture 4" descr="A black text on a white background&#10;&#10;Description automatically generated">
+            <a:extLst>
+              <a:ext uri="{FF2B5EF4-FFF2-40B4-BE49-F238E27FC236}">
+                <a16:creationId xmlns:a16="http://schemas.microsoft.com/office/drawing/2014/main" id="{E83224D9-4FC7-4FE9-4951-C28BE68DCE8B}"/>
+              </a:ext>
+            </a:extLst>
+          </p:cNvPr>
+          <p:cNvPicPr>
+            <a:picLocks noChangeAspect="1"/>
+          </p:cNvPicPr>
+          <p:nvPr/>
+        </p:nvPicPr>
+        <p:blipFill>
+          <a:blip r:embed="rId8">
+            <a:extLst>
+              <a:ext uri="{28A0092B-C50C-407E-A947-70E740481C1C}">
+                <a14:useLocalDpi xmlns:a14="http://schemas.microsoft.com/office/drawing/2010/main" val="0"/>
+              </a:ext>
+            </a:extLst>
+          </a:blip>
+          <a:stretch>
+            <a:fillRect/>
+          </a:stretch>
+        </p:blipFill>
+        <p:spPr>
+          <a:xfrm>
+            <a:off x="2690478" y="1311253"/>
+            <a:ext cx="6811044" cy="1083990"/>
+          </a:xfrm>
+          <a:prstGeom prst="rect">
+            <a:avLst/>
+          </a:prstGeom>
+        </p:spPr>
+      </p:pic>
     </p:spTree>
     <p:extLst>
       <p:ext uri="{BB962C8B-B14F-4D97-AF65-F5344CB8AC3E}">
-        <p14:creationId xmlns:p14="http://schemas.microsoft.com/office/powerpoint/2010/main" val="2008700150"/>
+        <p14:creationId xmlns:p14="http://schemas.microsoft.com/office/powerpoint/2010/main" val="3615202939"/>
       </p:ext>
     </p:extLst>
   </p:cSld>
@@ -9218,6 +16049,1300 @@
 </p:sld>
 </file>
 
+<file path=ppt/slides/slide20.xml><?xml version="1.0" encoding="utf-8"?>
+<p:sld xmlns:a="http://schemas.openxmlformats.org/drawingml/2006/main" xmlns:r="http://schemas.openxmlformats.org/officeDocument/2006/relationships" xmlns:p="http://schemas.openxmlformats.org/presentationml/2006/main">
+  <p:cSld>
+    <p:bg>
+      <p:bgPr>
+        <a:solidFill>
+          <a:schemeClr val="bg1"/>
+        </a:solidFill>
+        <a:effectLst/>
+      </p:bgPr>
+    </p:bg>
+    <p:spTree>
+      <p:nvGrpSpPr>
+        <p:cNvPr id="1" name=""/>
+        <p:cNvGrpSpPr/>
+        <p:nvPr/>
+      </p:nvGrpSpPr>
+      <p:grpSpPr>
+        <a:xfrm>
+          <a:off x="0" y="0"/>
+          <a:ext cx="0" cy="0"/>
+          <a:chOff x="0" y="0"/>
+          <a:chExt cx="0" cy="0"/>
+        </a:xfrm>
+      </p:grpSpPr>
+      <p:sp>
+        <p:nvSpPr>
+          <p:cNvPr id="9" name="Rectangle 8">
+            <a:extLst>
+              <a:ext uri="{FF2B5EF4-FFF2-40B4-BE49-F238E27FC236}">
+                <a16:creationId xmlns:a16="http://schemas.microsoft.com/office/drawing/2014/main" id="{B4AAD3FD-83A5-4B89-9F8F-01B8870865BE}"/>
+              </a:ext>
+              <a:ext uri="{C183D7F6-B498-43B3-948B-1728B52AA6E4}">
+                <adec:decorative xmlns:adec="http://schemas.microsoft.com/office/drawing/2017/decorative" val="1"/>
+              </a:ext>
+            </a:extLst>
+          </p:cNvPr>
+          <p:cNvSpPr>
+            <a:spLocks noGrp="1" noRot="1" noChangeAspect="1" noMove="1" noResize="1" noEditPoints="1" noAdjustHandles="1" noChangeArrowheads="1" noChangeShapeType="1" noTextEdit="1"/>
+          </p:cNvSpPr>
+          <p:nvPr>
+            <p:extLst>
+              <p:ext uri="{386F3935-93C4-4BCD-93E2-E3B085C9AB24}">
+                <p16:designElem xmlns:p16="http://schemas.microsoft.com/office/powerpoint/2015/main" val="1"/>
+              </p:ext>
+            </p:extLst>
+          </p:nvPr>
+        </p:nvSpPr>
+        <p:spPr>
+          <a:xfrm>
+            <a:off x="0" y="0"/>
+            <a:ext cx="12192000" cy="6858000"/>
+          </a:xfrm>
+          <a:prstGeom prst="rect">
+            <a:avLst/>
+          </a:prstGeom>
+          <a:ln>
+            <a:noFill/>
+          </a:ln>
+        </p:spPr>
+        <p:style>
+          <a:lnRef idx="2">
+            <a:schemeClr val="accent1">
+              <a:shade val="50000"/>
+            </a:schemeClr>
+          </a:lnRef>
+          <a:fillRef idx="1003">
+            <a:schemeClr val="dk2"/>
+          </a:fillRef>
+          <a:effectRef idx="0">
+            <a:schemeClr val="accent1"/>
+          </a:effectRef>
+          <a:fontRef idx="minor">
+            <a:schemeClr val="lt1"/>
+          </a:fontRef>
+        </p:style>
+        <p:txBody>
+          <a:bodyPr rtlCol="0" anchor="ctr"/>
+          <a:lstStyle/>
+          <a:p>
+            <a:pPr algn="ctr"/>
+            <a:endParaRPr lang="en-US"/>
+          </a:p>
+        </p:txBody>
+      </p:sp>
+      <p:sp>
+        <p:nvSpPr>
+          <p:cNvPr id="2" name="Title 1">
+            <a:extLst>
+              <a:ext uri="{FF2B5EF4-FFF2-40B4-BE49-F238E27FC236}">
+                <a16:creationId xmlns:a16="http://schemas.microsoft.com/office/drawing/2014/main" id="{0283C840-5CCF-71AF-1155-78C8DA0D0FCF}"/>
+              </a:ext>
+            </a:extLst>
+          </p:cNvPr>
+          <p:cNvSpPr>
+            <a:spLocks noGrp="1"/>
+          </p:cNvSpPr>
+          <p:nvPr>
+            <p:ph type="title"/>
+          </p:nvPr>
+        </p:nvSpPr>
+        <p:spPr>
+          <a:xfrm>
+            <a:off x="648931" y="629266"/>
+            <a:ext cx="4166510" cy="1622321"/>
+          </a:xfrm>
+        </p:spPr>
+        <p:txBody>
+          <a:bodyPr>
+            <a:normAutofit/>
+          </a:bodyPr>
+          <a:lstStyle/>
+          <a:p>
+            <a:r>
+              <a:rPr lang="en-US">
+                <a:solidFill>
+                  <a:srgbClr val="EBEBEB"/>
+                </a:solidFill>
+              </a:rPr>
+              <a:t>Model Training and Evaluation</a:t>
+            </a:r>
+          </a:p>
+        </p:txBody>
+      </p:sp>
+      <p:sp>
+        <p:nvSpPr>
+          <p:cNvPr id="11" name="Freeform 31">
+            <a:extLst>
+              <a:ext uri="{FF2B5EF4-FFF2-40B4-BE49-F238E27FC236}">
+                <a16:creationId xmlns:a16="http://schemas.microsoft.com/office/drawing/2014/main" id="{61752F1D-FC0F-4103-9584-630E643CCDA6}"/>
+              </a:ext>
+              <a:ext uri="{C183D7F6-B498-43B3-948B-1728B52AA6E4}">
+                <adec:decorative xmlns:adec="http://schemas.microsoft.com/office/drawing/2017/decorative" val="1"/>
+              </a:ext>
+            </a:extLst>
+          </p:cNvPr>
+          <p:cNvSpPr>
+            <a:spLocks noGrp="1" noRot="1" noChangeAspect="1" noMove="1" noResize="1" noEditPoints="1" noAdjustHandles="1" noChangeArrowheads="1" noChangeShapeType="1" noTextEdit="1"/>
+          </p:cNvSpPr>
+          <p:nvPr>
+            <p:extLst>
+              <p:ext uri="{386F3935-93C4-4BCD-93E2-E3B085C9AB24}">
+                <p16:designElem xmlns:p16="http://schemas.microsoft.com/office/powerpoint/2015/main" val="1"/>
+              </p:ext>
+            </p:extLst>
+          </p:nvPr>
+        </p:nvSpPr>
+        <p:spPr>
+          <a:xfrm>
+            <a:off x="4994020" y="-1"/>
+            <a:ext cx="559472" cy="3709642"/>
+          </a:xfrm>
+          <a:custGeom>
+            <a:avLst/>
+            <a:gdLst>
+              <a:gd name="connsiteX0" fmla="*/ 0 w 559472"/>
+              <a:gd name="connsiteY0" fmla="*/ 0 h 3709642"/>
+              <a:gd name="connsiteX1" fmla="*/ 473952 w 559472"/>
+              <a:gd name="connsiteY1" fmla="*/ 0 h 3709642"/>
+              <a:gd name="connsiteX2" fmla="*/ 485840 w 559472"/>
+              <a:gd name="connsiteY2" fmla="*/ 161194 h 3709642"/>
+              <a:gd name="connsiteX3" fmla="*/ 523949 w 559472"/>
+              <a:gd name="connsiteY3" fmla="*/ 3672197 h 3709642"/>
+              <a:gd name="connsiteX4" fmla="*/ 454748 w 559472"/>
+              <a:gd name="connsiteY4" fmla="*/ 3709642 h 3709642"/>
+              <a:gd name="connsiteX5" fmla="*/ 448224 w 559472"/>
+              <a:gd name="connsiteY5" fmla="*/ 3510471 h 3709642"/>
+              <a:gd name="connsiteX6" fmla="*/ 443564 w 559472"/>
+              <a:gd name="connsiteY6" fmla="*/ 3408563 h 3709642"/>
+              <a:gd name="connsiteX7" fmla="*/ 438902 w 559472"/>
+              <a:gd name="connsiteY7" fmla="*/ 3304407 h 3709642"/>
+              <a:gd name="connsiteX8" fmla="*/ 433941 w 559472"/>
+              <a:gd name="connsiteY8" fmla="*/ 3198777 h 3709642"/>
+              <a:gd name="connsiteX9" fmla="*/ 427584 w 559472"/>
+              <a:gd name="connsiteY9" fmla="*/ 3092510 h 3709642"/>
+              <a:gd name="connsiteX10" fmla="*/ 420988 w 559472"/>
+              <a:gd name="connsiteY10" fmla="*/ 2984390 h 3709642"/>
+              <a:gd name="connsiteX11" fmla="*/ 414330 w 559472"/>
+              <a:gd name="connsiteY11" fmla="*/ 2874401 h 3709642"/>
+              <a:gd name="connsiteX12" fmla="*/ 406840 w 559472"/>
+              <a:gd name="connsiteY12" fmla="*/ 2762980 h 3709642"/>
+              <a:gd name="connsiteX13" fmla="*/ 397745 w 559472"/>
+              <a:gd name="connsiteY13" fmla="*/ 2650566 h 3709642"/>
+              <a:gd name="connsiteX14" fmla="*/ 389154 w 559472"/>
+              <a:gd name="connsiteY14" fmla="*/ 2536612 h 3709642"/>
+              <a:gd name="connsiteX15" fmla="*/ 379225 w 559472"/>
+              <a:gd name="connsiteY15" fmla="*/ 2421642 h 3709642"/>
+              <a:gd name="connsiteX16" fmla="*/ 368316 w 559472"/>
+              <a:gd name="connsiteY16" fmla="*/ 2305627 h 3709642"/>
+              <a:gd name="connsiteX17" fmla="*/ 357466 w 559472"/>
+              <a:gd name="connsiteY17" fmla="*/ 2189233 h 3709642"/>
+              <a:gd name="connsiteX18" fmla="*/ 344982 w 559472"/>
+              <a:gd name="connsiteY18" fmla="*/ 2071473 h 3709642"/>
+              <a:gd name="connsiteX19" fmla="*/ 332466 w 559472"/>
+              <a:gd name="connsiteY19" fmla="*/ 1952216 h 3709642"/>
+              <a:gd name="connsiteX20" fmla="*/ 319121 w 559472"/>
+              <a:gd name="connsiteY20" fmla="*/ 1833776 h 3709642"/>
+              <a:gd name="connsiteX21" fmla="*/ 304408 w 559472"/>
+              <a:gd name="connsiteY21" fmla="*/ 1713948 h 3709642"/>
+              <a:gd name="connsiteX22" fmla="*/ 288685 w 559472"/>
+              <a:gd name="connsiteY22" fmla="*/ 1592703 h 3709642"/>
+              <a:gd name="connsiteX23" fmla="*/ 273050 w 559472"/>
+              <a:gd name="connsiteY23" fmla="*/ 1471451 h 3709642"/>
+              <a:gd name="connsiteX24" fmla="*/ 255813 w 559472"/>
+              <a:gd name="connsiteY24" fmla="*/ 1350328 h 3709642"/>
+              <a:gd name="connsiteX25" fmla="*/ 237060 w 559472"/>
+              <a:gd name="connsiteY25" fmla="*/ 1227080 h 3709642"/>
+              <a:gd name="connsiteX26" fmla="*/ 218488 w 559472"/>
+              <a:gd name="connsiteY26" fmla="*/ 1106065 h 3709642"/>
+              <a:gd name="connsiteX27" fmla="*/ 198221 w 559472"/>
+              <a:gd name="connsiteY27" fmla="*/ 982940 h 3709642"/>
+              <a:gd name="connsiteX28" fmla="*/ 177152 w 559472"/>
+              <a:gd name="connsiteY28" fmla="*/ 858755 h 3709642"/>
+              <a:gd name="connsiteX29" fmla="*/ 155551 w 559472"/>
+              <a:gd name="connsiteY29" fmla="*/ 736861 h 3709642"/>
+              <a:gd name="connsiteX30" fmla="*/ 131782 w 559472"/>
+              <a:gd name="connsiteY30" fmla="*/ 613645 h 3709642"/>
+              <a:gd name="connsiteX31" fmla="*/ 107123 w 559472"/>
+              <a:gd name="connsiteY31" fmla="*/ 490500 h 3709642"/>
+              <a:gd name="connsiteX32" fmla="*/ 82552 w 559472"/>
+              <a:gd name="connsiteY32" fmla="*/ 367348 h 3709642"/>
+              <a:gd name="connsiteX33" fmla="*/ 55608 w 559472"/>
+              <a:gd name="connsiteY33" fmla="*/ 244762 h 3709642"/>
+              <a:gd name="connsiteX34" fmla="*/ 28130 w 559472"/>
+              <a:gd name="connsiteY34" fmla="*/ 122220 h 3709642"/>
+              <a:gd name="connsiteX35" fmla="*/ 0 w 559472"/>
+              <a:gd name="connsiteY35" fmla="*/ 0 h 3709642"/>
+            </a:gdLst>
+            <a:ahLst/>
+            <a:cxnLst>
+              <a:cxn ang="0">
+                <a:pos x="connsiteX0" y="connsiteY0"/>
+              </a:cxn>
+              <a:cxn ang="0">
+                <a:pos x="connsiteX1" y="connsiteY1"/>
+              </a:cxn>
+              <a:cxn ang="0">
+                <a:pos x="connsiteX2" y="connsiteY2"/>
+              </a:cxn>
+              <a:cxn ang="0">
+                <a:pos x="connsiteX3" y="connsiteY3"/>
+              </a:cxn>
+              <a:cxn ang="0">
+                <a:pos x="connsiteX4" y="connsiteY4"/>
+              </a:cxn>
+              <a:cxn ang="0">
+                <a:pos x="connsiteX5" y="connsiteY5"/>
+              </a:cxn>
+              <a:cxn ang="0">
+                <a:pos x="connsiteX6" y="connsiteY6"/>
+              </a:cxn>
+              <a:cxn ang="0">
+                <a:pos x="connsiteX7" y="connsiteY7"/>
+              </a:cxn>
+              <a:cxn ang="0">
+                <a:pos x="connsiteX8" y="connsiteY8"/>
+              </a:cxn>
+              <a:cxn ang="0">
+                <a:pos x="connsiteX9" y="connsiteY9"/>
+              </a:cxn>
+              <a:cxn ang="0">
+                <a:pos x="connsiteX10" y="connsiteY10"/>
+              </a:cxn>
+              <a:cxn ang="0">
+                <a:pos x="connsiteX11" y="connsiteY11"/>
+              </a:cxn>
+              <a:cxn ang="0">
+                <a:pos x="connsiteX12" y="connsiteY12"/>
+              </a:cxn>
+              <a:cxn ang="0">
+                <a:pos x="connsiteX13" y="connsiteY13"/>
+              </a:cxn>
+              <a:cxn ang="0">
+                <a:pos x="connsiteX14" y="connsiteY14"/>
+              </a:cxn>
+              <a:cxn ang="0">
+                <a:pos x="connsiteX15" y="connsiteY15"/>
+              </a:cxn>
+              <a:cxn ang="0">
+                <a:pos x="connsiteX16" y="connsiteY16"/>
+              </a:cxn>
+              <a:cxn ang="0">
+                <a:pos x="connsiteX17" y="connsiteY17"/>
+              </a:cxn>
+              <a:cxn ang="0">
+                <a:pos x="connsiteX18" y="connsiteY18"/>
+              </a:cxn>
+              <a:cxn ang="0">
+                <a:pos x="connsiteX19" y="connsiteY19"/>
+              </a:cxn>
+              <a:cxn ang="0">
+                <a:pos x="connsiteX20" y="connsiteY20"/>
+              </a:cxn>
+              <a:cxn ang="0">
+                <a:pos x="connsiteX21" y="connsiteY21"/>
+              </a:cxn>
+              <a:cxn ang="0">
+                <a:pos x="connsiteX22" y="connsiteY22"/>
+              </a:cxn>
+              <a:cxn ang="0">
+                <a:pos x="connsiteX23" y="connsiteY23"/>
+              </a:cxn>
+              <a:cxn ang="0">
+                <a:pos x="connsiteX24" y="connsiteY24"/>
+              </a:cxn>
+              <a:cxn ang="0">
+                <a:pos x="connsiteX25" y="connsiteY25"/>
+              </a:cxn>
+              <a:cxn ang="0">
+                <a:pos x="connsiteX26" y="connsiteY26"/>
+              </a:cxn>
+              <a:cxn ang="0">
+                <a:pos x="connsiteX27" y="connsiteY27"/>
+              </a:cxn>
+              <a:cxn ang="0">
+                <a:pos x="connsiteX28" y="connsiteY28"/>
+              </a:cxn>
+              <a:cxn ang="0">
+                <a:pos x="connsiteX29" y="connsiteY29"/>
+              </a:cxn>
+              <a:cxn ang="0">
+                <a:pos x="connsiteX30" y="connsiteY30"/>
+              </a:cxn>
+              <a:cxn ang="0">
+                <a:pos x="connsiteX31" y="connsiteY31"/>
+              </a:cxn>
+              <a:cxn ang="0">
+                <a:pos x="connsiteX32" y="connsiteY32"/>
+              </a:cxn>
+              <a:cxn ang="0">
+                <a:pos x="connsiteX33" y="connsiteY33"/>
+              </a:cxn>
+              <a:cxn ang="0">
+                <a:pos x="connsiteX34" y="connsiteY34"/>
+              </a:cxn>
+              <a:cxn ang="0">
+                <a:pos x="connsiteX35" y="connsiteY35"/>
+              </a:cxn>
+            </a:cxnLst>
+            <a:rect l="l" t="t" r="r" b="b"/>
+            <a:pathLst>
+              <a:path w="559472" h="3709642">
+                <a:moveTo>
+                  <a:pt x="0" y="0"/>
+                </a:moveTo>
+                <a:lnTo>
+                  <a:pt x="473952" y="0"/>
+                </a:lnTo>
+                <a:lnTo>
+                  <a:pt x="485840" y="161194"/>
+                </a:lnTo>
+                <a:cubicBezTo>
+                  <a:pt x="552063" y="1147770"/>
+                  <a:pt x="592441" y="3086737"/>
+                  <a:pt x="523949" y="3672197"/>
+                </a:cubicBezTo>
+                <a:cubicBezTo>
+                  <a:pt x="500842" y="3684557"/>
+                  <a:pt x="477855" y="3697282"/>
+                  <a:pt x="454748" y="3709642"/>
+                </a:cubicBezTo>
+                <a:lnTo>
+                  <a:pt x="448224" y="3510471"/>
+                </a:lnTo>
+                <a:lnTo>
+                  <a:pt x="443564" y="3408563"/>
+                </a:lnTo>
+                <a:lnTo>
+                  <a:pt x="438902" y="3304407"/>
+                </a:lnTo>
+                <a:lnTo>
+                  <a:pt x="433941" y="3198777"/>
+                </a:lnTo>
+                <a:lnTo>
+                  <a:pt x="427584" y="3092510"/>
+                </a:lnTo>
+                <a:lnTo>
+                  <a:pt x="420988" y="2984390"/>
+                </a:lnTo>
+                <a:lnTo>
+                  <a:pt x="414330" y="2874401"/>
+                </a:lnTo>
+                <a:lnTo>
+                  <a:pt x="406840" y="2762980"/>
+                </a:lnTo>
+                <a:lnTo>
+                  <a:pt x="397745" y="2650566"/>
+                </a:lnTo>
+                <a:lnTo>
+                  <a:pt x="389154" y="2536612"/>
+                </a:lnTo>
+                <a:lnTo>
+                  <a:pt x="379225" y="2421642"/>
+                </a:lnTo>
+                <a:lnTo>
+                  <a:pt x="368316" y="2305627"/>
+                </a:lnTo>
+                <a:lnTo>
+                  <a:pt x="357466" y="2189233"/>
+                </a:lnTo>
+                <a:lnTo>
+                  <a:pt x="344982" y="2071473"/>
+                </a:lnTo>
+                <a:lnTo>
+                  <a:pt x="332466" y="1952216"/>
+                </a:lnTo>
+                <a:lnTo>
+                  <a:pt x="319121" y="1833776"/>
+                </a:lnTo>
+                <a:lnTo>
+                  <a:pt x="304408" y="1713948"/>
+                </a:lnTo>
+                <a:lnTo>
+                  <a:pt x="288685" y="1592703"/>
+                </a:lnTo>
+                <a:lnTo>
+                  <a:pt x="273050" y="1471451"/>
+                </a:lnTo>
+                <a:lnTo>
+                  <a:pt x="255813" y="1350328"/>
+                </a:lnTo>
+                <a:lnTo>
+                  <a:pt x="237060" y="1227080"/>
+                </a:lnTo>
+                <a:lnTo>
+                  <a:pt x="218488" y="1106065"/>
+                </a:lnTo>
+                <a:lnTo>
+                  <a:pt x="198221" y="982940"/>
+                </a:lnTo>
+                <a:lnTo>
+                  <a:pt x="177152" y="858755"/>
+                </a:lnTo>
+                <a:lnTo>
+                  <a:pt x="155551" y="736861"/>
+                </a:lnTo>
+                <a:lnTo>
+                  <a:pt x="131782" y="613645"/>
+                </a:lnTo>
+                <a:lnTo>
+                  <a:pt x="107123" y="490500"/>
+                </a:lnTo>
+                <a:lnTo>
+                  <a:pt x="82552" y="367348"/>
+                </a:lnTo>
+                <a:lnTo>
+                  <a:pt x="55608" y="244762"/>
+                </a:lnTo>
+                <a:lnTo>
+                  <a:pt x="28130" y="122220"/>
+                </a:lnTo>
+                <a:lnTo>
+                  <a:pt x="0" y="0"/>
+                </a:lnTo>
+                <a:close/>
+              </a:path>
+            </a:pathLst>
+          </a:custGeom>
+          <a:solidFill>
+            <a:schemeClr val="bg1">
+              <a:alpha val="20000"/>
+            </a:schemeClr>
+          </a:solidFill>
+          <a:ln>
+            <a:noFill/>
+          </a:ln>
+        </p:spPr>
+        <p:txBody>
+          <a:bodyPr rtlCol="0" anchor="ctr"/>
+          <a:lstStyle/>
+          <a:p>
+            <a:pPr algn="ctr"/>
+            <a:endParaRPr lang="en-US"/>
+          </a:p>
+        </p:txBody>
+      </p:sp>
+      <p:sp useBgFill="1">
+        <p:nvSpPr>
+          <p:cNvPr id="13" name="Freeform: Shape 12">
+            <a:extLst>
+              <a:ext uri="{FF2B5EF4-FFF2-40B4-BE49-F238E27FC236}">
+                <a16:creationId xmlns:a16="http://schemas.microsoft.com/office/drawing/2014/main" id="{70151CB7-E7DE-4917-B831-01DF9CE01306}"/>
+              </a:ext>
+              <a:ext uri="{C183D7F6-B498-43B3-948B-1728B52AA6E4}">
+                <adec:decorative xmlns:adec="http://schemas.microsoft.com/office/drawing/2017/decorative" val="1"/>
+              </a:ext>
+            </a:extLst>
+          </p:cNvPr>
+          <p:cNvSpPr>
+            <a:spLocks noGrp="1" noRot="1" noChangeAspect="1" noMove="1" noResize="1" noEditPoints="1" noAdjustHandles="1" noChangeArrowheads="1" noChangeShapeType="1" noTextEdit="1"/>
+          </p:cNvSpPr>
+          <p:nvPr>
+            <p:extLst>
+              <p:ext uri="{386F3935-93C4-4BCD-93E2-E3B085C9AB24}">
+                <p16:designElem xmlns:p16="http://schemas.microsoft.com/office/powerpoint/2015/main" val="1"/>
+              </p:ext>
+            </p:extLst>
+          </p:nvPr>
+        </p:nvSpPr>
+        <p:spPr bwMode="gray">
+          <a:xfrm rot="16200000">
+            <a:off x="5270819" y="-63600"/>
+            <a:ext cx="6858001" cy="6985200"/>
+          </a:xfrm>
+          <a:custGeom>
+            <a:avLst/>
+            <a:gdLst>
+              <a:gd name="connsiteX0" fmla="*/ 6858001 w 6858001"/>
+              <a:gd name="connsiteY0" fmla="*/ 1177 h 6985200"/>
+              <a:gd name="connsiteX1" fmla="*/ 6858001 w 6858001"/>
+              <a:gd name="connsiteY1" fmla="*/ 1344715 h 6985200"/>
+              <a:gd name="connsiteX2" fmla="*/ 6858000 w 6858001"/>
+              <a:gd name="connsiteY2" fmla="*/ 1344715 h 6985200"/>
+              <a:gd name="connsiteX3" fmla="*/ 6858000 w 6858001"/>
+              <a:gd name="connsiteY3" fmla="*/ 6985200 h 6985200"/>
+              <a:gd name="connsiteX4" fmla="*/ 0 w 6858001"/>
+              <a:gd name="connsiteY4" fmla="*/ 6985199 h 6985200"/>
+              <a:gd name="connsiteX5" fmla="*/ 0 w 6858001"/>
+              <a:gd name="connsiteY5" fmla="*/ 886772 h 6985200"/>
+              <a:gd name="connsiteX6" fmla="*/ 1 w 6858001"/>
+              <a:gd name="connsiteY6" fmla="*/ 886772 h 6985200"/>
+              <a:gd name="connsiteX7" fmla="*/ 1 w 6858001"/>
+              <a:gd name="connsiteY7" fmla="*/ 0 h 6985200"/>
+              <a:gd name="connsiteX8" fmla="*/ 40463 w 6858001"/>
+              <a:gd name="connsiteY8" fmla="*/ 5883 h 6985200"/>
+              <a:gd name="connsiteX9" fmla="*/ 159107 w 6858001"/>
+              <a:gd name="connsiteY9" fmla="*/ 23196 h 6985200"/>
+              <a:gd name="connsiteX10" fmla="*/ 245518 w 6858001"/>
+              <a:gd name="connsiteY10" fmla="*/ 35299 h 6985200"/>
+              <a:gd name="connsiteX11" fmla="*/ 348388 w 6858001"/>
+              <a:gd name="connsiteY11" fmla="*/ 48073 h 6985200"/>
+              <a:gd name="connsiteX12" fmla="*/ 470460 w 6858001"/>
+              <a:gd name="connsiteY12" fmla="*/ 63369 h 6985200"/>
+              <a:gd name="connsiteX13" fmla="*/ 605563 w 6858001"/>
+              <a:gd name="connsiteY13" fmla="*/ 79506 h 6985200"/>
+              <a:gd name="connsiteX14" fmla="*/ 757810 w 6858001"/>
+              <a:gd name="connsiteY14" fmla="*/ 96483 h 6985200"/>
+              <a:gd name="connsiteX15" fmla="*/ 923774 w 6858001"/>
+              <a:gd name="connsiteY15" fmla="*/ 114469 h 6985200"/>
+              <a:gd name="connsiteX16" fmla="*/ 1104139 w 6858001"/>
+              <a:gd name="connsiteY16" fmla="*/ 132454 h 6985200"/>
+              <a:gd name="connsiteX17" fmla="*/ 1296163 w 6858001"/>
+              <a:gd name="connsiteY17" fmla="*/ 150776 h 6985200"/>
+              <a:gd name="connsiteX18" fmla="*/ 1503275 w 6858001"/>
+              <a:gd name="connsiteY18" fmla="*/ 167753 h 6985200"/>
+              <a:gd name="connsiteX19" fmla="*/ 1719988 w 6858001"/>
+              <a:gd name="connsiteY19" fmla="*/ 184058 h 6985200"/>
+              <a:gd name="connsiteX20" fmla="*/ 1949045 w 6858001"/>
+              <a:gd name="connsiteY20" fmla="*/ 198849 h 6985200"/>
+              <a:gd name="connsiteX21" fmla="*/ 2187703 w 6858001"/>
+              <a:gd name="connsiteY21" fmla="*/ 212969 h 6985200"/>
+              <a:gd name="connsiteX22" fmla="*/ 2436649 w 6858001"/>
+              <a:gd name="connsiteY22" fmla="*/ 226248 h 6985200"/>
+              <a:gd name="connsiteX23" fmla="*/ 2564208 w 6858001"/>
+              <a:gd name="connsiteY23" fmla="*/ 230955 h 6985200"/>
+              <a:gd name="connsiteX24" fmla="*/ 2694509 w 6858001"/>
+              <a:gd name="connsiteY24" fmla="*/ 236165 h 6985200"/>
+              <a:gd name="connsiteX25" fmla="*/ 2826869 w 6858001"/>
+              <a:gd name="connsiteY25" fmla="*/ 241040 h 6985200"/>
+              <a:gd name="connsiteX26" fmla="*/ 2959914 w 6858001"/>
+              <a:gd name="connsiteY26" fmla="*/ 244234 h 6985200"/>
+              <a:gd name="connsiteX27" fmla="*/ 3095702 w 6858001"/>
+              <a:gd name="connsiteY27" fmla="*/ 247091 h 6985200"/>
+              <a:gd name="connsiteX28" fmla="*/ 3232862 w 6858001"/>
+              <a:gd name="connsiteY28" fmla="*/ 250117 h 6985200"/>
+              <a:gd name="connsiteX29" fmla="*/ 3372766 w 6858001"/>
+              <a:gd name="connsiteY29" fmla="*/ 252134 h 6985200"/>
+              <a:gd name="connsiteX30" fmla="*/ 3514040 w 6858001"/>
+              <a:gd name="connsiteY30" fmla="*/ 252134 h 6985200"/>
+              <a:gd name="connsiteX31" fmla="*/ 3656686 w 6858001"/>
+              <a:gd name="connsiteY31" fmla="*/ 253142 h 6985200"/>
+              <a:gd name="connsiteX32" fmla="*/ 3800705 w 6858001"/>
+              <a:gd name="connsiteY32" fmla="*/ 252134 h 6985200"/>
+              <a:gd name="connsiteX33" fmla="*/ 3946780 w 6858001"/>
+              <a:gd name="connsiteY33" fmla="*/ 250117 h 6985200"/>
+              <a:gd name="connsiteX34" fmla="*/ 4092856 w 6858001"/>
+              <a:gd name="connsiteY34" fmla="*/ 248268 h 6985200"/>
+              <a:gd name="connsiteX35" fmla="*/ 4240988 w 6858001"/>
+              <a:gd name="connsiteY35" fmla="*/ 244234 h 6985200"/>
+              <a:gd name="connsiteX36" fmla="*/ 4390492 w 6858001"/>
+              <a:gd name="connsiteY36" fmla="*/ 240032 h 6985200"/>
+              <a:gd name="connsiteX37" fmla="*/ 4539997 w 6858001"/>
+              <a:gd name="connsiteY37" fmla="*/ 235157 h 6985200"/>
+              <a:gd name="connsiteX38" fmla="*/ 4690873 w 6858001"/>
+              <a:gd name="connsiteY38" fmla="*/ 228266 h 6985200"/>
+              <a:gd name="connsiteX39" fmla="*/ 4843120 w 6858001"/>
+              <a:gd name="connsiteY39" fmla="*/ 220029 h 6985200"/>
+              <a:gd name="connsiteX40" fmla="*/ 4996054 w 6858001"/>
+              <a:gd name="connsiteY40" fmla="*/ 212129 h 6985200"/>
+              <a:gd name="connsiteX41" fmla="*/ 5148987 w 6858001"/>
+              <a:gd name="connsiteY41" fmla="*/ 202044 h 6985200"/>
+              <a:gd name="connsiteX42" fmla="*/ 5303978 w 6858001"/>
+              <a:gd name="connsiteY42" fmla="*/ 189941 h 6985200"/>
+              <a:gd name="connsiteX43" fmla="*/ 5456911 w 6858001"/>
+              <a:gd name="connsiteY43" fmla="*/ 177839 h 6985200"/>
+              <a:gd name="connsiteX44" fmla="*/ 5612588 w 6858001"/>
+              <a:gd name="connsiteY44" fmla="*/ 163887 h 6985200"/>
+              <a:gd name="connsiteX45" fmla="*/ 5768950 w 6858001"/>
+              <a:gd name="connsiteY45" fmla="*/ 148591 h 6985200"/>
+              <a:gd name="connsiteX46" fmla="*/ 5923255 w 6858001"/>
+              <a:gd name="connsiteY46" fmla="*/ 132455 h 6985200"/>
+              <a:gd name="connsiteX47" fmla="*/ 6079618 w 6858001"/>
+              <a:gd name="connsiteY47" fmla="*/ 113629 h 6985200"/>
+              <a:gd name="connsiteX48" fmla="*/ 6235294 w 6858001"/>
+              <a:gd name="connsiteY48" fmla="*/ 93458 h 6985200"/>
+              <a:gd name="connsiteX49" fmla="*/ 6391657 w 6858001"/>
+              <a:gd name="connsiteY49" fmla="*/ 73455 h 6985200"/>
+              <a:gd name="connsiteX50" fmla="*/ 6547333 w 6858001"/>
+              <a:gd name="connsiteY50" fmla="*/ 50091 h 6985200"/>
+              <a:gd name="connsiteX51" fmla="*/ 6702324 w 6858001"/>
+              <a:gd name="connsiteY51" fmla="*/ 26222 h 6985200"/>
+            </a:gdLst>
+            <a:ahLst/>
+            <a:cxnLst>
+              <a:cxn ang="0">
+                <a:pos x="connsiteX0" y="connsiteY0"/>
+              </a:cxn>
+              <a:cxn ang="0">
+                <a:pos x="connsiteX1" y="connsiteY1"/>
+              </a:cxn>
+              <a:cxn ang="0">
+                <a:pos x="connsiteX2" y="connsiteY2"/>
+              </a:cxn>
+              <a:cxn ang="0">
+                <a:pos x="connsiteX3" y="connsiteY3"/>
+              </a:cxn>
+              <a:cxn ang="0">
+                <a:pos x="connsiteX4" y="connsiteY4"/>
+              </a:cxn>
+              <a:cxn ang="0">
+                <a:pos x="connsiteX5" y="connsiteY5"/>
+              </a:cxn>
+              <a:cxn ang="0">
+                <a:pos x="connsiteX6" y="connsiteY6"/>
+              </a:cxn>
+              <a:cxn ang="0">
+                <a:pos x="connsiteX7" y="connsiteY7"/>
+              </a:cxn>
+              <a:cxn ang="0">
+                <a:pos x="connsiteX8" y="connsiteY8"/>
+              </a:cxn>
+              <a:cxn ang="0">
+                <a:pos x="connsiteX9" y="connsiteY9"/>
+              </a:cxn>
+              <a:cxn ang="0">
+                <a:pos x="connsiteX10" y="connsiteY10"/>
+              </a:cxn>
+              <a:cxn ang="0">
+                <a:pos x="connsiteX11" y="connsiteY11"/>
+              </a:cxn>
+              <a:cxn ang="0">
+                <a:pos x="connsiteX12" y="connsiteY12"/>
+              </a:cxn>
+              <a:cxn ang="0">
+                <a:pos x="connsiteX13" y="connsiteY13"/>
+              </a:cxn>
+              <a:cxn ang="0">
+                <a:pos x="connsiteX14" y="connsiteY14"/>
+              </a:cxn>
+              <a:cxn ang="0">
+                <a:pos x="connsiteX15" y="connsiteY15"/>
+              </a:cxn>
+              <a:cxn ang="0">
+                <a:pos x="connsiteX16" y="connsiteY16"/>
+              </a:cxn>
+              <a:cxn ang="0">
+                <a:pos x="connsiteX17" y="connsiteY17"/>
+              </a:cxn>
+              <a:cxn ang="0">
+                <a:pos x="connsiteX18" y="connsiteY18"/>
+              </a:cxn>
+              <a:cxn ang="0">
+                <a:pos x="connsiteX19" y="connsiteY19"/>
+              </a:cxn>
+              <a:cxn ang="0">
+                <a:pos x="connsiteX20" y="connsiteY20"/>
+              </a:cxn>
+              <a:cxn ang="0">
+                <a:pos x="connsiteX21" y="connsiteY21"/>
+              </a:cxn>
+              <a:cxn ang="0">
+                <a:pos x="connsiteX22" y="connsiteY22"/>
+              </a:cxn>
+              <a:cxn ang="0">
+                <a:pos x="connsiteX23" y="connsiteY23"/>
+              </a:cxn>
+              <a:cxn ang="0">
+                <a:pos x="connsiteX24" y="connsiteY24"/>
+              </a:cxn>
+              <a:cxn ang="0">
+                <a:pos x="connsiteX25" y="connsiteY25"/>
+              </a:cxn>
+              <a:cxn ang="0">
+                <a:pos x="connsiteX26" y="connsiteY26"/>
+              </a:cxn>
+              <a:cxn ang="0">
+                <a:pos x="connsiteX27" y="connsiteY27"/>
+              </a:cxn>
+              <a:cxn ang="0">
+                <a:pos x="connsiteX28" y="connsiteY28"/>
+              </a:cxn>
+              <a:cxn ang="0">
+                <a:pos x="connsiteX29" y="connsiteY29"/>
+              </a:cxn>
+              <a:cxn ang="0">
+                <a:pos x="connsiteX30" y="connsiteY30"/>
+              </a:cxn>
+              <a:cxn ang="0">
+                <a:pos x="connsiteX31" y="connsiteY31"/>
+              </a:cxn>
+              <a:cxn ang="0">
+                <a:pos x="connsiteX32" y="connsiteY32"/>
+              </a:cxn>
+              <a:cxn ang="0">
+                <a:pos x="connsiteX33" y="connsiteY33"/>
+              </a:cxn>
+              <a:cxn ang="0">
+                <a:pos x="connsiteX34" y="connsiteY34"/>
+              </a:cxn>
+              <a:cxn ang="0">
+                <a:pos x="connsiteX35" y="connsiteY35"/>
+              </a:cxn>
+              <a:cxn ang="0">
+                <a:pos x="connsiteX36" y="connsiteY36"/>
+              </a:cxn>
+              <a:cxn ang="0">
+                <a:pos x="connsiteX37" y="connsiteY37"/>
+              </a:cxn>
+              <a:cxn ang="0">
+                <a:pos x="connsiteX38" y="connsiteY38"/>
+              </a:cxn>
+              <a:cxn ang="0">
+                <a:pos x="connsiteX39" y="connsiteY39"/>
+              </a:cxn>
+              <a:cxn ang="0">
+                <a:pos x="connsiteX40" y="connsiteY40"/>
+              </a:cxn>
+              <a:cxn ang="0">
+                <a:pos x="connsiteX41" y="connsiteY41"/>
+              </a:cxn>
+              <a:cxn ang="0">
+                <a:pos x="connsiteX42" y="connsiteY42"/>
+              </a:cxn>
+              <a:cxn ang="0">
+                <a:pos x="connsiteX43" y="connsiteY43"/>
+              </a:cxn>
+              <a:cxn ang="0">
+                <a:pos x="connsiteX44" y="connsiteY44"/>
+              </a:cxn>
+              <a:cxn ang="0">
+                <a:pos x="connsiteX45" y="connsiteY45"/>
+              </a:cxn>
+              <a:cxn ang="0">
+                <a:pos x="connsiteX46" y="connsiteY46"/>
+              </a:cxn>
+              <a:cxn ang="0">
+                <a:pos x="connsiteX47" y="connsiteY47"/>
+              </a:cxn>
+              <a:cxn ang="0">
+                <a:pos x="connsiteX48" y="connsiteY48"/>
+              </a:cxn>
+              <a:cxn ang="0">
+                <a:pos x="connsiteX49" y="connsiteY49"/>
+              </a:cxn>
+              <a:cxn ang="0">
+                <a:pos x="connsiteX50" y="connsiteY50"/>
+              </a:cxn>
+              <a:cxn ang="0">
+                <a:pos x="connsiteX51" y="connsiteY51"/>
+              </a:cxn>
+            </a:cxnLst>
+            <a:rect l="l" t="t" r="r" b="b"/>
+            <a:pathLst>
+              <a:path w="6858001" h="6985200">
+                <a:moveTo>
+                  <a:pt x="6858001" y="1177"/>
+                </a:moveTo>
+                <a:lnTo>
+                  <a:pt x="6858001" y="1344715"/>
+                </a:lnTo>
+                <a:lnTo>
+                  <a:pt x="6858000" y="1344715"/>
+                </a:lnTo>
+                <a:lnTo>
+                  <a:pt x="6858000" y="6985200"/>
+                </a:lnTo>
+                <a:lnTo>
+                  <a:pt x="0" y="6985199"/>
+                </a:lnTo>
+                <a:lnTo>
+                  <a:pt x="0" y="886772"/>
+                </a:lnTo>
+                <a:lnTo>
+                  <a:pt x="1" y="886772"/>
+                </a:lnTo>
+                <a:lnTo>
+                  <a:pt x="1" y="0"/>
+                </a:lnTo>
+                <a:lnTo>
+                  <a:pt x="40463" y="5883"/>
+                </a:lnTo>
+                <a:lnTo>
+                  <a:pt x="159107" y="23196"/>
+                </a:lnTo>
+                <a:lnTo>
+                  <a:pt x="245518" y="35299"/>
+                </a:lnTo>
+                <a:lnTo>
+                  <a:pt x="348388" y="48073"/>
+                </a:lnTo>
+                <a:lnTo>
+                  <a:pt x="470460" y="63369"/>
+                </a:lnTo>
+                <a:lnTo>
+                  <a:pt x="605563" y="79506"/>
+                </a:lnTo>
+                <a:lnTo>
+                  <a:pt x="757810" y="96483"/>
+                </a:lnTo>
+                <a:lnTo>
+                  <a:pt x="923774" y="114469"/>
+                </a:lnTo>
+                <a:lnTo>
+                  <a:pt x="1104139" y="132454"/>
+                </a:lnTo>
+                <a:lnTo>
+                  <a:pt x="1296163" y="150776"/>
+                </a:lnTo>
+                <a:lnTo>
+                  <a:pt x="1503275" y="167753"/>
+                </a:lnTo>
+                <a:lnTo>
+                  <a:pt x="1719988" y="184058"/>
+                </a:lnTo>
+                <a:lnTo>
+                  <a:pt x="1949045" y="198849"/>
+                </a:lnTo>
+                <a:lnTo>
+                  <a:pt x="2187703" y="212969"/>
+                </a:lnTo>
+                <a:lnTo>
+                  <a:pt x="2436649" y="226248"/>
+                </a:lnTo>
+                <a:lnTo>
+                  <a:pt x="2564208" y="230955"/>
+                </a:lnTo>
+                <a:lnTo>
+                  <a:pt x="2694509" y="236165"/>
+                </a:lnTo>
+                <a:lnTo>
+                  <a:pt x="2826869" y="241040"/>
+                </a:lnTo>
+                <a:lnTo>
+                  <a:pt x="2959914" y="244234"/>
+                </a:lnTo>
+                <a:lnTo>
+                  <a:pt x="3095702" y="247091"/>
+                </a:lnTo>
+                <a:lnTo>
+                  <a:pt x="3232862" y="250117"/>
+                </a:lnTo>
+                <a:lnTo>
+                  <a:pt x="3372766" y="252134"/>
+                </a:lnTo>
+                <a:lnTo>
+                  <a:pt x="3514040" y="252134"/>
+                </a:lnTo>
+                <a:lnTo>
+                  <a:pt x="3656686" y="253142"/>
+                </a:lnTo>
+                <a:lnTo>
+                  <a:pt x="3800705" y="252134"/>
+                </a:lnTo>
+                <a:lnTo>
+                  <a:pt x="3946780" y="250117"/>
+                </a:lnTo>
+                <a:lnTo>
+                  <a:pt x="4092856" y="248268"/>
+                </a:lnTo>
+                <a:lnTo>
+                  <a:pt x="4240988" y="244234"/>
+                </a:lnTo>
+                <a:lnTo>
+                  <a:pt x="4390492" y="240032"/>
+                </a:lnTo>
+                <a:lnTo>
+                  <a:pt x="4539997" y="235157"/>
+                </a:lnTo>
+                <a:lnTo>
+                  <a:pt x="4690873" y="228266"/>
+                </a:lnTo>
+                <a:lnTo>
+                  <a:pt x="4843120" y="220029"/>
+                </a:lnTo>
+                <a:lnTo>
+                  <a:pt x="4996054" y="212129"/>
+                </a:lnTo>
+                <a:lnTo>
+                  <a:pt x="5148987" y="202044"/>
+                </a:lnTo>
+                <a:lnTo>
+                  <a:pt x="5303978" y="189941"/>
+                </a:lnTo>
+                <a:lnTo>
+                  <a:pt x="5456911" y="177839"/>
+                </a:lnTo>
+                <a:lnTo>
+                  <a:pt x="5612588" y="163887"/>
+                </a:lnTo>
+                <a:lnTo>
+                  <a:pt x="5768950" y="148591"/>
+                </a:lnTo>
+                <a:lnTo>
+                  <a:pt x="5923255" y="132455"/>
+                </a:lnTo>
+                <a:lnTo>
+                  <a:pt x="6079618" y="113629"/>
+                </a:lnTo>
+                <a:lnTo>
+                  <a:pt x="6235294" y="93458"/>
+                </a:lnTo>
+                <a:lnTo>
+                  <a:pt x="6391657" y="73455"/>
+                </a:lnTo>
+                <a:lnTo>
+                  <a:pt x="6547333" y="50091"/>
+                </a:lnTo>
+                <a:lnTo>
+                  <a:pt x="6702324" y="26222"/>
+                </a:lnTo>
+                <a:close/>
+              </a:path>
+            </a:pathLst>
+          </a:custGeom>
+          <a:ln>
+            <a:noFill/>
+          </a:ln>
+        </p:spPr>
+        <p:txBody>
+          <a:bodyPr/>
+          <a:lstStyle/>
+          <a:p>
+            <a:endParaRPr lang="en-US"/>
+          </a:p>
+        </p:txBody>
+      </p:sp>
+      <p:sp>
+        <p:nvSpPr>
+          <p:cNvPr id="15" name="Rectangle 14">
+            <a:extLst>
+              <a:ext uri="{FF2B5EF4-FFF2-40B4-BE49-F238E27FC236}">
+                <a16:creationId xmlns:a16="http://schemas.microsoft.com/office/drawing/2014/main" id="{A92A1116-1C84-41DF-B803-1F7B0883EC82}"/>
+              </a:ext>
+              <a:ext uri="{C183D7F6-B498-43B3-948B-1728B52AA6E4}">
+                <adec:decorative xmlns:adec="http://schemas.microsoft.com/office/drawing/2017/decorative" val="1"/>
+              </a:ext>
+            </a:extLst>
+          </p:cNvPr>
+          <p:cNvSpPr>
+            <a:spLocks noGrp="1" noRot="1" noChangeAspect="1" noMove="1" noResize="1" noEditPoints="1" noAdjustHandles="1" noChangeArrowheads="1" noChangeShapeType="1" noTextEdit="1"/>
+          </p:cNvSpPr>
+          <p:nvPr>
+            <p:extLst>
+              <p:ext uri="{386F3935-93C4-4BCD-93E2-E3B085C9AB24}">
+                <p16:designElem xmlns:p16="http://schemas.microsoft.com/office/powerpoint/2015/main" val="1"/>
+              </p:ext>
+            </p:extLst>
+          </p:nvPr>
+        </p:nvSpPr>
+        <p:spPr>
+          <a:xfrm>
+            <a:off x="10442448" y="0"/>
+            <a:ext cx="685800" cy="1143000"/>
+          </a:xfrm>
+          <a:prstGeom prst="rect">
+            <a:avLst/>
+          </a:prstGeom>
+          <a:solidFill>
+            <a:schemeClr val="accent1"/>
+          </a:solidFill>
+          <a:ln>
+            <a:noFill/>
+          </a:ln>
+        </p:spPr>
+        <p:style>
+          <a:lnRef idx="1">
+            <a:schemeClr val="accent1"/>
+          </a:lnRef>
+          <a:fillRef idx="3">
+            <a:schemeClr val="accent1"/>
+          </a:fillRef>
+          <a:effectRef idx="2">
+            <a:schemeClr val="accent1"/>
+          </a:effectRef>
+          <a:fontRef idx="minor">
+            <a:schemeClr val="lt1"/>
+          </a:fontRef>
+        </p:style>
+        <p:txBody>
+          <a:bodyPr/>
+          <a:lstStyle/>
+          <a:p>
+            <a:endParaRPr lang="en-US"/>
+          </a:p>
+        </p:txBody>
+      </p:sp>
+      <p:sp>
+        <p:nvSpPr>
+          <p:cNvPr id="3" name="Content Placeholder 2">
+            <a:extLst>
+              <a:ext uri="{FF2B5EF4-FFF2-40B4-BE49-F238E27FC236}">
+                <a16:creationId xmlns:a16="http://schemas.microsoft.com/office/drawing/2014/main" id="{755DE8C3-B221-E8A9-0C2D-115F0A65A481}"/>
+              </a:ext>
+            </a:extLst>
+          </p:cNvPr>
+          <p:cNvSpPr>
+            <a:spLocks noGrp="1"/>
+          </p:cNvSpPr>
+          <p:nvPr>
+            <p:ph idx="1"/>
+          </p:nvPr>
+        </p:nvSpPr>
+        <p:spPr>
+          <a:xfrm>
+            <a:off x="648931" y="2438400"/>
+            <a:ext cx="4166509" cy="3785419"/>
+          </a:xfrm>
+        </p:spPr>
+        <p:txBody>
+          <a:bodyPr>
+            <a:normAutofit/>
+          </a:bodyPr>
+          <a:lstStyle/>
+          <a:p>
+            <a:pPr>
+              <a:lnSpc>
+                <a:spcPct val="90000"/>
+              </a:lnSpc>
+            </a:pPr>
+            <a:r>
+              <a:rPr lang="en-US" dirty="0">
+                <a:solidFill>
+                  <a:srgbClr val="EBEBEB"/>
+                </a:solidFill>
+              </a:rPr>
+              <a:t>Best Performance</a:t>
+            </a:r>
+          </a:p>
+          <a:p>
+            <a:pPr lvl="1">
+              <a:lnSpc>
+                <a:spcPct val="90000"/>
+              </a:lnSpc>
+            </a:pPr>
+            <a:r>
+              <a:rPr lang="en-US" dirty="0">
+                <a:solidFill>
+                  <a:srgbClr val="EBEBEB"/>
+                </a:solidFill>
+              </a:rPr>
+              <a:t>Logistic Regression model with balanced class weights </a:t>
+            </a:r>
+          </a:p>
+          <a:p>
+            <a:pPr lvl="1">
+              <a:lnSpc>
+                <a:spcPct val="90000"/>
+              </a:lnSpc>
+            </a:pPr>
+            <a:r>
+              <a:rPr lang="en-US" dirty="0">
+                <a:solidFill>
+                  <a:srgbClr val="EBEBEB"/>
+                </a:solidFill>
+              </a:rPr>
+              <a:t>balancing recall and precision effectively. </a:t>
+            </a:r>
+          </a:p>
+          <a:p>
+            <a:pPr>
+              <a:lnSpc>
+                <a:spcPct val="90000"/>
+              </a:lnSpc>
+            </a:pPr>
+            <a:r>
+              <a:rPr lang="en-US" dirty="0">
+                <a:solidFill>
+                  <a:srgbClr val="EBEBEB"/>
+                </a:solidFill>
+              </a:rPr>
+              <a:t>Comparison with other models </a:t>
+            </a:r>
+          </a:p>
+          <a:p>
+            <a:pPr lvl="1">
+              <a:lnSpc>
+                <a:spcPct val="90000"/>
+              </a:lnSpc>
+            </a:pPr>
+            <a:r>
+              <a:rPr lang="en-US" dirty="0">
+                <a:solidFill>
+                  <a:srgbClr val="EBEBEB"/>
+                </a:solidFill>
+              </a:rPr>
+              <a:t>importance of minimizing false negatives and false positives in medical screening tests.</a:t>
+            </a:r>
+            <a:br>
+              <a:rPr lang="en-US" dirty="0">
+                <a:solidFill>
+                  <a:srgbClr val="EBEBEB"/>
+                </a:solidFill>
+              </a:rPr>
+            </a:br>
+            <a:endParaRPr lang="en-US" dirty="0">
+              <a:solidFill>
+                <a:srgbClr val="EBEBEB"/>
+              </a:solidFill>
+            </a:endParaRPr>
+          </a:p>
+          <a:p>
+            <a:pPr>
+              <a:lnSpc>
+                <a:spcPct val="90000"/>
+              </a:lnSpc>
+            </a:pPr>
+            <a:endParaRPr lang="en-US" dirty="0">
+              <a:solidFill>
+                <a:srgbClr val="EBEBEB"/>
+              </a:solidFill>
+            </a:endParaRPr>
+          </a:p>
+        </p:txBody>
+      </p:sp>
+      <p:pic>
+        <p:nvPicPr>
+          <p:cNvPr id="4" name="Picture" title="wikilink">
+            <a:extLst>
+              <a:ext uri="{FF2B5EF4-FFF2-40B4-BE49-F238E27FC236}">
+                <a16:creationId xmlns:a16="http://schemas.microsoft.com/office/drawing/2014/main" id="{6C324FC5-4346-93A2-9AA7-6FB011C204F3}"/>
+              </a:ext>
+            </a:extLst>
+          </p:cNvPr>
+          <p:cNvPicPr/>
+          <p:nvPr/>
+        </p:nvPicPr>
+        <p:blipFill>
+          <a:blip r:embed="rId2"/>
+          <a:stretch>
+            <a:fillRect/>
+          </a:stretch>
+        </p:blipFill>
+        <p:spPr bwMode="auto">
+          <a:xfrm>
+            <a:off x="6093992" y="710867"/>
+            <a:ext cx="5449889" cy="5436263"/>
+          </a:xfrm>
+          <a:prstGeom prst="rect">
+            <a:avLst/>
+          </a:prstGeom>
+          <a:noFill/>
+          <a:effectLst/>
+        </p:spPr>
+      </p:pic>
+    </p:spTree>
+    <p:extLst>
+      <p:ext uri="{BB962C8B-B14F-4D97-AF65-F5344CB8AC3E}">
+        <p14:creationId xmlns:p14="http://schemas.microsoft.com/office/powerpoint/2010/main" val="2695943914"/>
+      </p:ext>
+    </p:extLst>
+  </p:cSld>
+  <p:clrMapOvr>
+    <a:overrideClrMapping bg1="lt1" tx1="dk1" bg2="lt2" tx2="dk2" accent1="accent1" accent2="accent2" accent3="accent3" accent4="accent4" accent5="accent5" accent6="accent6" hlink="hlink" folHlink="folHlink"/>
+  </p:clrMapOvr>
+</p:sld>
+</file>
+
+<file path=ppt/slides/slide21.xml><?xml version="1.0" encoding="utf-8"?>
+<p:sld xmlns:a="http://schemas.openxmlformats.org/drawingml/2006/main" xmlns:r="http://schemas.openxmlformats.org/officeDocument/2006/relationships" xmlns:p="http://schemas.openxmlformats.org/presentationml/2006/main">
+  <p:cSld>
+    <p:spTree>
+      <p:nvGrpSpPr>
+        <p:cNvPr id="1" name=""/>
+        <p:cNvGrpSpPr/>
+        <p:nvPr/>
+      </p:nvGrpSpPr>
+      <p:grpSpPr>
+        <a:xfrm>
+          <a:off x="0" y="0"/>
+          <a:ext cx="0" cy="0"/>
+          <a:chOff x="0" y="0"/>
+          <a:chExt cx="0" cy="0"/>
+        </a:xfrm>
+      </p:grpSpPr>
+      <p:sp>
+        <p:nvSpPr>
+          <p:cNvPr id="2" name="Title 1">
+            <a:extLst>
+              <a:ext uri="{FF2B5EF4-FFF2-40B4-BE49-F238E27FC236}">
+                <a16:creationId xmlns:a16="http://schemas.microsoft.com/office/drawing/2014/main" id="{9F9DCD54-A893-7B99-97C7-24511E204E66}"/>
+              </a:ext>
+            </a:extLst>
+          </p:cNvPr>
+          <p:cNvSpPr>
+            <a:spLocks noGrp="1"/>
+          </p:cNvSpPr>
+          <p:nvPr>
+            <p:ph type="title"/>
+          </p:nvPr>
+        </p:nvSpPr>
+        <p:spPr/>
+        <p:txBody>
+          <a:bodyPr/>
+          <a:lstStyle/>
+          <a:p>
+            <a:r>
+              <a:rPr lang="en-US" dirty="0"/>
+              <a:t>Conclusion</a:t>
+            </a:r>
+          </a:p>
+        </p:txBody>
+      </p:sp>
+      <p:sp>
+        <p:nvSpPr>
+          <p:cNvPr id="3" name="Content Placeholder 2">
+            <a:extLst>
+              <a:ext uri="{FF2B5EF4-FFF2-40B4-BE49-F238E27FC236}">
+                <a16:creationId xmlns:a16="http://schemas.microsoft.com/office/drawing/2014/main" id="{C81145E1-0AC8-163F-6461-DDC211BAFF1E}"/>
+              </a:ext>
+            </a:extLst>
+          </p:cNvPr>
+          <p:cNvSpPr>
+            <a:spLocks noGrp="1"/>
+          </p:cNvSpPr>
+          <p:nvPr>
+            <p:ph idx="1"/>
+          </p:nvPr>
+        </p:nvSpPr>
+        <p:spPr/>
+        <p:txBody>
+          <a:bodyPr/>
+          <a:lstStyle/>
+          <a:p>
+            <a:r>
+              <a:rPr lang="en-US" dirty="0"/>
+              <a:t>The balanced Logistic Regression model was found to perform the best across metrics</a:t>
+            </a:r>
+          </a:p>
+          <a:p>
+            <a:r>
+              <a:rPr lang="en-US" dirty="0"/>
+              <a:t>Goals: </a:t>
+            </a:r>
+          </a:p>
+          <a:p>
+            <a:pPr lvl="1"/>
+            <a:r>
+              <a:rPr lang="en-US" dirty="0"/>
+              <a:t>Effective predicting CHD risk</a:t>
+            </a:r>
+          </a:p>
+          <a:p>
+            <a:pPr lvl="1"/>
+            <a:r>
+              <a:rPr lang="en-US" dirty="0"/>
+              <a:t>Lowering potential impact on public health</a:t>
+            </a:r>
+          </a:p>
+          <a:p>
+            <a:pPr lvl="1"/>
+            <a:r>
+              <a:rPr lang="en-US" dirty="0"/>
+              <a:t>Focusing on early detection and targeted interventions</a:t>
+            </a:r>
+            <a:br>
+              <a:rPr lang="en-US" dirty="0"/>
+            </a:br>
+            <a:endParaRPr lang="en-US" dirty="0"/>
+          </a:p>
+        </p:txBody>
+      </p:sp>
+    </p:spTree>
+    <p:extLst>
+      <p:ext uri="{BB962C8B-B14F-4D97-AF65-F5344CB8AC3E}">
+        <p14:creationId xmlns:p14="http://schemas.microsoft.com/office/powerpoint/2010/main" val="2008700150"/>
+      </p:ext>
+    </p:extLst>
+  </p:cSld>
+  <p:clrMapOvr>
+    <a:masterClrMapping/>
+  </p:clrMapOvr>
+</p:sld>
+</file>
+
 <file path=ppt/slides/slide3.xml><?xml version="1.0" encoding="utf-8"?>
 <p:sld xmlns:a="http://schemas.openxmlformats.org/drawingml/2006/main" xmlns:r="http://schemas.openxmlformats.org/officeDocument/2006/relationships" xmlns:p="http://schemas.openxmlformats.org/presentationml/2006/main">
   <p:cSld>
@@ -9286,13 +17411,21 @@
           <a:p>
             <a:r>
               <a:rPr lang="en-US" dirty="0"/>
-              <a:t>Heart disease remains a leading cause of mortality worldwide.</a:t>
-            </a:r>
-          </a:p>
-          <a:p>
+              <a:t>Heart disease </a:t>
+            </a:r>
+          </a:p>
+          <a:p>
+            <a:pPr lvl="1"/>
             <a:r>
               <a:rPr lang="en-US" dirty="0"/>
-              <a:t>Influenced by multiple risk factors. </a:t>
+              <a:t>Remains a leading cause of mortality worldwide</a:t>
+            </a:r>
+          </a:p>
+          <a:p>
+            <a:pPr lvl="1"/>
+            <a:r>
+              <a:rPr lang="en-US" dirty="0"/>
+              <a:t>Influenced by multiple risk factors</a:t>
             </a:r>
           </a:p>
           <a:p>
@@ -9301,7 +17434,21 @@
           <a:p>
             <a:r>
               <a:rPr lang="en-US" dirty="0"/>
-              <a:t>The Framingham Study aims to predict heart disease risk within the next decade, emphasizing the need for early detection and prevention strategies.</a:t>
+              <a:t>The Framingham Study</a:t>
+            </a:r>
+          </a:p>
+          <a:p>
+            <a:pPr lvl="1"/>
+            <a:r>
+              <a:rPr lang="en-US" dirty="0"/>
+              <a:t>Aims to predict heart disease risk within the next decade</a:t>
+            </a:r>
+          </a:p>
+          <a:p>
+            <a:pPr lvl="1"/>
+            <a:r>
+              <a:rPr lang="en-US" dirty="0"/>
+              <a:t>Early detection and prevention</a:t>
             </a:r>
           </a:p>
         </p:txBody>
@@ -9553,7 +17700,7 @@
               <a:t>Develop a Prediction </a:t>
             </a:r>
             <a:r>
-              <a:rPr lang="en-US" u="sng" dirty="0"/>
+              <a:rPr lang="en-US" i="1" dirty="0"/>
               <a:t>Screening</a:t>
             </a:r>
             <a:r>
